--- a/HBM2e Simulation Using an AXI BFM.pptx
+++ b/HBM2e Simulation Using an AXI BFM.pptx
@@ -1109,7 +1109,7 @@
           <a:p>
             <a:fld id="{E10B726A-C477-6444-83BF-F1538D69AD12}" type="datetimeFigureOut">
               <a:rPr lang="en-US" smtClean="0"/>
-              <a:t>1/9/2023</a:t>
+              <a:t>1/10/2023</a:t>
             </a:fld>
             <a:endParaRPr lang="en-US" dirty="0"/>
           </a:p>
@@ -1625,7 +1625,7 @@
           </a:ln>
           <a:extLst>
             <a:ext uri="{C572A759-6A51-4108-AA02-DFA0A04FC94B}">
-              <ma14:wrappingTextBoxFlag xmlns="" xmlns:m="http://schemas.openxmlformats.org/officeDocument/2006/math" xmlns:a14="http://schemas.microsoft.com/office/drawing/2010/main" xmlns:ma14="http://schemas.microsoft.com/office/mac/drawingml/2011/main" val="1"/>
+              <ma14:wrappingTextBoxFlag xmlns:ma14="http://schemas.microsoft.com/office/mac/drawingml/2011/main" xmlns:a14="http://schemas.microsoft.com/office/drawing/2010/main" xmlns:m="http://schemas.openxmlformats.org/officeDocument/2006/math" xmlns="" val="1"/>
             </a:ext>
           </a:extLst>
         </p:spPr>
@@ -3099,7 +3099,7 @@
           </a:ln>
           <a:extLst>
             <a:ext uri="{C572A759-6A51-4108-AA02-DFA0A04FC94B}">
-              <ma14:wrappingTextBoxFlag xmlns="" xmlns:m="http://schemas.openxmlformats.org/officeDocument/2006/math" xmlns:a14="http://schemas.microsoft.com/office/drawing/2010/main" xmlns:ma14="http://schemas.microsoft.com/office/mac/drawingml/2011/main" val="1"/>
+              <ma14:wrappingTextBoxFlag xmlns:ma14="http://schemas.microsoft.com/office/mac/drawingml/2011/main" xmlns:a14="http://schemas.microsoft.com/office/drawing/2010/main" xmlns:m="http://schemas.openxmlformats.org/officeDocument/2006/math" xmlns="" val="1"/>
             </a:ext>
           </a:extLst>
         </p:spPr>
@@ -3338,7 +3338,7 @@
           </a:ln>
           <a:extLst>
             <a:ext uri="{C572A759-6A51-4108-AA02-DFA0A04FC94B}">
-              <ma14:wrappingTextBoxFlag xmlns="" xmlns:m="http://schemas.openxmlformats.org/officeDocument/2006/math" xmlns:a14="http://schemas.microsoft.com/office/drawing/2010/main" xmlns:ma14="http://schemas.microsoft.com/office/mac/drawingml/2011/main" val="1"/>
+              <ma14:wrappingTextBoxFlag xmlns:ma14="http://schemas.microsoft.com/office/mac/drawingml/2011/main" xmlns:a14="http://schemas.microsoft.com/office/drawing/2010/main" xmlns:m="http://schemas.openxmlformats.org/officeDocument/2006/math" xmlns="" val="1"/>
             </a:ext>
           </a:extLst>
         </p:spPr>
@@ -3434,7 +3434,7 @@
           </a:ln>
           <a:extLst>
             <a:ext uri="{C572A759-6A51-4108-AA02-DFA0A04FC94B}">
-              <ma14:wrappingTextBoxFlag xmlns="" xmlns:m="http://schemas.openxmlformats.org/officeDocument/2006/math" xmlns:a14="http://schemas.microsoft.com/office/drawing/2010/main" xmlns:ma14="http://schemas.microsoft.com/office/mac/drawingml/2011/main" val="1"/>
+              <ma14:wrappingTextBoxFlag xmlns:ma14="http://schemas.microsoft.com/office/mac/drawingml/2011/main" xmlns:a14="http://schemas.microsoft.com/office/drawing/2010/main" xmlns:m="http://schemas.openxmlformats.org/officeDocument/2006/math" xmlns="" val="1"/>
             </a:ext>
           </a:extLst>
         </p:spPr>
@@ -3869,7 +3869,7 @@
           </a:ln>
           <a:extLst>
             <a:ext uri="{C572A759-6A51-4108-AA02-DFA0A04FC94B}">
-              <ma14:wrappingTextBoxFlag xmlns="" xmlns:m="http://schemas.openxmlformats.org/officeDocument/2006/math" xmlns:a14="http://schemas.microsoft.com/office/drawing/2010/main" xmlns:ma14="http://schemas.microsoft.com/office/mac/drawingml/2011/main" val="1"/>
+              <ma14:wrappingTextBoxFlag xmlns:ma14="http://schemas.microsoft.com/office/mac/drawingml/2011/main" xmlns:a14="http://schemas.microsoft.com/office/drawing/2010/main" xmlns:m="http://schemas.openxmlformats.org/officeDocument/2006/math" xmlns="" val="1"/>
             </a:ext>
           </a:extLst>
         </p:spPr>
@@ -4247,7 +4247,7 @@
           </a:ln>
           <a:extLst>
             <a:ext uri="{C572A759-6A51-4108-AA02-DFA0A04FC94B}">
-              <ma14:wrappingTextBoxFlag xmlns="" xmlns:m="http://schemas.openxmlformats.org/officeDocument/2006/math" xmlns:a14="http://schemas.microsoft.com/office/drawing/2010/main" xmlns:ma14="http://schemas.microsoft.com/office/mac/drawingml/2011/main" val="1"/>
+              <ma14:wrappingTextBoxFlag xmlns:ma14="http://schemas.microsoft.com/office/mac/drawingml/2011/main" xmlns:a14="http://schemas.microsoft.com/office/drawing/2010/main" xmlns:m="http://schemas.openxmlformats.org/officeDocument/2006/math" xmlns="" val="1"/>
             </a:ext>
           </a:extLst>
         </p:spPr>
@@ -4697,7 +4697,7 @@
           </a:ln>
           <a:extLst>
             <a:ext uri="{C572A759-6A51-4108-AA02-DFA0A04FC94B}">
-              <ma14:wrappingTextBoxFlag xmlns="" xmlns:m="http://schemas.openxmlformats.org/officeDocument/2006/math" xmlns:a14="http://schemas.microsoft.com/office/drawing/2010/main" xmlns:ma14="http://schemas.microsoft.com/office/mac/drawingml/2011/main" val="1"/>
+              <ma14:wrappingTextBoxFlag xmlns:ma14="http://schemas.microsoft.com/office/mac/drawingml/2011/main" xmlns:a14="http://schemas.microsoft.com/office/drawing/2010/main" xmlns:m="http://schemas.openxmlformats.org/officeDocument/2006/math" xmlns="" val="1"/>
             </a:ext>
           </a:extLst>
         </p:spPr>
@@ -5356,7 +5356,7 @@
           </a:ln>
           <a:extLst>
             <a:ext uri="{C572A759-6A51-4108-AA02-DFA0A04FC94B}">
-              <ma14:wrappingTextBoxFlag xmlns="" xmlns:m="http://schemas.openxmlformats.org/officeDocument/2006/math" xmlns:a14="http://schemas.microsoft.com/office/drawing/2010/main" xmlns:ma14="http://schemas.microsoft.com/office/mac/drawingml/2011/main" val="1"/>
+              <ma14:wrappingTextBoxFlag xmlns:ma14="http://schemas.microsoft.com/office/mac/drawingml/2011/main" xmlns:a14="http://schemas.microsoft.com/office/drawing/2010/main" xmlns:m="http://schemas.openxmlformats.org/officeDocument/2006/math" xmlns="" val="1"/>
             </a:ext>
           </a:extLst>
         </p:spPr>
@@ -6059,7 +6059,7 @@
           </a:ln>
           <a:extLst>
             <a:ext uri="{C572A759-6A51-4108-AA02-DFA0A04FC94B}">
-              <ma14:wrappingTextBoxFlag xmlns="" xmlns:m="http://schemas.openxmlformats.org/officeDocument/2006/math" xmlns:a14="http://schemas.microsoft.com/office/drawing/2010/main" xmlns:ma14="http://schemas.microsoft.com/office/mac/drawingml/2011/main" val="1"/>
+              <ma14:wrappingTextBoxFlag xmlns:ma14="http://schemas.microsoft.com/office/mac/drawingml/2011/main" xmlns:a14="http://schemas.microsoft.com/office/drawing/2010/main" xmlns:m="http://schemas.openxmlformats.org/officeDocument/2006/math" xmlns="" val="1"/>
             </a:ext>
           </a:extLst>
         </p:spPr>
@@ -6770,7 +6770,7 @@
           </a:ln>
           <a:extLst>
             <a:ext uri="{C572A759-6A51-4108-AA02-DFA0A04FC94B}">
-              <ma14:wrappingTextBoxFlag xmlns="" xmlns:m="http://schemas.openxmlformats.org/officeDocument/2006/math" xmlns:a14="http://schemas.microsoft.com/office/drawing/2010/main" xmlns:ma14="http://schemas.microsoft.com/office/mac/drawingml/2011/main" val="1"/>
+              <ma14:wrappingTextBoxFlag xmlns:ma14="http://schemas.microsoft.com/office/mac/drawingml/2011/main" xmlns:a14="http://schemas.microsoft.com/office/drawing/2010/main" xmlns:m="http://schemas.openxmlformats.org/officeDocument/2006/math" xmlns="" val="1"/>
             </a:ext>
           </a:extLst>
         </p:spPr>
@@ -7548,7 +7548,7 @@
           </a:ln>
           <a:extLst>
             <a:ext uri="{C572A759-6A51-4108-AA02-DFA0A04FC94B}">
-              <ma14:wrappingTextBoxFlag xmlns="" xmlns:m="http://schemas.openxmlformats.org/officeDocument/2006/math" xmlns:a14="http://schemas.microsoft.com/office/drawing/2010/main" xmlns:ma14="http://schemas.microsoft.com/office/mac/drawingml/2011/main" val="1"/>
+              <ma14:wrappingTextBoxFlag xmlns:ma14="http://schemas.microsoft.com/office/mac/drawingml/2011/main" xmlns:a14="http://schemas.microsoft.com/office/drawing/2010/main" xmlns:m="http://schemas.openxmlformats.org/officeDocument/2006/math" xmlns="" val="1"/>
             </a:ext>
           </a:extLst>
         </p:spPr>
@@ -7795,7 +7795,7 @@
           </a:ln>
           <a:extLst>
             <a:ext uri="{C572A759-6A51-4108-AA02-DFA0A04FC94B}">
-              <ma14:wrappingTextBoxFlag xmlns="" xmlns:m="http://schemas.openxmlformats.org/officeDocument/2006/math" xmlns:a14="http://schemas.microsoft.com/office/drawing/2010/main" xmlns:ma14="http://schemas.microsoft.com/office/mac/drawingml/2011/main" val="1"/>
+              <ma14:wrappingTextBoxFlag xmlns:ma14="http://schemas.microsoft.com/office/mac/drawingml/2011/main" xmlns:a14="http://schemas.microsoft.com/office/drawing/2010/main" xmlns:m="http://schemas.openxmlformats.org/officeDocument/2006/math" xmlns="" val="1"/>
             </a:ext>
           </a:extLst>
         </p:spPr>
@@ -9606,7 +9606,7 @@
           </a:ln>
           <a:extLst>
             <a:ext uri="{C572A759-6A51-4108-AA02-DFA0A04FC94B}">
-              <ma14:wrappingTextBoxFlag xmlns="" xmlns:m="http://schemas.openxmlformats.org/officeDocument/2006/math" xmlns:a14="http://schemas.microsoft.com/office/drawing/2010/main" xmlns:ma14="http://schemas.microsoft.com/office/mac/drawingml/2011/main" val="1"/>
+              <ma14:wrappingTextBoxFlag xmlns:ma14="http://schemas.microsoft.com/office/mac/drawingml/2011/main" xmlns:a14="http://schemas.microsoft.com/office/drawing/2010/main" xmlns:m="http://schemas.openxmlformats.org/officeDocument/2006/math" xmlns="" val="1"/>
             </a:ext>
           </a:extLst>
         </p:spPr>
@@ -9970,7 +9970,7 @@
           </a:ln>
           <a:extLst>
             <a:ext uri="{C572A759-6A51-4108-AA02-DFA0A04FC94B}">
-              <ma14:wrappingTextBoxFlag xmlns="" xmlns:m="http://schemas.openxmlformats.org/officeDocument/2006/math" xmlns:a14="http://schemas.microsoft.com/office/drawing/2010/main" xmlns:ma14="http://schemas.microsoft.com/office/mac/drawingml/2011/main" val="1"/>
+              <ma14:wrappingTextBoxFlag xmlns:ma14="http://schemas.microsoft.com/office/mac/drawingml/2011/main" xmlns:a14="http://schemas.microsoft.com/office/drawing/2010/main" xmlns:m="http://schemas.openxmlformats.org/officeDocument/2006/math" xmlns="" val="1"/>
             </a:ext>
           </a:extLst>
         </p:spPr>
@@ -10657,7 +10657,7 @@
           </a:ln>
           <a:extLst>
             <a:ext uri="{C572A759-6A51-4108-AA02-DFA0A04FC94B}">
-              <ma14:wrappingTextBoxFlag xmlns="" xmlns:m="http://schemas.openxmlformats.org/officeDocument/2006/math" xmlns:a14="http://schemas.microsoft.com/office/drawing/2010/main" xmlns:ma14="http://schemas.microsoft.com/office/mac/drawingml/2011/main" val="1"/>
+              <ma14:wrappingTextBoxFlag xmlns:ma14="http://schemas.microsoft.com/office/mac/drawingml/2011/main" xmlns:a14="http://schemas.microsoft.com/office/drawing/2010/main" xmlns:m="http://schemas.openxmlformats.org/officeDocument/2006/math" xmlns="" val="1"/>
             </a:ext>
           </a:extLst>
         </p:spPr>
@@ -11814,7 +11814,7 @@
           </a:ln>
           <a:extLst>
             <a:ext uri="{C572A759-6A51-4108-AA02-DFA0A04FC94B}">
-              <ma14:wrappingTextBoxFlag xmlns="" xmlns:m="http://schemas.openxmlformats.org/officeDocument/2006/math" xmlns:a14="http://schemas.microsoft.com/office/drawing/2010/main" xmlns:ma14="http://schemas.microsoft.com/office/mac/drawingml/2011/main" val="1"/>
+              <ma14:wrappingTextBoxFlag xmlns:ma14="http://schemas.microsoft.com/office/mac/drawingml/2011/main" xmlns:a14="http://schemas.microsoft.com/office/drawing/2010/main" xmlns:m="http://schemas.openxmlformats.org/officeDocument/2006/math" xmlns="" val="1"/>
             </a:ext>
           </a:extLst>
         </p:spPr>
@@ -12276,7 +12276,7 @@
           </a:ln>
           <a:extLst>
             <a:ext uri="{C572A759-6A51-4108-AA02-DFA0A04FC94B}">
-              <ma14:wrappingTextBoxFlag xmlns="" xmlns:m="http://schemas.openxmlformats.org/officeDocument/2006/math" xmlns:a14="http://schemas.microsoft.com/office/drawing/2010/main" xmlns:ma14="http://schemas.microsoft.com/office/mac/drawingml/2011/main" val="1"/>
+              <ma14:wrappingTextBoxFlag xmlns:ma14="http://schemas.microsoft.com/office/mac/drawingml/2011/main" xmlns:a14="http://schemas.microsoft.com/office/drawing/2010/main" xmlns:m="http://schemas.openxmlformats.org/officeDocument/2006/math" xmlns="" val="1"/>
             </a:ext>
           </a:extLst>
         </p:spPr>
@@ -12780,7 +12780,7 @@
           </a:ln>
           <a:extLst>
             <a:ext uri="{C572A759-6A51-4108-AA02-DFA0A04FC94B}">
-              <ma14:wrappingTextBoxFlag xmlns:ma14="http://schemas.microsoft.com/office/mac/drawingml/2011/main" xmlns:a14="http://schemas.microsoft.com/office/drawing/2010/main" xmlns:m="http://schemas.openxmlformats.org/officeDocument/2006/math" xmlns="" val="1"/>
+              <ma14:wrappingTextBoxFlag xmlns="" xmlns:m="http://schemas.openxmlformats.org/officeDocument/2006/math" xmlns:a14="http://schemas.microsoft.com/office/drawing/2010/main" xmlns:ma14="http://schemas.microsoft.com/office/mac/drawingml/2011/main" val="1"/>
             </a:ext>
           </a:extLst>
         </p:spPr>
@@ -13171,7 +13171,7 @@
           </a:ln>
           <a:extLst>
             <a:ext uri="{C572A759-6A51-4108-AA02-DFA0A04FC94B}">
-              <ma14:wrappingTextBoxFlag xmlns="" xmlns:m="http://schemas.openxmlformats.org/officeDocument/2006/math" xmlns:a14="http://schemas.microsoft.com/office/drawing/2010/main" xmlns:ma14="http://schemas.microsoft.com/office/mac/drawingml/2011/main" val="1"/>
+              <ma14:wrappingTextBoxFlag xmlns:ma14="http://schemas.microsoft.com/office/mac/drawingml/2011/main" xmlns:a14="http://schemas.microsoft.com/office/drawing/2010/main" xmlns:m="http://schemas.openxmlformats.org/officeDocument/2006/math" xmlns="" val="1"/>
             </a:ext>
           </a:extLst>
         </p:spPr>
@@ -13267,7 +13267,7 @@
           </a:ln>
           <a:extLst>
             <a:ext uri="{C572A759-6A51-4108-AA02-DFA0A04FC94B}">
-              <ma14:wrappingTextBoxFlag xmlns="" xmlns:m="http://schemas.openxmlformats.org/officeDocument/2006/math" xmlns:a14="http://schemas.microsoft.com/office/drawing/2010/main" xmlns:ma14="http://schemas.microsoft.com/office/mac/drawingml/2011/main" val="1"/>
+              <ma14:wrappingTextBoxFlag xmlns:ma14="http://schemas.microsoft.com/office/mac/drawingml/2011/main" xmlns:a14="http://schemas.microsoft.com/office/drawing/2010/main" xmlns:m="http://schemas.openxmlformats.org/officeDocument/2006/math" xmlns="" val="1"/>
             </a:ext>
           </a:extLst>
         </p:spPr>
@@ -13425,7 +13425,7 @@
           </a:ln>
           <a:extLst>
             <a:ext uri="{C572A759-6A51-4108-AA02-DFA0A04FC94B}">
-              <ma14:wrappingTextBoxFlag xmlns="" xmlns:m="http://schemas.openxmlformats.org/officeDocument/2006/math" xmlns:a14="http://schemas.microsoft.com/office/drawing/2010/main" xmlns:ma14="http://schemas.microsoft.com/office/mac/drawingml/2011/main" val="1"/>
+              <ma14:wrappingTextBoxFlag xmlns:ma14="http://schemas.microsoft.com/office/mac/drawingml/2011/main" xmlns:a14="http://schemas.microsoft.com/office/drawing/2010/main" xmlns:m="http://schemas.openxmlformats.org/officeDocument/2006/math" xmlns="" val="1"/>
             </a:ext>
           </a:extLst>
         </p:spPr>
@@ -13633,7 +13633,7 @@
           </a:ln>
           <a:extLst>
             <a:ext uri="{C572A759-6A51-4108-AA02-DFA0A04FC94B}">
-              <ma14:wrappingTextBoxFlag xmlns="" xmlns:m="http://schemas.openxmlformats.org/officeDocument/2006/math" xmlns:a14="http://schemas.microsoft.com/office/drawing/2010/main" xmlns:ma14="http://schemas.microsoft.com/office/mac/drawingml/2011/main" val="1"/>
+              <ma14:wrappingTextBoxFlag xmlns:ma14="http://schemas.microsoft.com/office/mac/drawingml/2011/main" xmlns:a14="http://schemas.microsoft.com/office/drawing/2010/main" xmlns:m="http://schemas.openxmlformats.org/officeDocument/2006/math" xmlns="" val="1"/>
             </a:ext>
           </a:extLst>
         </p:spPr>
@@ -13903,7 +13903,7 @@
           </a:ln>
           <a:extLst>
             <a:ext uri="{C572A759-6A51-4108-AA02-DFA0A04FC94B}">
-              <ma14:wrappingTextBoxFlag xmlns="" xmlns:m="http://schemas.openxmlformats.org/officeDocument/2006/math" xmlns:a14="http://schemas.microsoft.com/office/drawing/2010/main" xmlns:ma14="http://schemas.microsoft.com/office/mac/drawingml/2011/main" val="1"/>
+              <ma14:wrappingTextBoxFlag xmlns:ma14="http://schemas.microsoft.com/office/mac/drawingml/2011/main" xmlns:a14="http://schemas.microsoft.com/office/drawing/2010/main" xmlns:m="http://schemas.openxmlformats.org/officeDocument/2006/math" xmlns="" val="1"/>
             </a:ext>
           </a:extLst>
         </p:spPr>
@@ -14123,7 +14123,7 @@
           </a:ln>
           <a:extLst>
             <a:ext uri="{C572A759-6A51-4108-AA02-DFA0A04FC94B}">
-              <ma14:wrappingTextBoxFlag xmlns="" xmlns:m="http://schemas.openxmlformats.org/officeDocument/2006/math" xmlns:a14="http://schemas.microsoft.com/office/drawing/2010/main" xmlns:ma14="http://schemas.microsoft.com/office/mac/drawingml/2011/main" val="1"/>
+              <ma14:wrappingTextBoxFlag xmlns:ma14="http://schemas.microsoft.com/office/mac/drawingml/2011/main" xmlns:a14="http://schemas.microsoft.com/office/drawing/2010/main" xmlns:m="http://schemas.openxmlformats.org/officeDocument/2006/math" xmlns="" val="1"/>
             </a:ext>
           </a:extLst>
         </p:spPr>
@@ -14177,7 +14177,7 @@
           </a:ln>
           <a:extLst>
             <a:ext uri="{C572A759-6A51-4108-AA02-DFA0A04FC94B}">
-              <ma14:wrappingTextBoxFlag xmlns="" xmlns:m="http://schemas.openxmlformats.org/officeDocument/2006/math" xmlns:a14="http://schemas.microsoft.com/office/drawing/2010/main" xmlns:ma14="http://schemas.microsoft.com/office/mac/drawingml/2011/main" val="1"/>
+              <ma14:wrappingTextBoxFlag xmlns:ma14="http://schemas.microsoft.com/office/mac/drawingml/2011/main" xmlns:a14="http://schemas.microsoft.com/office/drawing/2010/main" xmlns:m="http://schemas.openxmlformats.org/officeDocument/2006/math" xmlns="" val="1"/>
             </a:ext>
           </a:extLst>
         </p:spPr>
@@ -14245,7 +14245,7 @@
           </a:ln>
           <a:extLst>
             <a:ext uri="{C572A759-6A51-4108-AA02-DFA0A04FC94B}">
-              <ma14:wrappingTextBoxFlag xmlns="" xmlns:m="http://schemas.openxmlformats.org/officeDocument/2006/math" xmlns:a14="http://schemas.microsoft.com/office/drawing/2010/main" xmlns:ma14="http://schemas.microsoft.com/office/mac/drawingml/2011/main" val="1"/>
+              <ma14:wrappingTextBoxFlag xmlns:ma14="http://schemas.microsoft.com/office/mac/drawingml/2011/main" xmlns:a14="http://schemas.microsoft.com/office/drawing/2010/main" xmlns:m="http://schemas.openxmlformats.org/officeDocument/2006/math" xmlns="" val="1"/>
             </a:ext>
           </a:extLst>
         </p:spPr>
@@ -14695,7 +14695,7 @@
           </a:ln>
           <a:extLst>
             <a:ext uri="{C572A759-6A51-4108-AA02-DFA0A04FC94B}">
-              <ma14:wrappingTextBoxFlag xmlns="" xmlns:m="http://schemas.openxmlformats.org/officeDocument/2006/math" xmlns:a14="http://schemas.microsoft.com/office/drawing/2010/main" xmlns:ma14="http://schemas.microsoft.com/office/mac/drawingml/2011/main" val="1"/>
+              <ma14:wrappingTextBoxFlag xmlns:ma14="http://schemas.microsoft.com/office/mac/drawingml/2011/main" xmlns:a14="http://schemas.microsoft.com/office/drawing/2010/main" xmlns:m="http://schemas.openxmlformats.org/officeDocument/2006/math" xmlns="" val="1"/>
             </a:ext>
           </a:extLst>
         </p:spPr>
@@ -14771,7 +14771,7 @@
           </a:ln>
           <a:extLst>
             <a:ext uri="{C572A759-6A51-4108-AA02-DFA0A04FC94B}">
-              <ma14:wrappingTextBoxFlag xmlns="" xmlns:m="http://schemas.openxmlformats.org/officeDocument/2006/math" xmlns:a14="http://schemas.microsoft.com/office/drawing/2010/main" xmlns:ma14="http://schemas.microsoft.com/office/mac/drawingml/2011/main" val="1"/>
+              <ma14:wrappingTextBoxFlag xmlns:ma14="http://schemas.microsoft.com/office/mac/drawingml/2011/main" xmlns:a14="http://schemas.microsoft.com/office/drawing/2010/main" xmlns:m="http://schemas.openxmlformats.org/officeDocument/2006/math" xmlns="" val="1"/>
             </a:ext>
           </a:extLst>
         </p:spPr>
@@ -15816,8 +15816,12 @@
           <a:lstStyle/>
           <a:p>
             <a:r>
+              <a:rPr lang="en-US" sz="4600"/>
+              <a:t>HBM2e </a:t>
+            </a:r>
+            <a:r>
               <a:rPr lang="en-US" sz="4600" dirty="0"/>
-              <a:t>HBM2e Simulation Using an AXI BFM</a:t>
+              <a:t>Simulation Using an AXI BFM</a:t>
             </a:r>
           </a:p>
         </p:txBody>
@@ -20950,6 +20954,15 @@
 </file>
 
 <file path=customXml/item1.xml><?xml version="1.0" encoding="utf-8"?>
+<?mso-contentType ?>
+<FormTemplates xmlns="http://schemas.microsoft.com/sharepoint/v3/contenttype/forms">
+  <Display>DocumentLibraryForm</Display>
+  <Edit>DocumentLibraryForm</Edit>
+  <New>DocumentLibraryForm</New>
+</FormTemplates>
+</file>
+
+<file path=customXml/item2.xml><?xml version="1.0" encoding="utf-8"?>
 <ct:contentTypeSchema xmlns:ct="http://schemas.microsoft.com/office/2006/metadata/contentType" xmlns:ma="http://schemas.microsoft.com/office/2006/metadata/properties/metaAttributes" ct:_="" ma:_="" ma:contentTypeName="Document" ma:contentTypeID="0x010100D154056AC1913548A181145D96A05235" ma:contentTypeVersion="9" ma:contentTypeDescription="Create a new document." ma:contentTypeScope="" ma:versionID="6ace0ec2b5e64356200d33536677a8bd">
   <xsd:schema xmlns:xsd="http://www.w3.org/2001/XMLSchema" xmlns:xs="http://www.w3.org/2001/XMLSchema" xmlns:p="http://schemas.microsoft.com/office/2006/metadata/properties" xmlns:ns2="53a85f9c-6358-4b92-b824-b024aa1d835a" xmlns:ns3="ec8a38d1-aac5-4105-a264-6b973117bc9e" targetNamespace="http://schemas.microsoft.com/office/2006/metadata/properties" ma:root="true" ma:fieldsID="85415ff27e9347e2553f12a1d2b16bc2" ns2:_="" ns3:_="">
     <xsd:import namespace="53a85f9c-6358-4b92-b824-b024aa1d835a"/>
@@ -21146,15 +21159,6 @@
 </ct:contentTypeSchema>
 </file>
 
-<file path=customXml/item2.xml><?xml version="1.0" encoding="utf-8"?>
-<?mso-contentType ?>
-<FormTemplates xmlns="http://schemas.microsoft.com/sharepoint/v3/contenttype/forms">
-  <Display>DocumentLibraryForm</Display>
-  <Edit>DocumentLibraryForm</Edit>
-  <New>DocumentLibraryForm</New>
-</FormTemplates>
-</file>
-
 <file path=customXml/item3.xml><?xml version="1.0" encoding="utf-8"?>
 <p:properties xmlns:p="http://schemas.microsoft.com/office/2006/metadata/properties" xmlns:xsi="http://www.w3.org/2001/XMLSchema-instance" xmlns:pc="http://schemas.microsoft.com/office/infopath/2007/PartnerControls">
   <documentManagement/>
@@ -21162,6 +21166,14 @@
 </file>
 
 <file path=customXml/itemProps1.xml><?xml version="1.0" encoding="utf-8"?>
+<ds:datastoreItem xmlns:ds="http://schemas.openxmlformats.org/officeDocument/2006/customXml" ds:itemID="{201C66F3-FBD8-4B0F-98D9-445FE3649D01}">
+  <ds:schemaRefs>
+    <ds:schemaRef ds:uri="http://schemas.microsoft.com/sharepoint/v3/contenttype/forms"/>
+  </ds:schemaRefs>
+</ds:datastoreItem>
+</file>
+
+<file path=customXml/itemProps2.xml><?xml version="1.0" encoding="utf-8"?>
 <ds:datastoreItem xmlns:ds="http://schemas.openxmlformats.org/officeDocument/2006/customXml" ds:itemID="{13A06AE1-2983-44CE-B136-A501093AA36B}">
   <ds:schemaRefs>
     <ds:schemaRef ds:uri="http://schemas.microsoft.com/office/2006/metadata/contentType"/>
@@ -21180,14 +21192,6 @@
 </ds:datastoreItem>
 </file>
 
-<file path=customXml/itemProps2.xml><?xml version="1.0" encoding="utf-8"?>
-<ds:datastoreItem xmlns:ds="http://schemas.openxmlformats.org/officeDocument/2006/customXml" ds:itemID="{201C66F3-FBD8-4B0F-98D9-445FE3649D01}">
-  <ds:schemaRefs>
-    <ds:schemaRef ds:uri="http://schemas.microsoft.com/sharepoint/v3/contenttype/forms"/>
-  </ds:schemaRefs>
-</ds:datastoreItem>
-</file>
-
 <file path=customXml/itemProps3.xml><?xml version="1.0" encoding="utf-8"?>
 <ds:datastoreItem xmlns:ds="http://schemas.openxmlformats.org/officeDocument/2006/customXml" ds:itemID="{724B8A99-8161-4D52-8DFD-478F5C1B3170}">
   <ds:schemaRefs>

--- a/HBM2e Simulation Using an AXI BFM.pptx
+++ b/HBM2e Simulation Using an AXI BFM.pptx
@@ -5,10 +5,10 @@
     <p:sldMasterId id="2147483648" r:id="rId4"/>
   </p:sldMasterIdLst>
   <p:notesMasterIdLst>
-    <p:notesMasterId r:id="rId18"/>
+    <p:notesMasterId r:id="rId19"/>
   </p:notesMasterIdLst>
   <p:handoutMasterIdLst>
-    <p:handoutMasterId r:id="rId19"/>
+    <p:handoutMasterId r:id="rId20"/>
   </p:handoutMasterIdLst>
   <p:sldIdLst>
     <p:sldId id="256" r:id="rId5"/>
@@ -22,8 +22,9 @@
     <p:sldId id="316" r:id="rId13"/>
     <p:sldId id="317" r:id="rId14"/>
     <p:sldId id="322" r:id="rId15"/>
-    <p:sldId id="318" r:id="rId16"/>
-    <p:sldId id="292" r:id="rId17"/>
+    <p:sldId id="323" r:id="rId16"/>
+    <p:sldId id="318" r:id="rId17"/>
+    <p:sldId id="292" r:id="rId18"/>
   </p:sldIdLst>
   <p:sldSz cx="12192000" cy="6858000"/>
   <p:notesSz cx="6858000" cy="9144000"/>
@@ -1625,7 +1626,7 @@
           </a:ln>
           <a:extLst>
             <a:ext uri="{C572A759-6A51-4108-AA02-DFA0A04FC94B}">
-              <ma14:wrappingTextBoxFlag xmlns:ma14="http://schemas.microsoft.com/office/mac/drawingml/2011/main" xmlns:a14="http://schemas.microsoft.com/office/drawing/2010/main" xmlns:m="http://schemas.openxmlformats.org/officeDocument/2006/math" xmlns="" val="1"/>
+              <ma14:wrappingTextBoxFlag xmlns="" xmlns:m="http://schemas.openxmlformats.org/officeDocument/2006/math" xmlns:a14="http://schemas.microsoft.com/office/drawing/2010/main" xmlns:ma14="http://schemas.microsoft.com/office/mac/drawingml/2011/main" val="1"/>
             </a:ext>
           </a:extLst>
         </p:spPr>
@@ -3099,7 +3100,7 @@
           </a:ln>
           <a:extLst>
             <a:ext uri="{C572A759-6A51-4108-AA02-DFA0A04FC94B}">
-              <ma14:wrappingTextBoxFlag xmlns:ma14="http://schemas.microsoft.com/office/mac/drawingml/2011/main" xmlns:a14="http://schemas.microsoft.com/office/drawing/2010/main" xmlns:m="http://schemas.openxmlformats.org/officeDocument/2006/math" xmlns="" val="1"/>
+              <ma14:wrappingTextBoxFlag xmlns="" xmlns:m="http://schemas.openxmlformats.org/officeDocument/2006/math" xmlns:a14="http://schemas.microsoft.com/office/drawing/2010/main" xmlns:ma14="http://schemas.microsoft.com/office/mac/drawingml/2011/main" val="1"/>
             </a:ext>
           </a:extLst>
         </p:spPr>
@@ -3338,7 +3339,7 @@
           </a:ln>
           <a:extLst>
             <a:ext uri="{C572A759-6A51-4108-AA02-DFA0A04FC94B}">
-              <ma14:wrappingTextBoxFlag xmlns:ma14="http://schemas.microsoft.com/office/mac/drawingml/2011/main" xmlns:a14="http://schemas.microsoft.com/office/drawing/2010/main" xmlns:m="http://schemas.openxmlformats.org/officeDocument/2006/math" xmlns="" val="1"/>
+              <ma14:wrappingTextBoxFlag xmlns="" xmlns:m="http://schemas.openxmlformats.org/officeDocument/2006/math" xmlns:a14="http://schemas.microsoft.com/office/drawing/2010/main" xmlns:ma14="http://schemas.microsoft.com/office/mac/drawingml/2011/main" val="1"/>
             </a:ext>
           </a:extLst>
         </p:spPr>
@@ -3434,7 +3435,7 @@
           </a:ln>
           <a:extLst>
             <a:ext uri="{C572A759-6A51-4108-AA02-DFA0A04FC94B}">
-              <ma14:wrappingTextBoxFlag xmlns:ma14="http://schemas.microsoft.com/office/mac/drawingml/2011/main" xmlns:a14="http://schemas.microsoft.com/office/drawing/2010/main" xmlns:m="http://schemas.openxmlformats.org/officeDocument/2006/math" xmlns="" val="1"/>
+              <ma14:wrappingTextBoxFlag xmlns="" xmlns:m="http://schemas.openxmlformats.org/officeDocument/2006/math" xmlns:a14="http://schemas.microsoft.com/office/drawing/2010/main" xmlns:ma14="http://schemas.microsoft.com/office/mac/drawingml/2011/main" val="1"/>
             </a:ext>
           </a:extLst>
         </p:spPr>
@@ -3869,7 +3870,7 @@
           </a:ln>
           <a:extLst>
             <a:ext uri="{C572A759-6A51-4108-AA02-DFA0A04FC94B}">
-              <ma14:wrappingTextBoxFlag xmlns:ma14="http://schemas.microsoft.com/office/mac/drawingml/2011/main" xmlns:a14="http://schemas.microsoft.com/office/drawing/2010/main" xmlns:m="http://schemas.openxmlformats.org/officeDocument/2006/math" xmlns="" val="1"/>
+              <ma14:wrappingTextBoxFlag xmlns="" xmlns:m="http://schemas.openxmlformats.org/officeDocument/2006/math" xmlns:a14="http://schemas.microsoft.com/office/drawing/2010/main" xmlns:ma14="http://schemas.microsoft.com/office/mac/drawingml/2011/main" val="1"/>
             </a:ext>
           </a:extLst>
         </p:spPr>
@@ -4247,7 +4248,7 @@
           </a:ln>
           <a:extLst>
             <a:ext uri="{C572A759-6A51-4108-AA02-DFA0A04FC94B}">
-              <ma14:wrappingTextBoxFlag xmlns:ma14="http://schemas.microsoft.com/office/mac/drawingml/2011/main" xmlns:a14="http://schemas.microsoft.com/office/drawing/2010/main" xmlns:m="http://schemas.openxmlformats.org/officeDocument/2006/math" xmlns="" val="1"/>
+              <ma14:wrappingTextBoxFlag xmlns="" xmlns:m="http://schemas.openxmlformats.org/officeDocument/2006/math" xmlns:a14="http://schemas.microsoft.com/office/drawing/2010/main" xmlns:ma14="http://schemas.microsoft.com/office/mac/drawingml/2011/main" val="1"/>
             </a:ext>
           </a:extLst>
         </p:spPr>
@@ -4697,7 +4698,7 @@
           </a:ln>
           <a:extLst>
             <a:ext uri="{C572A759-6A51-4108-AA02-DFA0A04FC94B}">
-              <ma14:wrappingTextBoxFlag xmlns:ma14="http://schemas.microsoft.com/office/mac/drawingml/2011/main" xmlns:a14="http://schemas.microsoft.com/office/drawing/2010/main" xmlns:m="http://schemas.openxmlformats.org/officeDocument/2006/math" xmlns="" val="1"/>
+              <ma14:wrappingTextBoxFlag xmlns="" xmlns:m="http://schemas.openxmlformats.org/officeDocument/2006/math" xmlns:a14="http://schemas.microsoft.com/office/drawing/2010/main" xmlns:ma14="http://schemas.microsoft.com/office/mac/drawingml/2011/main" val="1"/>
             </a:ext>
           </a:extLst>
         </p:spPr>
@@ -5356,7 +5357,7 @@
           </a:ln>
           <a:extLst>
             <a:ext uri="{C572A759-6A51-4108-AA02-DFA0A04FC94B}">
-              <ma14:wrappingTextBoxFlag xmlns:ma14="http://schemas.microsoft.com/office/mac/drawingml/2011/main" xmlns:a14="http://schemas.microsoft.com/office/drawing/2010/main" xmlns:m="http://schemas.openxmlformats.org/officeDocument/2006/math" xmlns="" val="1"/>
+              <ma14:wrappingTextBoxFlag xmlns="" xmlns:m="http://schemas.openxmlformats.org/officeDocument/2006/math" xmlns:a14="http://schemas.microsoft.com/office/drawing/2010/main" xmlns:ma14="http://schemas.microsoft.com/office/mac/drawingml/2011/main" val="1"/>
             </a:ext>
           </a:extLst>
         </p:spPr>
@@ -6059,7 +6060,7 @@
           </a:ln>
           <a:extLst>
             <a:ext uri="{C572A759-6A51-4108-AA02-DFA0A04FC94B}">
-              <ma14:wrappingTextBoxFlag xmlns:ma14="http://schemas.microsoft.com/office/mac/drawingml/2011/main" xmlns:a14="http://schemas.microsoft.com/office/drawing/2010/main" xmlns:m="http://schemas.openxmlformats.org/officeDocument/2006/math" xmlns="" val="1"/>
+              <ma14:wrappingTextBoxFlag xmlns="" xmlns:m="http://schemas.openxmlformats.org/officeDocument/2006/math" xmlns:a14="http://schemas.microsoft.com/office/drawing/2010/main" xmlns:ma14="http://schemas.microsoft.com/office/mac/drawingml/2011/main" val="1"/>
             </a:ext>
           </a:extLst>
         </p:spPr>
@@ -6770,7 +6771,7 @@
           </a:ln>
           <a:extLst>
             <a:ext uri="{C572A759-6A51-4108-AA02-DFA0A04FC94B}">
-              <ma14:wrappingTextBoxFlag xmlns:ma14="http://schemas.microsoft.com/office/mac/drawingml/2011/main" xmlns:a14="http://schemas.microsoft.com/office/drawing/2010/main" xmlns:m="http://schemas.openxmlformats.org/officeDocument/2006/math" xmlns="" val="1"/>
+              <ma14:wrappingTextBoxFlag xmlns="" xmlns:m="http://schemas.openxmlformats.org/officeDocument/2006/math" xmlns:a14="http://schemas.microsoft.com/office/drawing/2010/main" xmlns:ma14="http://schemas.microsoft.com/office/mac/drawingml/2011/main" val="1"/>
             </a:ext>
           </a:extLst>
         </p:spPr>
@@ -7548,7 +7549,7 @@
           </a:ln>
           <a:extLst>
             <a:ext uri="{C572A759-6A51-4108-AA02-DFA0A04FC94B}">
-              <ma14:wrappingTextBoxFlag xmlns:ma14="http://schemas.microsoft.com/office/mac/drawingml/2011/main" xmlns:a14="http://schemas.microsoft.com/office/drawing/2010/main" xmlns:m="http://schemas.openxmlformats.org/officeDocument/2006/math" xmlns="" val="1"/>
+              <ma14:wrappingTextBoxFlag xmlns="" xmlns:m="http://schemas.openxmlformats.org/officeDocument/2006/math" xmlns:a14="http://schemas.microsoft.com/office/drawing/2010/main" xmlns:ma14="http://schemas.microsoft.com/office/mac/drawingml/2011/main" val="1"/>
             </a:ext>
           </a:extLst>
         </p:spPr>
@@ -7795,7 +7796,7 @@
           </a:ln>
           <a:extLst>
             <a:ext uri="{C572A759-6A51-4108-AA02-DFA0A04FC94B}">
-              <ma14:wrappingTextBoxFlag xmlns:ma14="http://schemas.microsoft.com/office/mac/drawingml/2011/main" xmlns:a14="http://schemas.microsoft.com/office/drawing/2010/main" xmlns:m="http://schemas.openxmlformats.org/officeDocument/2006/math" xmlns="" val="1"/>
+              <ma14:wrappingTextBoxFlag xmlns="" xmlns:m="http://schemas.openxmlformats.org/officeDocument/2006/math" xmlns:a14="http://schemas.microsoft.com/office/drawing/2010/main" xmlns:ma14="http://schemas.microsoft.com/office/mac/drawingml/2011/main" val="1"/>
             </a:ext>
           </a:extLst>
         </p:spPr>
@@ -9606,7 +9607,7 @@
           </a:ln>
           <a:extLst>
             <a:ext uri="{C572A759-6A51-4108-AA02-DFA0A04FC94B}">
-              <ma14:wrappingTextBoxFlag xmlns:ma14="http://schemas.microsoft.com/office/mac/drawingml/2011/main" xmlns:a14="http://schemas.microsoft.com/office/drawing/2010/main" xmlns:m="http://schemas.openxmlformats.org/officeDocument/2006/math" xmlns="" val="1"/>
+              <ma14:wrappingTextBoxFlag xmlns="" xmlns:m="http://schemas.openxmlformats.org/officeDocument/2006/math" xmlns:a14="http://schemas.microsoft.com/office/drawing/2010/main" xmlns:ma14="http://schemas.microsoft.com/office/mac/drawingml/2011/main" val="1"/>
             </a:ext>
           </a:extLst>
         </p:spPr>
@@ -9970,7 +9971,7 @@
           </a:ln>
           <a:extLst>
             <a:ext uri="{C572A759-6A51-4108-AA02-DFA0A04FC94B}">
-              <ma14:wrappingTextBoxFlag xmlns:ma14="http://schemas.microsoft.com/office/mac/drawingml/2011/main" xmlns:a14="http://schemas.microsoft.com/office/drawing/2010/main" xmlns:m="http://schemas.openxmlformats.org/officeDocument/2006/math" xmlns="" val="1"/>
+              <ma14:wrappingTextBoxFlag xmlns="" xmlns:m="http://schemas.openxmlformats.org/officeDocument/2006/math" xmlns:a14="http://schemas.microsoft.com/office/drawing/2010/main" xmlns:ma14="http://schemas.microsoft.com/office/mac/drawingml/2011/main" val="1"/>
             </a:ext>
           </a:extLst>
         </p:spPr>
@@ -10657,7 +10658,7 @@
           </a:ln>
           <a:extLst>
             <a:ext uri="{C572A759-6A51-4108-AA02-DFA0A04FC94B}">
-              <ma14:wrappingTextBoxFlag xmlns:ma14="http://schemas.microsoft.com/office/mac/drawingml/2011/main" xmlns:a14="http://schemas.microsoft.com/office/drawing/2010/main" xmlns:m="http://schemas.openxmlformats.org/officeDocument/2006/math" xmlns="" val="1"/>
+              <ma14:wrappingTextBoxFlag xmlns="" xmlns:m="http://schemas.openxmlformats.org/officeDocument/2006/math" xmlns:a14="http://schemas.microsoft.com/office/drawing/2010/main" xmlns:ma14="http://schemas.microsoft.com/office/mac/drawingml/2011/main" val="1"/>
             </a:ext>
           </a:extLst>
         </p:spPr>
@@ -11814,7 +11815,7 @@
           </a:ln>
           <a:extLst>
             <a:ext uri="{C572A759-6A51-4108-AA02-DFA0A04FC94B}">
-              <ma14:wrappingTextBoxFlag xmlns:ma14="http://schemas.microsoft.com/office/mac/drawingml/2011/main" xmlns:a14="http://schemas.microsoft.com/office/drawing/2010/main" xmlns:m="http://schemas.openxmlformats.org/officeDocument/2006/math" xmlns="" val="1"/>
+              <ma14:wrappingTextBoxFlag xmlns="" xmlns:m="http://schemas.openxmlformats.org/officeDocument/2006/math" xmlns:a14="http://schemas.microsoft.com/office/drawing/2010/main" xmlns:ma14="http://schemas.microsoft.com/office/mac/drawingml/2011/main" val="1"/>
             </a:ext>
           </a:extLst>
         </p:spPr>
@@ -12276,7 +12277,7 @@
           </a:ln>
           <a:extLst>
             <a:ext uri="{C572A759-6A51-4108-AA02-DFA0A04FC94B}">
-              <ma14:wrappingTextBoxFlag xmlns:ma14="http://schemas.microsoft.com/office/mac/drawingml/2011/main" xmlns:a14="http://schemas.microsoft.com/office/drawing/2010/main" xmlns:m="http://schemas.openxmlformats.org/officeDocument/2006/math" xmlns="" val="1"/>
+              <ma14:wrappingTextBoxFlag xmlns="" xmlns:m="http://schemas.openxmlformats.org/officeDocument/2006/math" xmlns:a14="http://schemas.microsoft.com/office/drawing/2010/main" xmlns:ma14="http://schemas.microsoft.com/office/mac/drawingml/2011/main" val="1"/>
             </a:ext>
           </a:extLst>
         </p:spPr>
@@ -12780,7 +12781,7 @@
           </a:ln>
           <a:extLst>
             <a:ext uri="{C572A759-6A51-4108-AA02-DFA0A04FC94B}">
-              <ma14:wrappingTextBoxFlag xmlns="" xmlns:m="http://schemas.openxmlformats.org/officeDocument/2006/math" xmlns:a14="http://schemas.microsoft.com/office/drawing/2010/main" xmlns:ma14="http://schemas.microsoft.com/office/mac/drawingml/2011/main" val="1"/>
+              <ma14:wrappingTextBoxFlag xmlns:ma14="http://schemas.microsoft.com/office/mac/drawingml/2011/main" xmlns:a14="http://schemas.microsoft.com/office/drawing/2010/main" xmlns:m="http://schemas.openxmlformats.org/officeDocument/2006/math" xmlns="" val="1"/>
             </a:ext>
           </a:extLst>
         </p:spPr>
@@ -13171,7 +13172,7 @@
           </a:ln>
           <a:extLst>
             <a:ext uri="{C572A759-6A51-4108-AA02-DFA0A04FC94B}">
-              <ma14:wrappingTextBoxFlag xmlns:ma14="http://schemas.microsoft.com/office/mac/drawingml/2011/main" xmlns:a14="http://schemas.microsoft.com/office/drawing/2010/main" xmlns:m="http://schemas.openxmlformats.org/officeDocument/2006/math" xmlns="" val="1"/>
+              <ma14:wrappingTextBoxFlag xmlns="" xmlns:m="http://schemas.openxmlformats.org/officeDocument/2006/math" xmlns:a14="http://schemas.microsoft.com/office/drawing/2010/main" xmlns:ma14="http://schemas.microsoft.com/office/mac/drawingml/2011/main" val="1"/>
             </a:ext>
           </a:extLst>
         </p:spPr>
@@ -13267,7 +13268,7 @@
           </a:ln>
           <a:extLst>
             <a:ext uri="{C572A759-6A51-4108-AA02-DFA0A04FC94B}">
-              <ma14:wrappingTextBoxFlag xmlns:ma14="http://schemas.microsoft.com/office/mac/drawingml/2011/main" xmlns:a14="http://schemas.microsoft.com/office/drawing/2010/main" xmlns:m="http://schemas.openxmlformats.org/officeDocument/2006/math" xmlns="" val="1"/>
+              <ma14:wrappingTextBoxFlag xmlns="" xmlns:m="http://schemas.openxmlformats.org/officeDocument/2006/math" xmlns:a14="http://schemas.microsoft.com/office/drawing/2010/main" xmlns:ma14="http://schemas.microsoft.com/office/mac/drawingml/2011/main" val="1"/>
             </a:ext>
           </a:extLst>
         </p:spPr>
@@ -13425,7 +13426,7 @@
           </a:ln>
           <a:extLst>
             <a:ext uri="{C572A759-6A51-4108-AA02-DFA0A04FC94B}">
-              <ma14:wrappingTextBoxFlag xmlns:ma14="http://schemas.microsoft.com/office/mac/drawingml/2011/main" xmlns:a14="http://schemas.microsoft.com/office/drawing/2010/main" xmlns:m="http://schemas.openxmlformats.org/officeDocument/2006/math" xmlns="" val="1"/>
+              <ma14:wrappingTextBoxFlag xmlns="" xmlns:m="http://schemas.openxmlformats.org/officeDocument/2006/math" xmlns:a14="http://schemas.microsoft.com/office/drawing/2010/main" xmlns:ma14="http://schemas.microsoft.com/office/mac/drawingml/2011/main" val="1"/>
             </a:ext>
           </a:extLst>
         </p:spPr>
@@ -13633,7 +13634,7 @@
           </a:ln>
           <a:extLst>
             <a:ext uri="{C572A759-6A51-4108-AA02-DFA0A04FC94B}">
-              <ma14:wrappingTextBoxFlag xmlns:ma14="http://schemas.microsoft.com/office/mac/drawingml/2011/main" xmlns:a14="http://schemas.microsoft.com/office/drawing/2010/main" xmlns:m="http://schemas.openxmlformats.org/officeDocument/2006/math" xmlns="" val="1"/>
+              <ma14:wrappingTextBoxFlag xmlns="" xmlns:m="http://schemas.openxmlformats.org/officeDocument/2006/math" xmlns:a14="http://schemas.microsoft.com/office/drawing/2010/main" xmlns:ma14="http://schemas.microsoft.com/office/mac/drawingml/2011/main" val="1"/>
             </a:ext>
           </a:extLst>
         </p:spPr>
@@ -13903,7 +13904,7 @@
           </a:ln>
           <a:extLst>
             <a:ext uri="{C572A759-6A51-4108-AA02-DFA0A04FC94B}">
-              <ma14:wrappingTextBoxFlag xmlns:ma14="http://schemas.microsoft.com/office/mac/drawingml/2011/main" xmlns:a14="http://schemas.microsoft.com/office/drawing/2010/main" xmlns:m="http://schemas.openxmlformats.org/officeDocument/2006/math" xmlns="" val="1"/>
+              <ma14:wrappingTextBoxFlag xmlns="" xmlns:m="http://schemas.openxmlformats.org/officeDocument/2006/math" xmlns:a14="http://schemas.microsoft.com/office/drawing/2010/main" xmlns:ma14="http://schemas.microsoft.com/office/mac/drawingml/2011/main" val="1"/>
             </a:ext>
           </a:extLst>
         </p:spPr>
@@ -14123,7 +14124,7 @@
           </a:ln>
           <a:extLst>
             <a:ext uri="{C572A759-6A51-4108-AA02-DFA0A04FC94B}">
-              <ma14:wrappingTextBoxFlag xmlns:ma14="http://schemas.microsoft.com/office/mac/drawingml/2011/main" xmlns:a14="http://schemas.microsoft.com/office/drawing/2010/main" xmlns:m="http://schemas.openxmlformats.org/officeDocument/2006/math" xmlns="" val="1"/>
+              <ma14:wrappingTextBoxFlag xmlns="" xmlns:m="http://schemas.openxmlformats.org/officeDocument/2006/math" xmlns:a14="http://schemas.microsoft.com/office/drawing/2010/main" xmlns:ma14="http://schemas.microsoft.com/office/mac/drawingml/2011/main" val="1"/>
             </a:ext>
           </a:extLst>
         </p:spPr>
@@ -14177,7 +14178,7 @@
           </a:ln>
           <a:extLst>
             <a:ext uri="{C572A759-6A51-4108-AA02-DFA0A04FC94B}">
-              <ma14:wrappingTextBoxFlag xmlns:ma14="http://schemas.microsoft.com/office/mac/drawingml/2011/main" xmlns:a14="http://schemas.microsoft.com/office/drawing/2010/main" xmlns:m="http://schemas.openxmlformats.org/officeDocument/2006/math" xmlns="" val="1"/>
+              <ma14:wrappingTextBoxFlag xmlns="" xmlns:m="http://schemas.openxmlformats.org/officeDocument/2006/math" xmlns:a14="http://schemas.microsoft.com/office/drawing/2010/main" xmlns:ma14="http://schemas.microsoft.com/office/mac/drawingml/2011/main" val="1"/>
             </a:ext>
           </a:extLst>
         </p:spPr>
@@ -14245,7 +14246,7 @@
           </a:ln>
           <a:extLst>
             <a:ext uri="{C572A759-6A51-4108-AA02-DFA0A04FC94B}">
-              <ma14:wrappingTextBoxFlag xmlns:ma14="http://schemas.microsoft.com/office/mac/drawingml/2011/main" xmlns:a14="http://schemas.microsoft.com/office/drawing/2010/main" xmlns:m="http://schemas.openxmlformats.org/officeDocument/2006/math" xmlns="" val="1"/>
+              <ma14:wrappingTextBoxFlag xmlns="" xmlns:m="http://schemas.openxmlformats.org/officeDocument/2006/math" xmlns:a14="http://schemas.microsoft.com/office/drawing/2010/main" xmlns:ma14="http://schemas.microsoft.com/office/mac/drawingml/2011/main" val="1"/>
             </a:ext>
           </a:extLst>
         </p:spPr>
@@ -14695,7 +14696,7 @@
           </a:ln>
           <a:extLst>
             <a:ext uri="{C572A759-6A51-4108-AA02-DFA0A04FC94B}">
-              <ma14:wrappingTextBoxFlag xmlns:ma14="http://schemas.microsoft.com/office/mac/drawingml/2011/main" xmlns:a14="http://schemas.microsoft.com/office/drawing/2010/main" xmlns:m="http://schemas.openxmlformats.org/officeDocument/2006/math" xmlns="" val="1"/>
+              <ma14:wrappingTextBoxFlag xmlns="" xmlns:m="http://schemas.openxmlformats.org/officeDocument/2006/math" xmlns:a14="http://schemas.microsoft.com/office/drawing/2010/main" xmlns:ma14="http://schemas.microsoft.com/office/mac/drawingml/2011/main" val="1"/>
             </a:ext>
           </a:extLst>
         </p:spPr>
@@ -14771,7 +14772,7 @@
           </a:ln>
           <a:extLst>
             <a:ext uri="{C572A759-6A51-4108-AA02-DFA0A04FC94B}">
-              <ma14:wrappingTextBoxFlag xmlns:ma14="http://schemas.microsoft.com/office/mac/drawingml/2011/main" xmlns:a14="http://schemas.microsoft.com/office/drawing/2010/main" xmlns:m="http://schemas.openxmlformats.org/officeDocument/2006/math" xmlns="" val="1"/>
+              <ma14:wrappingTextBoxFlag xmlns="" xmlns:m="http://schemas.openxmlformats.org/officeDocument/2006/math" xmlns:a14="http://schemas.microsoft.com/office/drawing/2010/main" xmlns:ma14="http://schemas.microsoft.com/office/mac/drawingml/2011/main" val="1"/>
             </a:ext>
           </a:extLst>
         </p:spPr>
@@ -16459,6 +16460,193 @@
         <p:spPr>
           <a:xfrm>
             <a:off x="609598" y="1862440"/>
+            <a:ext cx="10811437" cy="369332"/>
+          </a:xfrm>
+          <a:prstGeom prst="rect">
+            <a:avLst/>
+          </a:prstGeom>
+          <a:noFill/>
+          <a:ln w="12700" cap="flat">
+            <a:noFill/>
+            <a:miter lim="400000"/>
+          </a:ln>
+          <a:effectLst/>
+          <a:sp3d/>
+        </p:spPr>
+        <p:style>
+          <a:lnRef idx="0">
+            <a:scrgbClr r="0" g="0" b="0"/>
+          </a:lnRef>
+          <a:fillRef idx="0">
+            <a:scrgbClr r="0" g="0" b="0"/>
+          </a:fillRef>
+          <a:effectRef idx="0">
+            <a:scrgbClr r="0" g="0" b="0"/>
+          </a:effectRef>
+          <a:fontRef idx="none"/>
+        </p:style>
+        <p:txBody>
+          <a:bodyPr rot="0" spcFirstLastPara="1" vertOverflow="overflow" horzOverflow="overflow" vert="horz" wrap="square" lIns="0" tIns="0" rIns="0" bIns="0" numCol="1" spcCol="38100" rtlCol="0" anchor="t" anchorCtr="0">
+            <a:spAutoFit/>
+          </a:bodyPr>
+          <a:lstStyle/>
+          <a:p>
+            <a:pPr marL="342900" marR="0" indent="-342900" algn="l" defTabSz="2438338" rtl="0" fontAlgn="auto" latinLnBrk="0" hangingPunct="0">
+              <a:lnSpc>
+                <a:spcPct val="100000"/>
+              </a:lnSpc>
+              <a:spcBef>
+                <a:spcPts val="0"/>
+              </a:spcBef>
+              <a:spcAft>
+                <a:spcPts val="0"/>
+              </a:spcAft>
+              <a:buClrTx/>
+              <a:buSzTx/>
+              <a:buFont typeface="Arial" panose="020B0604020202020204" pitchFamily="34" charset="0"/>
+              <a:buChar char="•"/>
+              <a:tabLst/>
+            </a:pPr>
+            <a:r>
+              <a:rPr lang="en-US" dirty="0">
+                <a:solidFill>
+                  <a:schemeClr val="tx2"/>
+                </a:solidFill>
+              </a:rPr>
+              <a:t>Git code link: </a:t>
+            </a:r>
+            <a:r>
+              <a:rPr lang="en-US" dirty="0">
+                <a:solidFill>
+                  <a:schemeClr val="tx2"/>
+                </a:solidFill>
+                <a:hlinkClick r:id="rId2"/>
+              </a:rPr>
+              <a:t>https://github.com/kevweldon/HBM2e_AXI_BFM_Simulation</a:t>
+            </a:r>
+            <a:endParaRPr lang="en-US" dirty="0">
+              <a:solidFill>
+                <a:schemeClr val="tx2"/>
+              </a:solidFill>
+            </a:endParaRPr>
+          </a:p>
+        </p:txBody>
+      </p:sp>
+      <p:pic>
+        <p:nvPicPr>
+          <p:cNvPr id="4" name="Picture 3">
+            <a:extLst>
+              <a:ext uri="{FF2B5EF4-FFF2-40B4-BE49-F238E27FC236}">
+                <a16:creationId xmlns:a16="http://schemas.microsoft.com/office/drawing/2014/main" id="{7369DD91-32E6-44DC-8D89-1EBC61F39FCD}"/>
+              </a:ext>
+            </a:extLst>
+          </p:cNvPr>
+          <p:cNvPicPr>
+            <a:picLocks noChangeAspect="1"/>
+          </p:cNvPicPr>
+          <p:nvPr/>
+        </p:nvPicPr>
+        <p:blipFill>
+          <a:blip r:embed="rId3"/>
+          <a:stretch>
+            <a:fillRect/>
+          </a:stretch>
+        </p:blipFill>
+        <p:spPr>
+          <a:xfrm>
+            <a:off x="1402091" y="2453120"/>
+            <a:ext cx="8905875" cy="3676650"/>
+          </a:xfrm>
+          <a:prstGeom prst="rect">
+            <a:avLst/>
+          </a:prstGeom>
+        </p:spPr>
+      </p:pic>
+    </p:spTree>
+    <p:extLst>
+      <p:ext uri="{BB962C8B-B14F-4D97-AF65-F5344CB8AC3E}">
+        <p14:creationId xmlns:p14="http://schemas.microsoft.com/office/powerpoint/2010/main" val="2838175272"/>
+      </p:ext>
+    </p:extLst>
+  </p:cSld>
+  <p:clrMapOvr>
+    <a:masterClrMapping/>
+  </p:clrMapOvr>
+  <mc:AlternateContent xmlns:mc="http://schemas.openxmlformats.org/markup-compatibility/2006" xmlns:p14="http://schemas.microsoft.com/office/powerpoint/2010/main">
+    <mc:Choice Requires="p14">
+      <p:transition spd="med" p14:dur="700">
+        <p:fade/>
+      </p:transition>
+    </mc:Choice>
+    <mc:Fallback xmlns="">
+      <p:transition spd="med">
+        <p:fade/>
+      </p:transition>
+    </mc:Fallback>
+  </mc:AlternateContent>
+</p:sld>
+</file>
+
+<file path=ppt/slides/slide13.xml><?xml version="1.0" encoding="utf-8"?>
+<p:sld xmlns:a="http://schemas.openxmlformats.org/drawingml/2006/main" xmlns:r="http://schemas.openxmlformats.org/officeDocument/2006/relationships" xmlns:p="http://schemas.openxmlformats.org/presentationml/2006/main">
+  <p:cSld>
+    <p:spTree>
+      <p:nvGrpSpPr>
+        <p:cNvPr id="1" name=""/>
+        <p:cNvGrpSpPr/>
+        <p:nvPr/>
+      </p:nvGrpSpPr>
+      <p:grpSpPr>
+        <a:xfrm>
+          <a:off x="0" y="0"/>
+          <a:ext cx="0" cy="0"/>
+          <a:chOff x="0" y="0"/>
+          <a:chExt cx="0" cy="0"/>
+        </a:xfrm>
+      </p:grpSpPr>
+      <p:sp>
+        <p:nvSpPr>
+          <p:cNvPr id="3" name="Title 2">
+            <a:extLst>
+              <a:ext uri="{FF2B5EF4-FFF2-40B4-BE49-F238E27FC236}">
+                <a16:creationId xmlns:a16="http://schemas.microsoft.com/office/drawing/2014/main" id="{8510157E-852C-419E-88D7-C16C33F195A2}"/>
+              </a:ext>
+            </a:extLst>
+          </p:cNvPr>
+          <p:cNvSpPr>
+            <a:spLocks noGrp="1"/>
+          </p:cNvSpPr>
+          <p:nvPr>
+            <p:ph type="title"/>
+          </p:nvPr>
+        </p:nvSpPr>
+        <p:spPr/>
+        <p:txBody>
+          <a:bodyPr/>
+          <a:lstStyle/>
+          <a:p>
+            <a:r>
+              <a:rPr lang="en-US" dirty="0"/>
+              <a:t>Simulation Example Location</a:t>
+            </a:r>
+          </a:p>
+        </p:txBody>
+      </p:sp>
+      <p:sp>
+        <p:nvSpPr>
+          <p:cNvPr id="5" name="TextBox 4">
+            <a:extLst>
+              <a:ext uri="{FF2B5EF4-FFF2-40B4-BE49-F238E27FC236}">
+                <a16:creationId xmlns:a16="http://schemas.microsoft.com/office/drawing/2014/main" id="{6A0326DE-BE91-4702-9941-6833972E8F57}"/>
+              </a:ext>
+            </a:extLst>
+          </p:cNvPr>
+          <p:cNvSpPr txBox="1"/>
+          <p:nvPr/>
+        </p:nvSpPr>
+        <p:spPr>
+          <a:xfrm>
+            <a:off x="609598" y="1862440"/>
             <a:ext cx="10811437" cy="2769989"/>
           </a:xfrm>
           <a:prstGeom prst="rect">
@@ -16820,7 +17008,7 @@
 </p:sld>
 </file>
 
-<file path=ppt/slides/slide13.xml><?xml version="1.0" encoding="utf-8"?>
+<file path=ppt/slides/slide14.xml><?xml version="1.0" encoding="utf-8"?>
 <p:sld xmlns:a="http://schemas.openxmlformats.org/drawingml/2006/main" xmlns:r="http://schemas.openxmlformats.org/officeDocument/2006/relationships" xmlns:p="http://schemas.openxmlformats.org/presentationml/2006/main">
   <p:cSld>
     <p:spTree>
@@ -20954,15 +21142,6 @@
 </file>
 
 <file path=customXml/item1.xml><?xml version="1.0" encoding="utf-8"?>
-<?mso-contentType ?>
-<FormTemplates xmlns="http://schemas.microsoft.com/sharepoint/v3/contenttype/forms">
-  <Display>DocumentLibraryForm</Display>
-  <Edit>DocumentLibraryForm</Edit>
-  <New>DocumentLibraryForm</New>
-</FormTemplates>
-</file>
-
-<file path=customXml/item2.xml><?xml version="1.0" encoding="utf-8"?>
 <ct:contentTypeSchema xmlns:ct="http://schemas.microsoft.com/office/2006/metadata/contentType" xmlns:ma="http://schemas.microsoft.com/office/2006/metadata/properties/metaAttributes" ct:_="" ma:_="" ma:contentTypeName="Document" ma:contentTypeID="0x010100D154056AC1913548A181145D96A05235" ma:contentTypeVersion="9" ma:contentTypeDescription="Create a new document." ma:contentTypeScope="" ma:versionID="6ace0ec2b5e64356200d33536677a8bd">
   <xsd:schema xmlns:xsd="http://www.w3.org/2001/XMLSchema" xmlns:xs="http://www.w3.org/2001/XMLSchema" xmlns:p="http://schemas.microsoft.com/office/2006/metadata/properties" xmlns:ns2="53a85f9c-6358-4b92-b824-b024aa1d835a" xmlns:ns3="ec8a38d1-aac5-4105-a264-6b973117bc9e" targetNamespace="http://schemas.microsoft.com/office/2006/metadata/properties" ma:root="true" ma:fieldsID="85415ff27e9347e2553f12a1d2b16bc2" ns2:_="" ns3:_="">
     <xsd:import namespace="53a85f9c-6358-4b92-b824-b024aa1d835a"/>
@@ -21159,6 +21338,15 @@
 </ct:contentTypeSchema>
 </file>
 
+<file path=customXml/item2.xml><?xml version="1.0" encoding="utf-8"?>
+<?mso-contentType ?>
+<FormTemplates xmlns="http://schemas.microsoft.com/sharepoint/v3/contenttype/forms">
+  <Display>DocumentLibraryForm</Display>
+  <Edit>DocumentLibraryForm</Edit>
+  <New>DocumentLibraryForm</New>
+</FormTemplates>
+</file>
+
 <file path=customXml/item3.xml><?xml version="1.0" encoding="utf-8"?>
 <p:properties xmlns:p="http://schemas.microsoft.com/office/2006/metadata/properties" xmlns:xsi="http://www.w3.org/2001/XMLSchema-instance" xmlns:pc="http://schemas.microsoft.com/office/infopath/2007/PartnerControls">
   <documentManagement/>
@@ -21166,14 +21354,6 @@
 </file>
 
 <file path=customXml/itemProps1.xml><?xml version="1.0" encoding="utf-8"?>
-<ds:datastoreItem xmlns:ds="http://schemas.openxmlformats.org/officeDocument/2006/customXml" ds:itemID="{201C66F3-FBD8-4B0F-98D9-445FE3649D01}">
-  <ds:schemaRefs>
-    <ds:schemaRef ds:uri="http://schemas.microsoft.com/sharepoint/v3/contenttype/forms"/>
-  </ds:schemaRefs>
-</ds:datastoreItem>
-</file>
-
-<file path=customXml/itemProps2.xml><?xml version="1.0" encoding="utf-8"?>
 <ds:datastoreItem xmlns:ds="http://schemas.openxmlformats.org/officeDocument/2006/customXml" ds:itemID="{13A06AE1-2983-44CE-B136-A501093AA36B}">
   <ds:schemaRefs>
     <ds:schemaRef ds:uri="http://schemas.microsoft.com/office/2006/metadata/contentType"/>
@@ -21192,6 +21372,14 @@
 </ds:datastoreItem>
 </file>
 
+<file path=customXml/itemProps2.xml><?xml version="1.0" encoding="utf-8"?>
+<ds:datastoreItem xmlns:ds="http://schemas.openxmlformats.org/officeDocument/2006/customXml" ds:itemID="{201C66F3-FBD8-4B0F-98D9-445FE3649D01}">
+  <ds:schemaRefs>
+    <ds:schemaRef ds:uri="http://schemas.microsoft.com/sharepoint/v3/contenttype/forms"/>
+  </ds:schemaRefs>
+</ds:datastoreItem>
+</file>
+
 <file path=customXml/itemProps3.xml><?xml version="1.0" encoding="utf-8"?>
 <ds:datastoreItem xmlns:ds="http://schemas.openxmlformats.org/officeDocument/2006/customXml" ds:itemID="{724B8A99-8161-4D52-8DFD-478F5C1B3170}">
   <ds:schemaRefs>

--- a/HBM2e Simulation Using an AXI BFM.pptx
+++ b/HBM2e Simulation Using an AXI BFM.pptx
@@ -1626,7 +1626,7 @@
           </a:ln>
           <a:extLst>
             <a:ext uri="{C572A759-6A51-4108-AA02-DFA0A04FC94B}">
-              <ma14:wrappingTextBoxFlag xmlns="" xmlns:m="http://schemas.openxmlformats.org/officeDocument/2006/math" xmlns:a14="http://schemas.microsoft.com/office/drawing/2010/main" xmlns:ma14="http://schemas.microsoft.com/office/mac/drawingml/2011/main" val="1"/>
+              <ma14:wrappingTextBoxFlag xmlns:ma14="http://schemas.microsoft.com/office/mac/drawingml/2011/main" xmlns:a14="http://schemas.microsoft.com/office/drawing/2010/main" xmlns:m="http://schemas.openxmlformats.org/officeDocument/2006/math" xmlns="" val="1"/>
             </a:ext>
           </a:extLst>
         </p:spPr>
@@ -3100,7 +3100,7 @@
           </a:ln>
           <a:extLst>
             <a:ext uri="{C572A759-6A51-4108-AA02-DFA0A04FC94B}">
-              <ma14:wrappingTextBoxFlag xmlns="" xmlns:m="http://schemas.openxmlformats.org/officeDocument/2006/math" xmlns:a14="http://schemas.microsoft.com/office/drawing/2010/main" xmlns:ma14="http://schemas.microsoft.com/office/mac/drawingml/2011/main" val="1"/>
+              <ma14:wrappingTextBoxFlag xmlns:ma14="http://schemas.microsoft.com/office/mac/drawingml/2011/main" xmlns:a14="http://schemas.microsoft.com/office/drawing/2010/main" xmlns:m="http://schemas.openxmlformats.org/officeDocument/2006/math" xmlns="" val="1"/>
             </a:ext>
           </a:extLst>
         </p:spPr>
@@ -3339,7 +3339,7 @@
           </a:ln>
           <a:extLst>
             <a:ext uri="{C572A759-6A51-4108-AA02-DFA0A04FC94B}">
-              <ma14:wrappingTextBoxFlag xmlns="" xmlns:m="http://schemas.openxmlformats.org/officeDocument/2006/math" xmlns:a14="http://schemas.microsoft.com/office/drawing/2010/main" xmlns:ma14="http://schemas.microsoft.com/office/mac/drawingml/2011/main" val="1"/>
+              <ma14:wrappingTextBoxFlag xmlns:ma14="http://schemas.microsoft.com/office/mac/drawingml/2011/main" xmlns:a14="http://schemas.microsoft.com/office/drawing/2010/main" xmlns:m="http://schemas.openxmlformats.org/officeDocument/2006/math" xmlns="" val="1"/>
             </a:ext>
           </a:extLst>
         </p:spPr>
@@ -3435,7 +3435,7 @@
           </a:ln>
           <a:extLst>
             <a:ext uri="{C572A759-6A51-4108-AA02-DFA0A04FC94B}">
-              <ma14:wrappingTextBoxFlag xmlns="" xmlns:m="http://schemas.openxmlformats.org/officeDocument/2006/math" xmlns:a14="http://schemas.microsoft.com/office/drawing/2010/main" xmlns:ma14="http://schemas.microsoft.com/office/mac/drawingml/2011/main" val="1"/>
+              <ma14:wrappingTextBoxFlag xmlns:ma14="http://schemas.microsoft.com/office/mac/drawingml/2011/main" xmlns:a14="http://schemas.microsoft.com/office/drawing/2010/main" xmlns:m="http://schemas.openxmlformats.org/officeDocument/2006/math" xmlns="" val="1"/>
             </a:ext>
           </a:extLst>
         </p:spPr>
@@ -3870,7 +3870,7 @@
           </a:ln>
           <a:extLst>
             <a:ext uri="{C572A759-6A51-4108-AA02-DFA0A04FC94B}">
-              <ma14:wrappingTextBoxFlag xmlns="" xmlns:m="http://schemas.openxmlformats.org/officeDocument/2006/math" xmlns:a14="http://schemas.microsoft.com/office/drawing/2010/main" xmlns:ma14="http://schemas.microsoft.com/office/mac/drawingml/2011/main" val="1"/>
+              <ma14:wrappingTextBoxFlag xmlns:ma14="http://schemas.microsoft.com/office/mac/drawingml/2011/main" xmlns:a14="http://schemas.microsoft.com/office/drawing/2010/main" xmlns:m="http://schemas.openxmlformats.org/officeDocument/2006/math" xmlns="" val="1"/>
             </a:ext>
           </a:extLst>
         </p:spPr>
@@ -4248,7 +4248,7 @@
           </a:ln>
           <a:extLst>
             <a:ext uri="{C572A759-6A51-4108-AA02-DFA0A04FC94B}">
-              <ma14:wrappingTextBoxFlag xmlns="" xmlns:m="http://schemas.openxmlformats.org/officeDocument/2006/math" xmlns:a14="http://schemas.microsoft.com/office/drawing/2010/main" xmlns:ma14="http://schemas.microsoft.com/office/mac/drawingml/2011/main" val="1"/>
+              <ma14:wrappingTextBoxFlag xmlns:ma14="http://schemas.microsoft.com/office/mac/drawingml/2011/main" xmlns:a14="http://schemas.microsoft.com/office/drawing/2010/main" xmlns:m="http://schemas.openxmlformats.org/officeDocument/2006/math" xmlns="" val="1"/>
             </a:ext>
           </a:extLst>
         </p:spPr>
@@ -4698,7 +4698,7 @@
           </a:ln>
           <a:extLst>
             <a:ext uri="{C572A759-6A51-4108-AA02-DFA0A04FC94B}">
-              <ma14:wrappingTextBoxFlag xmlns="" xmlns:m="http://schemas.openxmlformats.org/officeDocument/2006/math" xmlns:a14="http://schemas.microsoft.com/office/drawing/2010/main" xmlns:ma14="http://schemas.microsoft.com/office/mac/drawingml/2011/main" val="1"/>
+              <ma14:wrappingTextBoxFlag xmlns:ma14="http://schemas.microsoft.com/office/mac/drawingml/2011/main" xmlns:a14="http://schemas.microsoft.com/office/drawing/2010/main" xmlns:m="http://schemas.openxmlformats.org/officeDocument/2006/math" xmlns="" val="1"/>
             </a:ext>
           </a:extLst>
         </p:spPr>
@@ -5357,7 +5357,7 @@
           </a:ln>
           <a:extLst>
             <a:ext uri="{C572A759-6A51-4108-AA02-DFA0A04FC94B}">
-              <ma14:wrappingTextBoxFlag xmlns="" xmlns:m="http://schemas.openxmlformats.org/officeDocument/2006/math" xmlns:a14="http://schemas.microsoft.com/office/drawing/2010/main" xmlns:ma14="http://schemas.microsoft.com/office/mac/drawingml/2011/main" val="1"/>
+              <ma14:wrappingTextBoxFlag xmlns:ma14="http://schemas.microsoft.com/office/mac/drawingml/2011/main" xmlns:a14="http://schemas.microsoft.com/office/drawing/2010/main" xmlns:m="http://schemas.openxmlformats.org/officeDocument/2006/math" xmlns="" val="1"/>
             </a:ext>
           </a:extLst>
         </p:spPr>
@@ -6060,7 +6060,7 @@
           </a:ln>
           <a:extLst>
             <a:ext uri="{C572A759-6A51-4108-AA02-DFA0A04FC94B}">
-              <ma14:wrappingTextBoxFlag xmlns="" xmlns:m="http://schemas.openxmlformats.org/officeDocument/2006/math" xmlns:a14="http://schemas.microsoft.com/office/drawing/2010/main" xmlns:ma14="http://schemas.microsoft.com/office/mac/drawingml/2011/main" val="1"/>
+              <ma14:wrappingTextBoxFlag xmlns:ma14="http://schemas.microsoft.com/office/mac/drawingml/2011/main" xmlns:a14="http://schemas.microsoft.com/office/drawing/2010/main" xmlns:m="http://schemas.openxmlformats.org/officeDocument/2006/math" xmlns="" val="1"/>
             </a:ext>
           </a:extLst>
         </p:spPr>
@@ -6771,7 +6771,7 @@
           </a:ln>
           <a:extLst>
             <a:ext uri="{C572A759-6A51-4108-AA02-DFA0A04FC94B}">
-              <ma14:wrappingTextBoxFlag xmlns="" xmlns:m="http://schemas.openxmlformats.org/officeDocument/2006/math" xmlns:a14="http://schemas.microsoft.com/office/drawing/2010/main" xmlns:ma14="http://schemas.microsoft.com/office/mac/drawingml/2011/main" val="1"/>
+              <ma14:wrappingTextBoxFlag xmlns:ma14="http://schemas.microsoft.com/office/mac/drawingml/2011/main" xmlns:a14="http://schemas.microsoft.com/office/drawing/2010/main" xmlns:m="http://schemas.openxmlformats.org/officeDocument/2006/math" xmlns="" val="1"/>
             </a:ext>
           </a:extLst>
         </p:spPr>
@@ -7549,7 +7549,7 @@
           </a:ln>
           <a:extLst>
             <a:ext uri="{C572A759-6A51-4108-AA02-DFA0A04FC94B}">
-              <ma14:wrappingTextBoxFlag xmlns="" xmlns:m="http://schemas.openxmlformats.org/officeDocument/2006/math" xmlns:a14="http://schemas.microsoft.com/office/drawing/2010/main" xmlns:ma14="http://schemas.microsoft.com/office/mac/drawingml/2011/main" val="1"/>
+              <ma14:wrappingTextBoxFlag xmlns:ma14="http://schemas.microsoft.com/office/mac/drawingml/2011/main" xmlns:a14="http://schemas.microsoft.com/office/drawing/2010/main" xmlns:m="http://schemas.openxmlformats.org/officeDocument/2006/math" xmlns="" val="1"/>
             </a:ext>
           </a:extLst>
         </p:spPr>
@@ -7796,7 +7796,7 @@
           </a:ln>
           <a:extLst>
             <a:ext uri="{C572A759-6A51-4108-AA02-DFA0A04FC94B}">
-              <ma14:wrappingTextBoxFlag xmlns="" xmlns:m="http://schemas.openxmlformats.org/officeDocument/2006/math" xmlns:a14="http://schemas.microsoft.com/office/drawing/2010/main" xmlns:ma14="http://schemas.microsoft.com/office/mac/drawingml/2011/main" val="1"/>
+              <ma14:wrappingTextBoxFlag xmlns:ma14="http://schemas.microsoft.com/office/mac/drawingml/2011/main" xmlns:a14="http://schemas.microsoft.com/office/drawing/2010/main" xmlns:m="http://schemas.openxmlformats.org/officeDocument/2006/math" xmlns="" val="1"/>
             </a:ext>
           </a:extLst>
         </p:spPr>
@@ -9607,7 +9607,7 @@
           </a:ln>
           <a:extLst>
             <a:ext uri="{C572A759-6A51-4108-AA02-DFA0A04FC94B}">
-              <ma14:wrappingTextBoxFlag xmlns="" xmlns:m="http://schemas.openxmlformats.org/officeDocument/2006/math" xmlns:a14="http://schemas.microsoft.com/office/drawing/2010/main" xmlns:ma14="http://schemas.microsoft.com/office/mac/drawingml/2011/main" val="1"/>
+              <ma14:wrappingTextBoxFlag xmlns:ma14="http://schemas.microsoft.com/office/mac/drawingml/2011/main" xmlns:a14="http://schemas.microsoft.com/office/drawing/2010/main" xmlns:m="http://schemas.openxmlformats.org/officeDocument/2006/math" xmlns="" val="1"/>
             </a:ext>
           </a:extLst>
         </p:spPr>
@@ -9971,7 +9971,7 @@
           </a:ln>
           <a:extLst>
             <a:ext uri="{C572A759-6A51-4108-AA02-DFA0A04FC94B}">
-              <ma14:wrappingTextBoxFlag xmlns="" xmlns:m="http://schemas.openxmlformats.org/officeDocument/2006/math" xmlns:a14="http://schemas.microsoft.com/office/drawing/2010/main" xmlns:ma14="http://schemas.microsoft.com/office/mac/drawingml/2011/main" val="1"/>
+              <ma14:wrappingTextBoxFlag xmlns:ma14="http://schemas.microsoft.com/office/mac/drawingml/2011/main" xmlns:a14="http://schemas.microsoft.com/office/drawing/2010/main" xmlns:m="http://schemas.openxmlformats.org/officeDocument/2006/math" xmlns="" val="1"/>
             </a:ext>
           </a:extLst>
         </p:spPr>
@@ -10658,7 +10658,7 @@
           </a:ln>
           <a:extLst>
             <a:ext uri="{C572A759-6A51-4108-AA02-DFA0A04FC94B}">
-              <ma14:wrappingTextBoxFlag xmlns="" xmlns:m="http://schemas.openxmlformats.org/officeDocument/2006/math" xmlns:a14="http://schemas.microsoft.com/office/drawing/2010/main" xmlns:ma14="http://schemas.microsoft.com/office/mac/drawingml/2011/main" val="1"/>
+              <ma14:wrappingTextBoxFlag xmlns:ma14="http://schemas.microsoft.com/office/mac/drawingml/2011/main" xmlns:a14="http://schemas.microsoft.com/office/drawing/2010/main" xmlns:m="http://schemas.openxmlformats.org/officeDocument/2006/math" xmlns="" val="1"/>
             </a:ext>
           </a:extLst>
         </p:spPr>
@@ -11815,7 +11815,7 @@
           </a:ln>
           <a:extLst>
             <a:ext uri="{C572A759-6A51-4108-AA02-DFA0A04FC94B}">
-              <ma14:wrappingTextBoxFlag xmlns="" xmlns:m="http://schemas.openxmlformats.org/officeDocument/2006/math" xmlns:a14="http://schemas.microsoft.com/office/drawing/2010/main" xmlns:ma14="http://schemas.microsoft.com/office/mac/drawingml/2011/main" val="1"/>
+              <ma14:wrappingTextBoxFlag xmlns:ma14="http://schemas.microsoft.com/office/mac/drawingml/2011/main" xmlns:a14="http://schemas.microsoft.com/office/drawing/2010/main" xmlns:m="http://schemas.openxmlformats.org/officeDocument/2006/math" xmlns="" val="1"/>
             </a:ext>
           </a:extLst>
         </p:spPr>
@@ -12277,7 +12277,7 @@
           </a:ln>
           <a:extLst>
             <a:ext uri="{C572A759-6A51-4108-AA02-DFA0A04FC94B}">
-              <ma14:wrappingTextBoxFlag xmlns="" xmlns:m="http://schemas.openxmlformats.org/officeDocument/2006/math" xmlns:a14="http://schemas.microsoft.com/office/drawing/2010/main" xmlns:ma14="http://schemas.microsoft.com/office/mac/drawingml/2011/main" val="1"/>
+              <ma14:wrappingTextBoxFlag xmlns:ma14="http://schemas.microsoft.com/office/mac/drawingml/2011/main" xmlns:a14="http://schemas.microsoft.com/office/drawing/2010/main" xmlns:m="http://schemas.openxmlformats.org/officeDocument/2006/math" xmlns="" val="1"/>
             </a:ext>
           </a:extLst>
         </p:spPr>
@@ -12781,7 +12781,7 @@
           </a:ln>
           <a:extLst>
             <a:ext uri="{C572A759-6A51-4108-AA02-DFA0A04FC94B}">
-              <ma14:wrappingTextBoxFlag xmlns:ma14="http://schemas.microsoft.com/office/mac/drawingml/2011/main" xmlns:a14="http://schemas.microsoft.com/office/drawing/2010/main" xmlns:m="http://schemas.openxmlformats.org/officeDocument/2006/math" xmlns="" val="1"/>
+              <ma14:wrappingTextBoxFlag xmlns="" xmlns:m="http://schemas.openxmlformats.org/officeDocument/2006/math" xmlns:a14="http://schemas.microsoft.com/office/drawing/2010/main" xmlns:ma14="http://schemas.microsoft.com/office/mac/drawingml/2011/main" val="1"/>
             </a:ext>
           </a:extLst>
         </p:spPr>
@@ -13172,7 +13172,7 @@
           </a:ln>
           <a:extLst>
             <a:ext uri="{C572A759-6A51-4108-AA02-DFA0A04FC94B}">
-              <ma14:wrappingTextBoxFlag xmlns="" xmlns:m="http://schemas.openxmlformats.org/officeDocument/2006/math" xmlns:a14="http://schemas.microsoft.com/office/drawing/2010/main" xmlns:ma14="http://schemas.microsoft.com/office/mac/drawingml/2011/main" val="1"/>
+              <ma14:wrappingTextBoxFlag xmlns:ma14="http://schemas.microsoft.com/office/mac/drawingml/2011/main" xmlns:a14="http://schemas.microsoft.com/office/drawing/2010/main" xmlns:m="http://schemas.openxmlformats.org/officeDocument/2006/math" xmlns="" val="1"/>
             </a:ext>
           </a:extLst>
         </p:spPr>
@@ -13268,7 +13268,7 @@
           </a:ln>
           <a:extLst>
             <a:ext uri="{C572A759-6A51-4108-AA02-DFA0A04FC94B}">
-              <ma14:wrappingTextBoxFlag xmlns="" xmlns:m="http://schemas.openxmlformats.org/officeDocument/2006/math" xmlns:a14="http://schemas.microsoft.com/office/drawing/2010/main" xmlns:ma14="http://schemas.microsoft.com/office/mac/drawingml/2011/main" val="1"/>
+              <ma14:wrappingTextBoxFlag xmlns:ma14="http://schemas.microsoft.com/office/mac/drawingml/2011/main" xmlns:a14="http://schemas.microsoft.com/office/drawing/2010/main" xmlns:m="http://schemas.openxmlformats.org/officeDocument/2006/math" xmlns="" val="1"/>
             </a:ext>
           </a:extLst>
         </p:spPr>
@@ -13426,7 +13426,7 @@
           </a:ln>
           <a:extLst>
             <a:ext uri="{C572A759-6A51-4108-AA02-DFA0A04FC94B}">
-              <ma14:wrappingTextBoxFlag xmlns="" xmlns:m="http://schemas.openxmlformats.org/officeDocument/2006/math" xmlns:a14="http://schemas.microsoft.com/office/drawing/2010/main" xmlns:ma14="http://schemas.microsoft.com/office/mac/drawingml/2011/main" val="1"/>
+              <ma14:wrappingTextBoxFlag xmlns:ma14="http://schemas.microsoft.com/office/mac/drawingml/2011/main" xmlns:a14="http://schemas.microsoft.com/office/drawing/2010/main" xmlns:m="http://schemas.openxmlformats.org/officeDocument/2006/math" xmlns="" val="1"/>
             </a:ext>
           </a:extLst>
         </p:spPr>
@@ -13634,7 +13634,7 @@
           </a:ln>
           <a:extLst>
             <a:ext uri="{C572A759-6A51-4108-AA02-DFA0A04FC94B}">
-              <ma14:wrappingTextBoxFlag xmlns="" xmlns:m="http://schemas.openxmlformats.org/officeDocument/2006/math" xmlns:a14="http://schemas.microsoft.com/office/drawing/2010/main" xmlns:ma14="http://schemas.microsoft.com/office/mac/drawingml/2011/main" val="1"/>
+              <ma14:wrappingTextBoxFlag xmlns:ma14="http://schemas.microsoft.com/office/mac/drawingml/2011/main" xmlns:a14="http://schemas.microsoft.com/office/drawing/2010/main" xmlns:m="http://schemas.openxmlformats.org/officeDocument/2006/math" xmlns="" val="1"/>
             </a:ext>
           </a:extLst>
         </p:spPr>
@@ -13904,7 +13904,7 @@
           </a:ln>
           <a:extLst>
             <a:ext uri="{C572A759-6A51-4108-AA02-DFA0A04FC94B}">
-              <ma14:wrappingTextBoxFlag xmlns="" xmlns:m="http://schemas.openxmlformats.org/officeDocument/2006/math" xmlns:a14="http://schemas.microsoft.com/office/drawing/2010/main" xmlns:ma14="http://schemas.microsoft.com/office/mac/drawingml/2011/main" val="1"/>
+              <ma14:wrappingTextBoxFlag xmlns:ma14="http://schemas.microsoft.com/office/mac/drawingml/2011/main" xmlns:a14="http://schemas.microsoft.com/office/drawing/2010/main" xmlns:m="http://schemas.openxmlformats.org/officeDocument/2006/math" xmlns="" val="1"/>
             </a:ext>
           </a:extLst>
         </p:spPr>
@@ -14124,7 +14124,7 @@
           </a:ln>
           <a:extLst>
             <a:ext uri="{C572A759-6A51-4108-AA02-DFA0A04FC94B}">
-              <ma14:wrappingTextBoxFlag xmlns="" xmlns:m="http://schemas.openxmlformats.org/officeDocument/2006/math" xmlns:a14="http://schemas.microsoft.com/office/drawing/2010/main" xmlns:ma14="http://schemas.microsoft.com/office/mac/drawingml/2011/main" val="1"/>
+              <ma14:wrappingTextBoxFlag xmlns:ma14="http://schemas.microsoft.com/office/mac/drawingml/2011/main" xmlns:a14="http://schemas.microsoft.com/office/drawing/2010/main" xmlns:m="http://schemas.openxmlformats.org/officeDocument/2006/math" xmlns="" val="1"/>
             </a:ext>
           </a:extLst>
         </p:spPr>
@@ -14178,7 +14178,7 @@
           </a:ln>
           <a:extLst>
             <a:ext uri="{C572A759-6A51-4108-AA02-DFA0A04FC94B}">
-              <ma14:wrappingTextBoxFlag xmlns="" xmlns:m="http://schemas.openxmlformats.org/officeDocument/2006/math" xmlns:a14="http://schemas.microsoft.com/office/drawing/2010/main" xmlns:ma14="http://schemas.microsoft.com/office/mac/drawingml/2011/main" val="1"/>
+              <ma14:wrappingTextBoxFlag xmlns:ma14="http://schemas.microsoft.com/office/mac/drawingml/2011/main" xmlns:a14="http://schemas.microsoft.com/office/drawing/2010/main" xmlns:m="http://schemas.openxmlformats.org/officeDocument/2006/math" xmlns="" val="1"/>
             </a:ext>
           </a:extLst>
         </p:spPr>
@@ -14246,7 +14246,7 @@
           </a:ln>
           <a:extLst>
             <a:ext uri="{C572A759-6A51-4108-AA02-DFA0A04FC94B}">
-              <ma14:wrappingTextBoxFlag xmlns="" xmlns:m="http://schemas.openxmlformats.org/officeDocument/2006/math" xmlns:a14="http://schemas.microsoft.com/office/drawing/2010/main" xmlns:ma14="http://schemas.microsoft.com/office/mac/drawingml/2011/main" val="1"/>
+              <ma14:wrappingTextBoxFlag xmlns:ma14="http://schemas.microsoft.com/office/mac/drawingml/2011/main" xmlns:a14="http://schemas.microsoft.com/office/drawing/2010/main" xmlns:m="http://schemas.openxmlformats.org/officeDocument/2006/math" xmlns="" val="1"/>
             </a:ext>
           </a:extLst>
         </p:spPr>
@@ -14696,7 +14696,7 @@
           </a:ln>
           <a:extLst>
             <a:ext uri="{C572A759-6A51-4108-AA02-DFA0A04FC94B}">
-              <ma14:wrappingTextBoxFlag xmlns="" xmlns:m="http://schemas.openxmlformats.org/officeDocument/2006/math" xmlns:a14="http://schemas.microsoft.com/office/drawing/2010/main" xmlns:ma14="http://schemas.microsoft.com/office/mac/drawingml/2011/main" val="1"/>
+              <ma14:wrappingTextBoxFlag xmlns:ma14="http://schemas.microsoft.com/office/mac/drawingml/2011/main" xmlns:a14="http://schemas.microsoft.com/office/drawing/2010/main" xmlns:m="http://schemas.openxmlformats.org/officeDocument/2006/math" xmlns="" val="1"/>
             </a:ext>
           </a:extLst>
         </p:spPr>
@@ -14772,7 +14772,7 @@
           </a:ln>
           <a:extLst>
             <a:ext uri="{C572A759-6A51-4108-AA02-DFA0A04FC94B}">
-              <ma14:wrappingTextBoxFlag xmlns="" xmlns:m="http://schemas.openxmlformats.org/officeDocument/2006/math" xmlns:a14="http://schemas.microsoft.com/office/drawing/2010/main" xmlns:ma14="http://schemas.microsoft.com/office/mac/drawingml/2011/main" val="1"/>
+              <ma14:wrappingTextBoxFlag xmlns:ma14="http://schemas.microsoft.com/office/mac/drawingml/2011/main" xmlns:a14="http://schemas.microsoft.com/office/drawing/2010/main" xmlns:m="http://schemas.openxmlformats.org/officeDocument/2006/math" xmlns="" val="1"/>
             </a:ext>
           </a:extLst>
         </p:spPr>
@@ -16534,10 +16534,10 @@
       </p:sp>
       <p:pic>
         <p:nvPicPr>
-          <p:cNvPr id="4" name="Picture 3">
+          <p:cNvPr id="6" name="Picture 5">
             <a:extLst>
               <a:ext uri="{FF2B5EF4-FFF2-40B4-BE49-F238E27FC236}">
-                <a16:creationId xmlns:a16="http://schemas.microsoft.com/office/drawing/2014/main" id="{7369DD91-32E6-44DC-8D89-1EBC61F39FCD}"/>
+                <a16:creationId xmlns:a16="http://schemas.microsoft.com/office/drawing/2014/main" id="{65E28F2A-B881-4D8B-9C92-4CDC79325586}"/>
               </a:ext>
             </a:extLst>
           </p:cNvPr>
@@ -16554,8 +16554,8 @@
         </p:blipFill>
         <p:spPr>
           <a:xfrm>
-            <a:off x="1402091" y="2453120"/>
-            <a:ext cx="8905875" cy="3676650"/>
+            <a:off x="1564690" y="2478261"/>
+            <a:ext cx="9062621" cy="3739696"/>
           </a:xfrm>
           <a:prstGeom prst="rect">
             <a:avLst/>
@@ -21142,6 +21142,15 @@
 </file>
 
 <file path=customXml/item1.xml><?xml version="1.0" encoding="utf-8"?>
+<?mso-contentType ?>
+<FormTemplates xmlns="http://schemas.microsoft.com/sharepoint/v3/contenttype/forms">
+  <Display>DocumentLibraryForm</Display>
+  <Edit>DocumentLibraryForm</Edit>
+  <New>DocumentLibraryForm</New>
+</FormTemplates>
+</file>
+
+<file path=customXml/item2.xml><?xml version="1.0" encoding="utf-8"?>
 <ct:contentTypeSchema xmlns:ct="http://schemas.microsoft.com/office/2006/metadata/contentType" xmlns:ma="http://schemas.microsoft.com/office/2006/metadata/properties/metaAttributes" ct:_="" ma:_="" ma:contentTypeName="Document" ma:contentTypeID="0x010100D154056AC1913548A181145D96A05235" ma:contentTypeVersion="9" ma:contentTypeDescription="Create a new document." ma:contentTypeScope="" ma:versionID="6ace0ec2b5e64356200d33536677a8bd">
   <xsd:schema xmlns:xsd="http://www.w3.org/2001/XMLSchema" xmlns:xs="http://www.w3.org/2001/XMLSchema" xmlns:p="http://schemas.microsoft.com/office/2006/metadata/properties" xmlns:ns2="53a85f9c-6358-4b92-b824-b024aa1d835a" xmlns:ns3="ec8a38d1-aac5-4105-a264-6b973117bc9e" targetNamespace="http://schemas.microsoft.com/office/2006/metadata/properties" ma:root="true" ma:fieldsID="85415ff27e9347e2553f12a1d2b16bc2" ns2:_="" ns3:_="">
     <xsd:import namespace="53a85f9c-6358-4b92-b824-b024aa1d835a"/>
@@ -21338,15 +21347,6 @@
 </ct:contentTypeSchema>
 </file>
 
-<file path=customXml/item2.xml><?xml version="1.0" encoding="utf-8"?>
-<?mso-contentType ?>
-<FormTemplates xmlns="http://schemas.microsoft.com/sharepoint/v3/contenttype/forms">
-  <Display>DocumentLibraryForm</Display>
-  <Edit>DocumentLibraryForm</Edit>
-  <New>DocumentLibraryForm</New>
-</FormTemplates>
-</file>
-
 <file path=customXml/item3.xml><?xml version="1.0" encoding="utf-8"?>
 <p:properties xmlns:p="http://schemas.microsoft.com/office/2006/metadata/properties" xmlns:xsi="http://www.w3.org/2001/XMLSchema-instance" xmlns:pc="http://schemas.microsoft.com/office/infopath/2007/PartnerControls">
   <documentManagement/>
@@ -21354,6 +21354,14 @@
 </file>
 
 <file path=customXml/itemProps1.xml><?xml version="1.0" encoding="utf-8"?>
+<ds:datastoreItem xmlns:ds="http://schemas.openxmlformats.org/officeDocument/2006/customXml" ds:itemID="{201C66F3-FBD8-4B0F-98D9-445FE3649D01}">
+  <ds:schemaRefs>
+    <ds:schemaRef ds:uri="http://schemas.microsoft.com/sharepoint/v3/contenttype/forms"/>
+  </ds:schemaRefs>
+</ds:datastoreItem>
+</file>
+
+<file path=customXml/itemProps2.xml><?xml version="1.0" encoding="utf-8"?>
 <ds:datastoreItem xmlns:ds="http://schemas.openxmlformats.org/officeDocument/2006/customXml" ds:itemID="{13A06AE1-2983-44CE-B136-A501093AA36B}">
   <ds:schemaRefs>
     <ds:schemaRef ds:uri="http://schemas.microsoft.com/office/2006/metadata/contentType"/>
@@ -21372,14 +21380,6 @@
 </ds:datastoreItem>
 </file>
 
-<file path=customXml/itemProps2.xml><?xml version="1.0" encoding="utf-8"?>
-<ds:datastoreItem xmlns:ds="http://schemas.openxmlformats.org/officeDocument/2006/customXml" ds:itemID="{201C66F3-FBD8-4B0F-98D9-445FE3649D01}">
-  <ds:schemaRefs>
-    <ds:schemaRef ds:uri="http://schemas.microsoft.com/sharepoint/v3/contenttype/forms"/>
-  </ds:schemaRefs>
-</ds:datastoreItem>
-</file>
-
 <file path=customXml/itemProps3.xml><?xml version="1.0" encoding="utf-8"?>
 <ds:datastoreItem xmlns:ds="http://schemas.openxmlformats.org/officeDocument/2006/customXml" ds:itemID="{724B8A99-8161-4D52-8DFD-478F5C1B3170}">
   <ds:schemaRefs>

--- a/HBM2e Simulation Using an AXI BFM.pptx
+++ b/HBM2e Simulation Using an AXI BFM.pptx
@@ -1110,7 +1110,7 @@
           <a:p>
             <a:fld id="{E10B726A-C477-6444-83BF-F1538D69AD12}" type="datetimeFigureOut">
               <a:rPr lang="en-US" smtClean="0"/>
-              <a:t>1/10/2023</a:t>
+              <a:t>1/11/2023</a:t>
             </a:fld>
             <a:endParaRPr lang="en-US" dirty="0"/>
           </a:p>
@@ -1626,7 +1626,7 @@
           </a:ln>
           <a:extLst>
             <a:ext uri="{C572A759-6A51-4108-AA02-DFA0A04FC94B}">
-              <ma14:wrappingTextBoxFlag xmlns:ma14="http://schemas.microsoft.com/office/mac/drawingml/2011/main" xmlns:a14="http://schemas.microsoft.com/office/drawing/2010/main" xmlns:m="http://schemas.openxmlformats.org/officeDocument/2006/math" xmlns="" val="1"/>
+              <ma14:wrappingTextBoxFlag xmlns="" xmlns:m="http://schemas.openxmlformats.org/officeDocument/2006/math" xmlns:a14="http://schemas.microsoft.com/office/drawing/2010/main" xmlns:ma14="http://schemas.microsoft.com/office/mac/drawingml/2011/main" val="1"/>
             </a:ext>
           </a:extLst>
         </p:spPr>
@@ -3100,7 +3100,7 @@
           </a:ln>
           <a:extLst>
             <a:ext uri="{C572A759-6A51-4108-AA02-DFA0A04FC94B}">
-              <ma14:wrappingTextBoxFlag xmlns:ma14="http://schemas.microsoft.com/office/mac/drawingml/2011/main" xmlns:a14="http://schemas.microsoft.com/office/drawing/2010/main" xmlns:m="http://schemas.openxmlformats.org/officeDocument/2006/math" xmlns="" val="1"/>
+              <ma14:wrappingTextBoxFlag xmlns="" xmlns:m="http://schemas.openxmlformats.org/officeDocument/2006/math" xmlns:a14="http://schemas.microsoft.com/office/drawing/2010/main" xmlns:ma14="http://schemas.microsoft.com/office/mac/drawingml/2011/main" val="1"/>
             </a:ext>
           </a:extLst>
         </p:spPr>
@@ -3339,7 +3339,7 @@
           </a:ln>
           <a:extLst>
             <a:ext uri="{C572A759-6A51-4108-AA02-DFA0A04FC94B}">
-              <ma14:wrappingTextBoxFlag xmlns:ma14="http://schemas.microsoft.com/office/mac/drawingml/2011/main" xmlns:a14="http://schemas.microsoft.com/office/drawing/2010/main" xmlns:m="http://schemas.openxmlformats.org/officeDocument/2006/math" xmlns="" val="1"/>
+              <ma14:wrappingTextBoxFlag xmlns="" xmlns:m="http://schemas.openxmlformats.org/officeDocument/2006/math" xmlns:a14="http://schemas.microsoft.com/office/drawing/2010/main" xmlns:ma14="http://schemas.microsoft.com/office/mac/drawingml/2011/main" val="1"/>
             </a:ext>
           </a:extLst>
         </p:spPr>
@@ -3435,7 +3435,7 @@
           </a:ln>
           <a:extLst>
             <a:ext uri="{C572A759-6A51-4108-AA02-DFA0A04FC94B}">
-              <ma14:wrappingTextBoxFlag xmlns:ma14="http://schemas.microsoft.com/office/mac/drawingml/2011/main" xmlns:a14="http://schemas.microsoft.com/office/drawing/2010/main" xmlns:m="http://schemas.openxmlformats.org/officeDocument/2006/math" xmlns="" val="1"/>
+              <ma14:wrappingTextBoxFlag xmlns="" xmlns:m="http://schemas.openxmlformats.org/officeDocument/2006/math" xmlns:a14="http://schemas.microsoft.com/office/drawing/2010/main" xmlns:ma14="http://schemas.microsoft.com/office/mac/drawingml/2011/main" val="1"/>
             </a:ext>
           </a:extLst>
         </p:spPr>
@@ -3870,7 +3870,7 @@
           </a:ln>
           <a:extLst>
             <a:ext uri="{C572A759-6A51-4108-AA02-DFA0A04FC94B}">
-              <ma14:wrappingTextBoxFlag xmlns:ma14="http://schemas.microsoft.com/office/mac/drawingml/2011/main" xmlns:a14="http://schemas.microsoft.com/office/drawing/2010/main" xmlns:m="http://schemas.openxmlformats.org/officeDocument/2006/math" xmlns="" val="1"/>
+              <ma14:wrappingTextBoxFlag xmlns="" xmlns:m="http://schemas.openxmlformats.org/officeDocument/2006/math" xmlns:a14="http://schemas.microsoft.com/office/drawing/2010/main" xmlns:ma14="http://schemas.microsoft.com/office/mac/drawingml/2011/main" val="1"/>
             </a:ext>
           </a:extLst>
         </p:spPr>
@@ -4248,7 +4248,7 @@
           </a:ln>
           <a:extLst>
             <a:ext uri="{C572A759-6A51-4108-AA02-DFA0A04FC94B}">
-              <ma14:wrappingTextBoxFlag xmlns:ma14="http://schemas.microsoft.com/office/mac/drawingml/2011/main" xmlns:a14="http://schemas.microsoft.com/office/drawing/2010/main" xmlns:m="http://schemas.openxmlformats.org/officeDocument/2006/math" xmlns="" val="1"/>
+              <ma14:wrappingTextBoxFlag xmlns="" xmlns:m="http://schemas.openxmlformats.org/officeDocument/2006/math" xmlns:a14="http://schemas.microsoft.com/office/drawing/2010/main" xmlns:ma14="http://schemas.microsoft.com/office/mac/drawingml/2011/main" val="1"/>
             </a:ext>
           </a:extLst>
         </p:spPr>
@@ -4698,7 +4698,7 @@
           </a:ln>
           <a:extLst>
             <a:ext uri="{C572A759-6A51-4108-AA02-DFA0A04FC94B}">
-              <ma14:wrappingTextBoxFlag xmlns:ma14="http://schemas.microsoft.com/office/mac/drawingml/2011/main" xmlns:a14="http://schemas.microsoft.com/office/drawing/2010/main" xmlns:m="http://schemas.openxmlformats.org/officeDocument/2006/math" xmlns="" val="1"/>
+              <ma14:wrappingTextBoxFlag xmlns="" xmlns:m="http://schemas.openxmlformats.org/officeDocument/2006/math" xmlns:a14="http://schemas.microsoft.com/office/drawing/2010/main" xmlns:ma14="http://schemas.microsoft.com/office/mac/drawingml/2011/main" val="1"/>
             </a:ext>
           </a:extLst>
         </p:spPr>
@@ -5357,7 +5357,7 @@
           </a:ln>
           <a:extLst>
             <a:ext uri="{C572A759-6A51-4108-AA02-DFA0A04FC94B}">
-              <ma14:wrappingTextBoxFlag xmlns:ma14="http://schemas.microsoft.com/office/mac/drawingml/2011/main" xmlns:a14="http://schemas.microsoft.com/office/drawing/2010/main" xmlns:m="http://schemas.openxmlformats.org/officeDocument/2006/math" xmlns="" val="1"/>
+              <ma14:wrappingTextBoxFlag xmlns="" xmlns:m="http://schemas.openxmlformats.org/officeDocument/2006/math" xmlns:a14="http://schemas.microsoft.com/office/drawing/2010/main" xmlns:ma14="http://schemas.microsoft.com/office/mac/drawingml/2011/main" val="1"/>
             </a:ext>
           </a:extLst>
         </p:spPr>
@@ -6060,7 +6060,7 @@
           </a:ln>
           <a:extLst>
             <a:ext uri="{C572A759-6A51-4108-AA02-DFA0A04FC94B}">
-              <ma14:wrappingTextBoxFlag xmlns:ma14="http://schemas.microsoft.com/office/mac/drawingml/2011/main" xmlns:a14="http://schemas.microsoft.com/office/drawing/2010/main" xmlns:m="http://schemas.openxmlformats.org/officeDocument/2006/math" xmlns="" val="1"/>
+              <ma14:wrappingTextBoxFlag xmlns="" xmlns:m="http://schemas.openxmlformats.org/officeDocument/2006/math" xmlns:a14="http://schemas.microsoft.com/office/drawing/2010/main" xmlns:ma14="http://schemas.microsoft.com/office/mac/drawingml/2011/main" val="1"/>
             </a:ext>
           </a:extLst>
         </p:spPr>
@@ -6771,7 +6771,7 @@
           </a:ln>
           <a:extLst>
             <a:ext uri="{C572A759-6A51-4108-AA02-DFA0A04FC94B}">
-              <ma14:wrappingTextBoxFlag xmlns:ma14="http://schemas.microsoft.com/office/mac/drawingml/2011/main" xmlns:a14="http://schemas.microsoft.com/office/drawing/2010/main" xmlns:m="http://schemas.openxmlformats.org/officeDocument/2006/math" xmlns="" val="1"/>
+              <ma14:wrappingTextBoxFlag xmlns="" xmlns:m="http://schemas.openxmlformats.org/officeDocument/2006/math" xmlns:a14="http://schemas.microsoft.com/office/drawing/2010/main" xmlns:ma14="http://schemas.microsoft.com/office/mac/drawingml/2011/main" val="1"/>
             </a:ext>
           </a:extLst>
         </p:spPr>
@@ -7549,7 +7549,7 @@
           </a:ln>
           <a:extLst>
             <a:ext uri="{C572A759-6A51-4108-AA02-DFA0A04FC94B}">
-              <ma14:wrappingTextBoxFlag xmlns:ma14="http://schemas.microsoft.com/office/mac/drawingml/2011/main" xmlns:a14="http://schemas.microsoft.com/office/drawing/2010/main" xmlns:m="http://schemas.openxmlformats.org/officeDocument/2006/math" xmlns="" val="1"/>
+              <ma14:wrappingTextBoxFlag xmlns="" xmlns:m="http://schemas.openxmlformats.org/officeDocument/2006/math" xmlns:a14="http://schemas.microsoft.com/office/drawing/2010/main" xmlns:ma14="http://schemas.microsoft.com/office/mac/drawingml/2011/main" val="1"/>
             </a:ext>
           </a:extLst>
         </p:spPr>
@@ -7796,7 +7796,7 @@
           </a:ln>
           <a:extLst>
             <a:ext uri="{C572A759-6A51-4108-AA02-DFA0A04FC94B}">
-              <ma14:wrappingTextBoxFlag xmlns:ma14="http://schemas.microsoft.com/office/mac/drawingml/2011/main" xmlns:a14="http://schemas.microsoft.com/office/drawing/2010/main" xmlns:m="http://schemas.openxmlformats.org/officeDocument/2006/math" xmlns="" val="1"/>
+              <ma14:wrappingTextBoxFlag xmlns="" xmlns:m="http://schemas.openxmlformats.org/officeDocument/2006/math" xmlns:a14="http://schemas.microsoft.com/office/drawing/2010/main" xmlns:ma14="http://schemas.microsoft.com/office/mac/drawingml/2011/main" val="1"/>
             </a:ext>
           </a:extLst>
         </p:spPr>
@@ -9607,7 +9607,7 @@
           </a:ln>
           <a:extLst>
             <a:ext uri="{C572A759-6A51-4108-AA02-DFA0A04FC94B}">
-              <ma14:wrappingTextBoxFlag xmlns:ma14="http://schemas.microsoft.com/office/mac/drawingml/2011/main" xmlns:a14="http://schemas.microsoft.com/office/drawing/2010/main" xmlns:m="http://schemas.openxmlformats.org/officeDocument/2006/math" xmlns="" val="1"/>
+              <ma14:wrappingTextBoxFlag xmlns="" xmlns:m="http://schemas.openxmlformats.org/officeDocument/2006/math" xmlns:a14="http://schemas.microsoft.com/office/drawing/2010/main" xmlns:ma14="http://schemas.microsoft.com/office/mac/drawingml/2011/main" val="1"/>
             </a:ext>
           </a:extLst>
         </p:spPr>
@@ -9971,7 +9971,7 @@
           </a:ln>
           <a:extLst>
             <a:ext uri="{C572A759-6A51-4108-AA02-DFA0A04FC94B}">
-              <ma14:wrappingTextBoxFlag xmlns:ma14="http://schemas.microsoft.com/office/mac/drawingml/2011/main" xmlns:a14="http://schemas.microsoft.com/office/drawing/2010/main" xmlns:m="http://schemas.openxmlformats.org/officeDocument/2006/math" xmlns="" val="1"/>
+              <ma14:wrappingTextBoxFlag xmlns="" xmlns:m="http://schemas.openxmlformats.org/officeDocument/2006/math" xmlns:a14="http://schemas.microsoft.com/office/drawing/2010/main" xmlns:ma14="http://schemas.microsoft.com/office/mac/drawingml/2011/main" val="1"/>
             </a:ext>
           </a:extLst>
         </p:spPr>
@@ -10658,7 +10658,7 @@
           </a:ln>
           <a:extLst>
             <a:ext uri="{C572A759-6A51-4108-AA02-DFA0A04FC94B}">
-              <ma14:wrappingTextBoxFlag xmlns:ma14="http://schemas.microsoft.com/office/mac/drawingml/2011/main" xmlns:a14="http://schemas.microsoft.com/office/drawing/2010/main" xmlns:m="http://schemas.openxmlformats.org/officeDocument/2006/math" xmlns="" val="1"/>
+              <ma14:wrappingTextBoxFlag xmlns="" xmlns:m="http://schemas.openxmlformats.org/officeDocument/2006/math" xmlns:a14="http://schemas.microsoft.com/office/drawing/2010/main" xmlns:ma14="http://schemas.microsoft.com/office/mac/drawingml/2011/main" val="1"/>
             </a:ext>
           </a:extLst>
         </p:spPr>
@@ -11815,7 +11815,7 @@
           </a:ln>
           <a:extLst>
             <a:ext uri="{C572A759-6A51-4108-AA02-DFA0A04FC94B}">
-              <ma14:wrappingTextBoxFlag xmlns:ma14="http://schemas.microsoft.com/office/mac/drawingml/2011/main" xmlns:a14="http://schemas.microsoft.com/office/drawing/2010/main" xmlns:m="http://schemas.openxmlformats.org/officeDocument/2006/math" xmlns="" val="1"/>
+              <ma14:wrappingTextBoxFlag xmlns="" xmlns:m="http://schemas.openxmlformats.org/officeDocument/2006/math" xmlns:a14="http://schemas.microsoft.com/office/drawing/2010/main" xmlns:ma14="http://schemas.microsoft.com/office/mac/drawingml/2011/main" val="1"/>
             </a:ext>
           </a:extLst>
         </p:spPr>
@@ -12277,7 +12277,7 @@
           </a:ln>
           <a:extLst>
             <a:ext uri="{C572A759-6A51-4108-AA02-DFA0A04FC94B}">
-              <ma14:wrappingTextBoxFlag xmlns:ma14="http://schemas.microsoft.com/office/mac/drawingml/2011/main" xmlns:a14="http://schemas.microsoft.com/office/drawing/2010/main" xmlns:m="http://schemas.openxmlformats.org/officeDocument/2006/math" xmlns="" val="1"/>
+              <ma14:wrappingTextBoxFlag xmlns="" xmlns:m="http://schemas.openxmlformats.org/officeDocument/2006/math" xmlns:a14="http://schemas.microsoft.com/office/drawing/2010/main" xmlns:ma14="http://schemas.microsoft.com/office/mac/drawingml/2011/main" val="1"/>
             </a:ext>
           </a:extLst>
         </p:spPr>
@@ -12781,7 +12781,7 @@
           </a:ln>
           <a:extLst>
             <a:ext uri="{C572A759-6A51-4108-AA02-DFA0A04FC94B}">
-              <ma14:wrappingTextBoxFlag xmlns="" xmlns:m="http://schemas.openxmlformats.org/officeDocument/2006/math" xmlns:a14="http://schemas.microsoft.com/office/drawing/2010/main" xmlns:ma14="http://schemas.microsoft.com/office/mac/drawingml/2011/main" val="1"/>
+              <ma14:wrappingTextBoxFlag xmlns:ma14="http://schemas.microsoft.com/office/mac/drawingml/2011/main" xmlns:a14="http://schemas.microsoft.com/office/drawing/2010/main" xmlns:m="http://schemas.openxmlformats.org/officeDocument/2006/math" xmlns="" val="1"/>
             </a:ext>
           </a:extLst>
         </p:spPr>
@@ -13172,7 +13172,7 @@
           </a:ln>
           <a:extLst>
             <a:ext uri="{C572A759-6A51-4108-AA02-DFA0A04FC94B}">
-              <ma14:wrappingTextBoxFlag xmlns:ma14="http://schemas.microsoft.com/office/mac/drawingml/2011/main" xmlns:a14="http://schemas.microsoft.com/office/drawing/2010/main" xmlns:m="http://schemas.openxmlformats.org/officeDocument/2006/math" xmlns="" val="1"/>
+              <ma14:wrappingTextBoxFlag xmlns="" xmlns:m="http://schemas.openxmlformats.org/officeDocument/2006/math" xmlns:a14="http://schemas.microsoft.com/office/drawing/2010/main" xmlns:ma14="http://schemas.microsoft.com/office/mac/drawingml/2011/main" val="1"/>
             </a:ext>
           </a:extLst>
         </p:spPr>
@@ -13268,7 +13268,7 @@
           </a:ln>
           <a:extLst>
             <a:ext uri="{C572A759-6A51-4108-AA02-DFA0A04FC94B}">
-              <ma14:wrappingTextBoxFlag xmlns:ma14="http://schemas.microsoft.com/office/mac/drawingml/2011/main" xmlns:a14="http://schemas.microsoft.com/office/drawing/2010/main" xmlns:m="http://schemas.openxmlformats.org/officeDocument/2006/math" xmlns="" val="1"/>
+              <ma14:wrappingTextBoxFlag xmlns="" xmlns:m="http://schemas.openxmlformats.org/officeDocument/2006/math" xmlns:a14="http://schemas.microsoft.com/office/drawing/2010/main" xmlns:ma14="http://schemas.microsoft.com/office/mac/drawingml/2011/main" val="1"/>
             </a:ext>
           </a:extLst>
         </p:spPr>
@@ -13426,7 +13426,7 @@
           </a:ln>
           <a:extLst>
             <a:ext uri="{C572A759-6A51-4108-AA02-DFA0A04FC94B}">
-              <ma14:wrappingTextBoxFlag xmlns:ma14="http://schemas.microsoft.com/office/mac/drawingml/2011/main" xmlns:a14="http://schemas.microsoft.com/office/drawing/2010/main" xmlns:m="http://schemas.openxmlformats.org/officeDocument/2006/math" xmlns="" val="1"/>
+              <ma14:wrappingTextBoxFlag xmlns="" xmlns:m="http://schemas.openxmlformats.org/officeDocument/2006/math" xmlns:a14="http://schemas.microsoft.com/office/drawing/2010/main" xmlns:ma14="http://schemas.microsoft.com/office/mac/drawingml/2011/main" val="1"/>
             </a:ext>
           </a:extLst>
         </p:spPr>
@@ -13634,7 +13634,7 @@
           </a:ln>
           <a:extLst>
             <a:ext uri="{C572A759-6A51-4108-AA02-DFA0A04FC94B}">
-              <ma14:wrappingTextBoxFlag xmlns:ma14="http://schemas.microsoft.com/office/mac/drawingml/2011/main" xmlns:a14="http://schemas.microsoft.com/office/drawing/2010/main" xmlns:m="http://schemas.openxmlformats.org/officeDocument/2006/math" xmlns="" val="1"/>
+              <ma14:wrappingTextBoxFlag xmlns="" xmlns:m="http://schemas.openxmlformats.org/officeDocument/2006/math" xmlns:a14="http://schemas.microsoft.com/office/drawing/2010/main" xmlns:ma14="http://schemas.microsoft.com/office/mac/drawingml/2011/main" val="1"/>
             </a:ext>
           </a:extLst>
         </p:spPr>
@@ -13904,7 +13904,7 @@
           </a:ln>
           <a:extLst>
             <a:ext uri="{C572A759-6A51-4108-AA02-DFA0A04FC94B}">
-              <ma14:wrappingTextBoxFlag xmlns:ma14="http://schemas.microsoft.com/office/mac/drawingml/2011/main" xmlns:a14="http://schemas.microsoft.com/office/drawing/2010/main" xmlns:m="http://schemas.openxmlformats.org/officeDocument/2006/math" xmlns="" val="1"/>
+              <ma14:wrappingTextBoxFlag xmlns="" xmlns:m="http://schemas.openxmlformats.org/officeDocument/2006/math" xmlns:a14="http://schemas.microsoft.com/office/drawing/2010/main" xmlns:ma14="http://schemas.microsoft.com/office/mac/drawingml/2011/main" val="1"/>
             </a:ext>
           </a:extLst>
         </p:spPr>
@@ -14124,7 +14124,7 @@
           </a:ln>
           <a:extLst>
             <a:ext uri="{C572A759-6A51-4108-AA02-DFA0A04FC94B}">
-              <ma14:wrappingTextBoxFlag xmlns:ma14="http://schemas.microsoft.com/office/mac/drawingml/2011/main" xmlns:a14="http://schemas.microsoft.com/office/drawing/2010/main" xmlns:m="http://schemas.openxmlformats.org/officeDocument/2006/math" xmlns="" val="1"/>
+              <ma14:wrappingTextBoxFlag xmlns="" xmlns:m="http://schemas.openxmlformats.org/officeDocument/2006/math" xmlns:a14="http://schemas.microsoft.com/office/drawing/2010/main" xmlns:ma14="http://schemas.microsoft.com/office/mac/drawingml/2011/main" val="1"/>
             </a:ext>
           </a:extLst>
         </p:spPr>
@@ -14178,7 +14178,7 @@
           </a:ln>
           <a:extLst>
             <a:ext uri="{C572A759-6A51-4108-AA02-DFA0A04FC94B}">
-              <ma14:wrappingTextBoxFlag xmlns:ma14="http://schemas.microsoft.com/office/mac/drawingml/2011/main" xmlns:a14="http://schemas.microsoft.com/office/drawing/2010/main" xmlns:m="http://schemas.openxmlformats.org/officeDocument/2006/math" xmlns="" val="1"/>
+              <ma14:wrappingTextBoxFlag xmlns="" xmlns:m="http://schemas.openxmlformats.org/officeDocument/2006/math" xmlns:a14="http://schemas.microsoft.com/office/drawing/2010/main" xmlns:ma14="http://schemas.microsoft.com/office/mac/drawingml/2011/main" val="1"/>
             </a:ext>
           </a:extLst>
         </p:spPr>
@@ -14246,7 +14246,7 @@
           </a:ln>
           <a:extLst>
             <a:ext uri="{C572A759-6A51-4108-AA02-DFA0A04FC94B}">
-              <ma14:wrappingTextBoxFlag xmlns:ma14="http://schemas.microsoft.com/office/mac/drawingml/2011/main" xmlns:a14="http://schemas.microsoft.com/office/drawing/2010/main" xmlns:m="http://schemas.openxmlformats.org/officeDocument/2006/math" xmlns="" val="1"/>
+              <ma14:wrappingTextBoxFlag xmlns="" xmlns:m="http://schemas.openxmlformats.org/officeDocument/2006/math" xmlns:a14="http://schemas.microsoft.com/office/drawing/2010/main" xmlns:ma14="http://schemas.microsoft.com/office/mac/drawingml/2011/main" val="1"/>
             </a:ext>
           </a:extLst>
         </p:spPr>
@@ -14696,7 +14696,7 @@
           </a:ln>
           <a:extLst>
             <a:ext uri="{C572A759-6A51-4108-AA02-DFA0A04FC94B}">
-              <ma14:wrappingTextBoxFlag xmlns:ma14="http://schemas.microsoft.com/office/mac/drawingml/2011/main" xmlns:a14="http://schemas.microsoft.com/office/drawing/2010/main" xmlns:m="http://schemas.openxmlformats.org/officeDocument/2006/math" xmlns="" val="1"/>
+              <ma14:wrappingTextBoxFlag xmlns="" xmlns:m="http://schemas.openxmlformats.org/officeDocument/2006/math" xmlns:a14="http://schemas.microsoft.com/office/drawing/2010/main" xmlns:ma14="http://schemas.microsoft.com/office/mac/drawingml/2011/main" val="1"/>
             </a:ext>
           </a:extLst>
         </p:spPr>
@@ -14772,7 +14772,7 @@
           </a:ln>
           <a:extLst>
             <a:ext uri="{C572A759-6A51-4108-AA02-DFA0A04FC94B}">
-              <ma14:wrappingTextBoxFlag xmlns:ma14="http://schemas.microsoft.com/office/mac/drawingml/2011/main" xmlns:a14="http://schemas.microsoft.com/office/drawing/2010/main" xmlns:m="http://schemas.openxmlformats.org/officeDocument/2006/math" xmlns="" val="1"/>
+              <ma14:wrappingTextBoxFlag xmlns="" xmlns:m="http://schemas.openxmlformats.org/officeDocument/2006/math" xmlns:a14="http://schemas.microsoft.com/office/drawing/2010/main" xmlns:ma14="http://schemas.microsoft.com/office/mac/drawingml/2011/main" val="1"/>
             </a:ext>
           </a:extLst>
         </p:spPr>
@@ -17417,7 +17417,7 @@
         <p:spPr>
           <a:xfrm>
             <a:off x="571500" y="1524001"/>
-            <a:ext cx="4493559" cy="738664"/>
+            <a:ext cx="4493559" cy="2215991"/>
           </a:xfrm>
           <a:prstGeom prst="rect">
             <a:avLst/>
@@ -17447,6 +17447,73 @@
             <a:spAutoFit/>
           </a:bodyPr>
           <a:lstStyle/>
+          <a:p>
+            <a:pPr marL="342900" marR="0" indent="-342900" algn="l" defTabSz="2438338" rtl="0" fontAlgn="auto" latinLnBrk="0" hangingPunct="0">
+              <a:lnSpc>
+                <a:spcPct val="100000"/>
+              </a:lnSpc>
+              <a:spcBef>
+                <a:spcPts val="0"/>
+              </a:spcBef>
+              <a:spcAft>
+                <a:spcPts val="0"/>
+              </a:spcAft>
+              <a:buClrTx/>
+              <a:buSzTx/>
+              <a:buFont typeface="Arial" panose="020B0604020202020204" pitchFamily="34" charset="0"/>
+              <a:buChar char="•"/>
+              <a:tabLst/>
+            </a:pPr>
+            <a:r>
+              <a:rPr kumimoji="0" lang="en-US" b="0" i="0" u="none" strike="noStrike" cap="none" spc="0" normalizeH="0" baseline="0" dirty="0">
+                <a:ln>
+                  <a:noFill/>
+                </a:ln>
+                <a:solidFill>
+                  <a:schemeClr val="tx2"/>
+                </a:solidFill>
+                <a:effectLst/>
+                <a:uFillTx/>
+                <a:latin typeface="+mn-lt"/>
+                <a:ea typeface="+mn-ea"/>
+                <a:cs typeface="+mn-cs"/>
+                <a:sym typeface="Helvetica Neue"/>
+              </a:rPr>
+              <a:t>Must generate simulation model prior to running the simulation.</a:t>
+            </a:r>
+          </a:p>
+          <a:p>
+            <a:pPr marL="342900" marR="0" indent="-342900" algn="l" defTabSz="2438338" rtl="0" fontAlgn="auto" latinLnBrk="0" hangingPunct="0">
+              <a:lnSpc>
+                <a:spcPct val="100000"/>
+              </a:lnSpc>
+              <a:spcBef>
+                <a:spcPts val="0"/>
+              </a:spcBef>
+              <a:spcAft>
+                <a:spcPts val="0"/>
+              </a:spcAft>
+              <a:buClrTx/>
+              <a:buSzTx/>
+              <a:buFont typeface="Arial" panose="020B0604020202020204" pitchFamily="34" charset="0"/>
+              <a:buChar char="•"/>
+              <a:tabLst/>
+            </a:pPr>
+            <a:endParaRPr kumimoji="0" lang="en-US" b="0" i="0" u="none" strike="noStrike" cap="none" spc="0" normalizeH="0" baseline="0" dirty="0">
+              <a:ln>
+                <a:noFill/>
+              </a:ln>
+              <a:solidFill>
+                <a:schemeClr val="tx2"/>
+              </a:solidFill>
+              <a:effectLst/>
+              <a:uFillTx/>
+              <a:latin typeface="+mn-lt"/>
+              <a:ea typeface="+mn-ea"/>
+              <a:cs typeface="+mn-cs"/>
+              <a:sym typeface="Helvetica Neue"/>
+            </a:endParaRPr>
+          </a:p>
           <a:p>
             <a:pPr marL="342900" marR="0" indent="-342900" algn="l" defTabSz="2438338" rtl="0" fontAlgn="auto" latinLnBrk="0" hangingPunct="0">
               <a:lnSpc>
@@ -21142,15 +21209,6 @@
 </file>
 
 <file path=customXml/item1.xml><?xml version="1.0" encoding="utf-8"?>
-<?mso-contentType ?>
-<FormTemplates xmlns="http://schemas.microsoft.com/sharepoint/v3/contenttype/forms">
-  <Display>DocumentLibraryForm</Display>
-  <Edit>DocumentLibraryForm</Edit>
-  <New>DocumentLibraryForm</New>
-</FormTemplates>
-</file>
-
-<file path=customXml/item2.xml><?xml version="1.0" encoding="utf-8"?>
 <ct:contentTypeSchema xmlns:ct="http://schemas.microsoft.com/office/2006/metadata/contentType" xmlns:ma="http://schemas.microsoft.com/office/2006/metadata/properties/metaAttributes" ct:_="" ma:_="" ma:contentTypeName="Document" ma:contentTypeID="0x010100D154056AC1913548A181145D96A05235" ma:contentTypeVersion="9" ma:contentTypeDescription="Create a new document." ma:contentTypeScope="" ma:versionID="6ace0ec2b5e64356200d33536677a8bd">
   <xsd:schema xmlns:xsd="http://www.w3.org/2001/XMLSchema" xmlns:xs="http://www.w3.org/2001/XMLSchema" xmlns:p="http://schemas.microsoft.com/office/2006/metadata/properties" xmlns:ns2="53a85f9c-6358-4b92-b824-b024aa1d835a" xmlns:ns3="ec8a38d1-aac5-4105-a264-6b973117bc9e" targetNamespace="http://schemas.microsoft.com/office/2006/metadata/properties" ma:root="true" ma:fieldsID="85415ff27e9347e2553f12a1d2b16bc2" ns2:_="" ns3:_="">
     <xsd:import namespace="53a85f9c-6358-4b92-b824-b024aa1d835a"/>
@@ -21347,6 +21405,15 @@
 </ct:contentTypeSchema>
 </file>
 
+<file path=customXml/item2.xml><?xml version="1.0" encoding="utf-8"?>
+<?mso-contentType ?>
+<FormTemplates xmlns="http://schemas.microsoft.com/sharepoint/v3/contenttype/forms">
+  <Display>DocumentLibraryForm</Display>
+  <Edit>DocumentLibraryForm</Edit>
+  <New>DocumentLibraryForm</New>
+</FormTemplates>
+</file>
+
 <file path=customXml/item3.xml><?xml version="1.0" encoding="utf-8"?>
 <p:properties xmlns:p="http://schemas.microsoft.com/office/2006/metadata/properties" xmlns:xsi="http://www.w3.org/2001/XMLSchema-instance" xmlns:pc="http://schemas.microsoft.com/office/infopath/2007/PartnerControls">
   <documentManagement/>
@@ -21354,14 +21421,6 @@
 </file>
 
 <file path=customXml/itemProps1.xml><?xml version="1.0" encoding="utf-8"?>
-<ds:datastoreItem xmlns:ds="http://schemas.openxmlformats.org/officeDocument/2006/customXml" ds:itemID="{201C66F3-FBD8-4B0F-98D9-445FE3649D01}">
-  <ds:schemaRefs>
-    <ds:schemaRef ds:uri="http://schemas.microsoft.com/sharepoint/v3/contenttype/forms"/>
-  </ds:schemaRefs>
-</ds:datastoreItem>
-</file>
-
-<file path=customXml/itemProps2.xml><?xml version="1.0" encoding="utf-8"?>
 <ds:datastoreItem xmlns:ds="http://schemas.openxmlformats.org/officeDocument/2006/customXml" ds:itemID="{13A06AE1-2983-44CE-B136-A501093AA36B}">
   <ds:schemaRefs>
     <ds:schemaRef ds:uri="http://schemas.microsoft.com/office/2006/metadata/contentType"/>
@@ -21380,6 +21439,14 @@
 </ds:datastoreItem>
 </file>
 
+<file path=customXml/itemProps2.xml><?xml version="1.0" encoding="utf-8"?>
+<ds:datastoreItem xmlns:ds="http://schemas.openxmlformats.org/officeDocument/2006/customXml" ds:itemID="{201C66F3-FBD8-4B0F-98D9-445FE3649D01}">
+  <ds:schemaRefs>
+    <ds:schemaRef ds:uri="http://schemas.microsoft.com/sharepoint/v3/contenttype/forms"/>
+  </ds:schemaRefs>
+</ds:datastoreItem>
+</file>
+
 <file path=customXml/itemProps3.xml><?xml version="1.0" encoding="utf-8"?>
 <ds:datastoreItem xmlns:ds="http://schemas.openxmlformats.org/officeDocument/2006/customXml" ds:itemID="{724B8A99-8161-4D52-8DFD-478F5C1B3170}">
   <ds:schemaRefs>

--- a/HBM2e Simulation Using an AXI BFM.pptx
+++ b/HBM2e Simulation Using an AXI BFM.pptx
@@ -1110,7 +1110,7 @@
           <a:p>
             <a:fld id="{E10B726A-C477-6444-83BF-F1538D69AD12}" type="datetimeFigureOut">
               <a:rPr lang="en-US" smtClean="0"/>
-              <a:t>1/11/2023</a:t>
+              <a:t>9/8/2023</a:t>
             </a:fld>
             <a:endParaRPr lang="en-US" dirty="0"/>
           </a:p>
@@ -1626,7 +1626,7 @@
           </a:ln>
           <a:extLst>
             <a:ext uri="{C572A759-6A51-4108-AA02-DFA0A04FC94B}">
-              <ma14:wrappingTextBoxFlag xmlns="" xmlns:m="http://schemas.openxmlformats.org/officeDocument/2006/math" xmlns:a14="http://schemas.microsoft.com/office/drawing/2010/main" xmlns:ma14="http://schemas.microsoft.com/office/mac/drawingml/2011/main" val="1"/>
+              <ma14:wrappingTextBoxFlag xmlns:ma14="http://schemas.microsoft.com/office/mac/drawingml/2011/main" xmlns:a14="http://schemas.microsoft.com/office/drawing/2010/main" xmlns:m="http://schemas.openxmlformats.org/officeDocument/2006/math" xmlns="" val="1"/>
             </a:ext>
           </a:extLst>
         </p:spPr>
@@ -3100,7 +3100,7 @@
           </a:ln>
           <a:extLst>
             <a:ext uri="{C572A759-6A51-4108-AA02-DFA0A04FC94B}">
-              <ma14:wrappingTextBoxFlag xmlns="" xmlns:m="http://schemas.openxmlformats.org/officeDocument/2006/math" xmlns:a14="http://schemas.microsoft.com/office/drawing/2010/main" xmlns:ma14="http://schemas.microsoft.com/office/mac/drawingml/2011/main" val="1"/>
+              <ma14:wrappingTextBoxFlag xmlns:ma14="http://schemas.microsoft.com/office/mac/drawingml/2011/main" xmlns:a14="http://schemas.microsoft.com/office/drawing/2010/main" xmlns:m="http://schemas.openxmlformats.org/officeDocument/2006/math" xmlns="" val="1"/>
             </a:ext>
           </a:extLst>
         </p:spPr>
@@ -3339,7 +3339,7 @@
           </a:ln>
           <a:extLst>
             <a:ext uri="{C572A759-6A51-4108-AA02-DFA0A04FC94B}">
-              <ma14:wrappingTextBoxFlag xmlns="" xmlns:m="http://schemas.openxmlformats.org/officeDocument/2006/math" xmlns:a14="http://schemas.microsoft.com/office/drawing/2010/main" xmlns:ma14="http://schemas.microsoft.com/office/mac/drawingml/2011/main" val="1"/>
+              <ma14:wrappingTextBoxFlag xmlns:ma14="http://schemas.microsoft.com/office/mac/drawingml/2011/main" xmlns:a14="http://schemas.microsoft.com/office/drawing/2010/main" xmlns:m="http://schemas.openxmlformats.org/officeDocument/2006/math" xmlns="" val="1"/>
             </a:ext>
           </a:extLst>
         </p:spPr>
@@ -3435,7 +3435,7 @@
           </a:ln>
           <a:extLst>
             <a:ext uri="{C572A759-6A51-4108-AA02-DFA0A04FC94B}">
-              <ma14:wrappingTextBoxFlag xmlns="" xmlns:m="http://schemas.openxmlformats.org/officeDocument/2006/math" xmlns:a14="http://schemas.microsoft.com/office/drawing/2010/main" xmlns:ma14="http://schemas.microsoft.com/office/mac/drawingml/2011/main" val="1"/>
+              <ma14:wrappingTextBoxFlag xmlns:ma14="http://schemas.microsoft.com/office/mac/drawingml/2011/main" xmlns:a14="http://schemas.microsoft.com/office/drawing/2010/main" xmlns:m="http://schemas.openxmlformats.org/officeDocument/2006/math" xmlns="" val="1"/>
             </a:ext>
           </a:extLst>
         </p:spPr>
@@ -3870,7 +3870,7 @@
           </a:ln>
           <a:extLst>
             <a:ext uri="{C572A759-6A51-4108-AA02-DFA0A04FC94B}">
-              <ma14:wrappingTextBoxFlag xmlns="" xmlns:m="http://schemas.openxmlformats.org/officeDocument/2006/math" xmlns:a14="http://schemas.microsoft.com/office/drawing/2010/main" xmlns:ma14="http://schemas.microsoft.com/office/mac/drawingml/2011/main" val="1"/>
+              <ma14:wrappingTextBoxFlag xmlns:ma14="http://schemas.microsoft.com/office/mac/drawingml/2011/main" xmlns:a14="http://schemas.microsoft.com/office/drawing/2010/main" xmlns:m="http://schemas.openxmlformats.org/officeDocument/2006/math" xmlns="" val="1"/>
             </a:ext>
           </a:extLst>
         </p:spPr>
@@ -4248,7 +4248,7 @@
           </a:ln>
           <a:extLst>
             <a:ext uri="{C572A759-6A51-4108-AA02-DFA0A04FC94B}">
-              <ma14:wrappingTextBoxFlag xmlns="" xmlns:m="http://schemas.openxmlformats.org/officeDocument/2006/math" xmlns:a14="http://schemas.microsoft.com/office/drawing/2010/main" xmlns:ma14="http://schemas.microsoft.com/office/mac/drawingml/2011/main" val="1"/>
+              <ma14:wrappingTextBoxFlag xmlns:ma14="http://schemas.microsoft.com/office/mac/drawingml/2011/main" xmlns:a14="http://schemas.microsoft.com/office/drawing/2010/main" xmlns:m="http://schemas.openxmlformats.org/officeDocument/2006/math" xmlns="" val="1"/>
             </a:ext>
           </a:extLst>
         </p:spPr>
@@ -4698,7 +4698,7 @@
           </a:ln>
           <a:extLst>
             <a:ext uri="{C572A759-6A51-4108-AA02-DFA0A04FC94B}">
-              <ma14:wrappingTextBoxFlag xmlns="" xmlns:m="http://schemas.openxmlformats.org/officeDocument/2006/math" xmlns:a14="http://schemas.microsoft.com/office/drawing/2010/main" xmlns:ma14="http://schemas.microsoft.com/office/mac/drawingml/2011/main" val="1"/>
+              <ma14:wrappingTextBoxFlag xmlns:ma14="http://schemas.microsoft.com/office/mac/drawingml/2011/main" xmlns:a14="http://schemas.microsoft.com/office/drawing/2010/main" xmlns:m="http://schemas.openxmlformats.org/officeDocument/2006/math" xmlns="" val="1"/>
             </a:ext>
           </a:extLst>
         </p:spPr>
@@ -5357,7 +5357,7 @@
           </a:ln>
           <a:extLst>
             <a:ext uri="{C572A759-6A51-4108-AA02-DFA0A04FC94B}">
-              <ma14:wrappingTextBoxFlag xmlns="" xmlns:m="http://schemas.openxmlformats.org/officeDocument/2006/math" xmlns:a14="http://schemas.microsoft.com/office/drawing/2010/main" xmlns:ma14="http://schemas.microsoft.com/office/mac/drawingml/2011/main" val="1"/>
+              <ma14:wrappingTextBoxFlag xmlns:ma14="http://schemas.microsoft.com/office/mac/drawingml/2011/main" xmlns:a14="http://schemas.microsoft.com/office/drawing/2010/main" xmlns:m="http://schemas.openxmlformats.org/officeDocument/2006/math" xmlns="" val="1"/>
             </a:ext>
           </a:extLst>
         </p:spPr>
@@ -6060,7 +6060,7 @@
           </a:ln>
           <a:extLst>
             <a:ext uri="{C572A759-6A51-4108-AA02-DFA0A04FC94B}">
-              <ma14:wrappingTextBoxFlag xmlns="" xmlns:m="http://schemas.openxmlformats.org/officeDocument/2006/math" xmlns:a14="http://schemas.microsoft.com/office/drawing/2010/main" xmlns:ma14="http://schemas.microsoft.com/office/mac/drawingml/2011/main" val="1"/>
+              <ma14:wrappingTextBoxFlag xmlns:ma14="http://schemas.microsoft.com/office/mac/drawingml/2011/main" xmlns:a14="http://schemas.microsoft.com/office/drawing/2010/main" xmlns:m="http://schemas.openxmlformats.org/officeDocument/2006/math" xmlns="" val="1"/>
             </a:ext>
           </a:extLst>
         </p:spPr>
@@ -6771,7 +6771,7 @@
           </a:ln>
           <a:extLst>
             <a:ext uri="{C572A759-6A51-4108-AA02-DFA0A04FC94B}">
-              <ma14:wrappingTextBoxFlag xmlns="" xmlns:m="http://schemas.openxmlformats.org/officeDocument/2006/math" xmlns:a14="http://schemas.microsoft.com/office/drawing/2010/main" xmlns:ma14="http://schemas.microsoft.com/office/mac/drawingml/2011/main" val="1"/>
+              <ma14:wrappingTextBoxFlag xmlns:ma14="http://schemas.microsoft.com/office/mac/drawingml/2011/main" xmlns:a14="http://schemas.microsoft.com/office/drawing/2010/main" xmlns:m="http://schemas.openxmlformats.org/officeDocument/2006/math" xmlns="" val="1"/>
             </a:ext>
           </a:extLst>
         </p:spPr>
@@ -7549,7 +7549,7 @@
           </a:ln>
           <a:extLst>
             <a:ext uri="{C572A759-6A51-4108-AA02-DFA0A04FC94B}">
-              <ma14:wrappingTextBoxFlag xmlns="" xmlns:m="http://schemas.openxmlformats.org/officeDocument/2006/math" xmlns:a14="http://schemas.microsoft.com/office/drawing/2010/main" xmlns:ma14="http://schemas.microsoft.com/office/mac/drawingml/2011/main" val="1"/>
+              <ma14:wrappingTextBoxFlag xmlns:ma14="http://schemas.microsoft.com/office/mac/drawingml/2011/main" xmlns:a14="http://schemas.microsoft.com/office/drawing/2010/main" xmlns:m="http://schemas.openxmlformats.org/officeDocument/2006/math" xmlns="" val="1"/>
             </a:ext>
           </a:extLst>
         </p:spPr>
@@ -7796,7 +7796,7 @@
           </a:ln>
           <a:extLst>
             <a:ext uri="{C572A759-6A51-4108-AA02-DFA0A04FC94B}">
-              <ma14:wrappingTextBoxFlag xmlns="" xmlns:m="http://schemas.openxmlformats.org/officeDocument/2006/math" xmlns:a14="http://schemas.microsoft.com/office/drawing/2010/main" xmlns:ma14="http://schemas.microsoft.com/office/mac/drawingml/2011/main" val="1"/>
+              <ma14:wrappingTextBoxFlag xmlns:ma14="http://schemas.microsoft.com/office/mac/drawingml/2011/main" xmlns:a14="http://schemas.microsoft.com/office/drawing/2010/main" xmlns:m="http://schemas.openxmlformats.org/officeDocument/2006/math" xmlns="" val="1"/>
             </a:ext>
           </a:extLst>
         </p:spPr>
@@ -9607,7 +9607,7 @@
           </a:ln>
           <a:extLst>
             <a:ext uri="{C572A759-6A51-4108-AA02-DFA0A04FC94B}">
-              <ma14:wrappingTextBoxFlag xmlns="" xmlns:m="http://schemas.openxmlformats.org/officeDocument/2006/math" xmlns:a14="http://schemas.microsoft.com/office/drawing/2010/main" xmlns:ma14="http://schemas.microsoft.com/office/mac/drawingml/2011/main" val="1"/>
+              <ma14:wrappingTextBoxFlag xmlns:ma14="http://schemas.microsoft.com/office/mac/drawingml/2011/main" xmlns:a14="http://schemas.microsoft.com/office/drawing/2010/main" xmlns:m="http://schemas.openxmlformats.org/officeDocument/2006/math" xmlns="" val="1"/>
             </a:ext>
           </a:extLst>
         </p:spPr>
@@ -9971,7 +9971,7 @@
           </a:ln>
           <a:extLst>
             <a:ext uri="{C572A759-6A51-4108-AA02-DFA0A04FC94B}">
-              <ma14:wrappingTextBoxFlag xmlns="" xmlns:m="http://schemas.openxmlformats.org/officeDocument/2006/math" xmlns:a14="http://schemas.microsoft.com/office/drawing/2010/main" xmlns:ma14="http://schemas.microsoft.com/office/mac/drawingml/2011/main" val="1"/>
+              <ma14:wrappingTextBoxFlag xmlns:ma14="http://schemas.microsoft.com/office/mac/drawingml/2011/main" xmlns:a14="http://schemas.microsoft.com/office/drawing/2010/main" xmlns:m="http://schemas.openxmlformats.org/officeDocument/2006/math" xmlns="" val="1"/>
             </a:ext>
           </a:extLst>
         </p:spPr>
@@ -10658,7 +10658,7 @@
           </a:ln>
           <a:extLst>
             <a:ext uri="{C572A759-6A51-4108-AA02-DFA0A04FC94B}">
-              <ma14:wrappingTextBoxFlag xmlns="" xmlns:m="http://schemas.openxmlformats.org/officeDocument/2006/math" xmlns:a14="http://schemas.microsoft.com/office/drawing/2010/main" xmlns:ma14="http://schemas.microsoft.com/office/mac/drawingml/2011/main" val="1"/>
+              <ma14:wrappingTextBoxFlag xmlns:ma14="http://schemas.microsoft.com/office/mac/drawingml/2011/main" xmlns:a14="http://schemas.microsoft.com/office/drawing/2010/main" xmlns:m="http://schemas.openxmlformats.org/officeDocument/2006/math" xmlns="" val="1"/>
             </a:ext>
           </a:extLst>
         </p:spPr>
@@ -11815,7 +11815,7 @@
           </a:ln>
           <a:extLst>
             <a:ext uri="{C572A759-6A51-4108-AA02-DFA0A04FC94B}">
-              <ma14:wrappingTextBoxFlag xmlns="" xmlns:m="http://schemas.openxmlformats.org/officeDocument/2006/math" xmlns:a14="http://schemas.microsoft.com/office/drawing/2010/main" xmlns:ma14="http://schemas.microsoft.com/office/mac/drawingml/2011/main" val="1"/>
+              <ma14:wrappingTextBoxFlag xmlns:ma14="http://schemas.microsoft.com/office/mac/drawingml/2011/main" xmlns:a14="http://schemas.microsoft.com/office/drawing/2010/main" xmlns:m="http://schemas.openxmlformats.org/officeDocument/2006/math" xmlns="" val="1"/>
             </a:ext>
           </a:extLst>
         </p:spPr>
@@ -12277,7 +12277,7 @@
           </a:ln>
           <a:extLst>
             <a:ext uri="{C572A759-6A51-4108-AA02-DFA0A04FC94B}">
-              <ma14:wrappingTextBoxFlag xmlns="" xmlns:m="http://schemas.openxmlformats.org/officeDocument/2006/math" xmlns:a14="http://schemas.microsoft.com/office/drawing/2010/main" xmlns:ma14="http://schemas.microsoft.com/office/mac/drawingml/2011/main" val="1"/>
+              <ma14:wrappingTextBoxFlag xmlns:ma14="http://schemas.microsoft.com/office/mac/drawingml/2011/main" xmlns:a14="http://schemas.microsoft.com/office/drawing/2010/main" xmlns:m="http://schemas.openxmlformats.org/officeDocument/2006/math" xmlns="" val="1"/>
             </a:ext>
           </a:extLst>
         </p:spPr>
@@ -12781,7 +12781,7 @@
           </a:ln>
           <a:extLst>
             <a:ext uri="{C572A759-6A51-4108-AA02-DFA0A04FC94B}">
-              <ma14:wrappingTextBoxFlag xmlns:ma14="http://schemas.microsoft.com/office/mac/drawingml/2011/main" xmlns:a14="http://schemas.microsoft.com/office/drawing/2010/main" xmlns:m="http://schemas.openxmlformats.org/officeDocument/2006/math" xmlns="" val="1"/>
+              <ma14:wrappingTextBoxFlag xmlns="" xmlns:m="http://schemas.openxmlformats.org/officeDocument/2006/math" xmlns:a14="http://schemas.microsoft.com/office/drawing/2010/main" xmlns:ma14="http://schemas.microsoft.com/office/mac/drawingml/2011/main" val="1"/>
             </a:ext>
           </a:extLst>
         </p:spPr>
@@ -13172,7 +13172,7 @@
           </a:ln>
           <a:extLst>
             <a:ext uri="{C572A759-6A51-4108-AA02-DFA0A04FC94B}">
-              <ma14:wrappingTextBoxFlag xmlns="" xmlns:m="http://schemas.openxmlformats.org/officeDocument/2006/math" xmlns:a14="http://schemas.microsoft.com/office/drawing/2010/main" xmlns:ma14="http://schemas.microsoft.com/office/mac/drawingml/2011/main" val="1"/>
+              <ma14:wrappingTextBoxFlag xmlns:ma14="http://schemas.microsoft.com/office/mac/drawingml/2011/main" xmlns:a14="http://schemas.microsoft.com/office/drawing/2010/main" xmlns:m="http://schemas.openxmlformats.org/officeDocument/2006/math" xmlns="" val="1"/>
             </a:ext>
           </a:extLst>
         </p:spPr>
@@ -13268,7 +13268,7 @@
           </a:ln>
           <a:extLst>
             <a:ext uri="{C572A759-6A51-4108-AA02-DFA0A04FC94B}">
-              <ma14:wrappingTextBoxFlag xmlns="" xmlns:m="http://schemas.openxmlformats.org/officeDocument/2006/math" xmlns:a14="http://schemas.microsoft.com/office/drawing/2010/main" xmlns:ma14="http://schemas.microsoft.com/office/mac/drawingml/2011/main" val="1"/>
+              <ma14:wrappingTextBoxFlag xmlns:ma14="http://schemas.microsoft.com/office/mac/drawingml/2011/main" xmlns:a14="http://schemas.microsoft.com/office/drawing/2010/main" xmlns:m="http://schemas.openxmlformats.org/officeDocument/2006/math" xmlns="" val="1"/>
             </a:ext>
           </a:extLst>
         </p:spPr>
@@ -13426,7 +13426,7 @@
           </a:ln>
           <a:extLst>
             <a:ext uri="{C572A759-6A51-4108-AA02-DFA0A04FC94B}">
-              <ma14:wrappingTextBoxFlag xmlns="" xmlns:m="http://schemas.openxmlformats.org/officeDocument/2006/math" xmlns:a14="http://schemas.microsoft.com/office/drawing/2010/main" xmlns:ma14="http://schemas.microsoft.com/office/mac/drawingml/2011/main" val="1"/>
+              <ma14:wrappingTextBoxFlag xmlns:ma14="http://schemas.microsoft.com/office/mac/drawingml/2011/main" xmlns:a14="http://schemas.microsoft.com/office/drawing/2010/main" xmlns:m="http://schemas.openxmlformats.org/officeDocument/2006/math" xmlns="" val="1"/>
             </a:ext>
           </a:extLst>
         </p:spPr>
@@ -13634,7 +13634,7 @@
           </a:ln>
           <a:extLst>
             <a:ext uri="{C572A759-6A51-4108-AA02-DFA0A04FC94B}">
-              <ma14:wrappingTextBoxFlag xmlns="" xmlns:m="http://schemas.openxmlformats.org/officeDocument/2006/math" xmlns:a14="http://schemas.microsoft.com/office/drawing/2010/main" xmlns:ma14="http://schemas.microsoft.com/office/mac/drawingml/2011/main" val="1"/>
+              <ma14:wrappingTextBoxFlag xmlns:ma14="http://schemas.microsoft.com/office/mac/drawingml/2011/main" xmlns:a14="http://schemas.microsoft.com/office/drawing/2010/main" xmlns:m="http://schemas.openxmlformats.org/officeDocument/2006/math" xmlns="" val="1"/>
             </a:ext>
           </a:extLst>
         </p:spPr>
@@ -13904,7 +13904,7 @@
           </a:ln>
           <a:extLst>
             <a:ext uri="{C572A759-6A51-4108-AA02-DFA0A04FC94B}">
-              <ma14:wrappingTextBoxFlag xmlns="" xmlns:m="http://schemas.openxmlformats.org/officeDocument/2006/math" xmlns:a14="http://schemas.microsoft.com/office/drawing/2010/main" xmlns:ma14="http://schemas.microsoft.com/office/mac/drawingml/2011/main" val="1"/>
+              <ma14:wrappingTextBoxFlag xmlns:ma14="http://schemas.microsoft.com/office/mac/drawingml/2011/main" xmlns:a14="http://schemas.microsoft.com/office/drawing/2010/main" xmlns:m="http://schemas.openxmlformats.org/officeDocument/2006/math" xmlns="" val="1"/>
             </a:ext>
           </a:extLst>
         </p:spPr>
@@ -14124,7 +14124,7 @@
           </a:ln>
           <a:extLst>
             <a:ext uri="{C572A759-6A51-4108-AA02-DFA0A04FC94B}">
-              <ma14:wrappingTextBoxFlag xmlns="" xmlns:m="http://schemas.openxmlformats.org/officeDocument/2006/math" xmlns:a14="http://schemas.microsoft.com/office/drawing/2010/main" xmlns:ma14="http://schemas.microsoft.com/office/mac/drawingml/2011/main" val="1"/>
+              <ma14:wrappingTextBoxFlag xmlns:ma14="http://schemas.microsoft.com/office/mac/drawingml/2011/main" xmlns:a14="http://schemas.microsoft.com/office/drawing/2010/main" xmlns:m="http://schemas.openxmlformats.org/officeDocument/2006/math" xmlns="" val="1"/>
             </a:ext>
           </a:extLst>
         </p:spPr>
@@ -14178,7 +14178,7 @@
           </a:ln>
           <a:extLst>
             <a:ext uri="{C572A759-6A51-4108-AA02-DFA0A04FC94B}">
-              <ma14:wrappingTextBoxFlag xmlns="" xmlns:m="http://schemas.openxmlformats.org/officeDocument/2006/math" xmlns:a14="http://schemas.microsoft.com/office/drawing/2010/main" xmlns:ma14="http://schemas.microsoft.com/office/mac/drawingml/2011/main" val="1"/>
+              <ma14:wrappingTextBoxFlag xmlns:ma14="http://schemas.microsoft.com/office/mac/drawingml/2011/main" xmlns:a14="http://schemas.microsoft.com/office/drawing/2010/main" xmlns:m="http://schemas.openxmlformats.org/officeDocument/2006/math" xmlns="" val="1"/>
             </a:ext>
           </a:extLst>
         </p:spPr>
@@ -14246,7 +14246,7 @@
           </a:ln>
           <a:extLst>
             <a:ext uri="{C572A759-6A51-4108-AA02-DFA0A04FC94B}">
-              <ma14:wrappingTextBoxFlag xmlns="" xmlns:m="http://schemas.openxmlformats.org/officeDocument/2006/math" xmlns:a14="http://schemas.microsoft.com/office/drawing/2010/main" xmlns:ma14="http://schemas.microsoft.com/office/mac/drawingml/2011/main" val="1"/>
+              <ma14:wrappingTextBoxFlag xmlns:ma14="http://schemas.microsoft.com/office/mac/drawingml/2011/main" xmlns:a14="http://schemas.microsoft.com/office/drawing/2010/main" xmlns:m="http://schemas.openxmlformats.org/officeDocument/2006/math" xmlns="" val="1"/>
             </a:ext>
           </a:extLst>
         </p:spPr>
@@ -14696,7 +14696,7 @@
           </a:ln>
           <a:extLst>
             <a:ext uri="{C572A759-6A51-4108-AA02-DFA0A04FC94B}">
-              <ma14:wrappingTextBoxFlag xmlns="" xmlns:m="http://schemas.openxmlformats.org/officeDocument/2006/math" xmlns:a14="http://schemas.microsoft.com/office/drawing/2010/main" xmlns:ma14="http://schemas.microsoft.com/office/mac/drawingml/2011/main" val="1"/>
+              <ma14:wrappingTextBoxFlag xmlns:ma14="http://schemas.microsoft.com/office/mac/drawingml/2011/main" xmlns:a14="http://schemas.microsoft.com/office/drawing/2010/main" xmlns:m="http://schemas.openxmlformats.org/officeDocument/2006/math" xmlns="" val="1"/>
             </a:ext>
           </a:extLst>
         </p:spPr>
@@ -14772,7 +14772,7 @@
           </a:ln>
           <a:extLst>
             <a:ext uri="{C572A759-6A51-4108-AA02-DFA0A04FC94B}">
-              <ma14:wrappingTextBoxFlag xmlns="" xmlns:m="http://schemas.openxmlformats.org/officeDocument/2006/math" xmlns:a14="http://schemas.microsoft.com/office/drawing/2010/main" xmlns:ma14="http://schemas.microsoft.com/office/mac/drawingml/2011/main" val="1"/>
+              <ma14:wrappingTextBoxFlag xmlns:ma14="http://schemas.microsoft.com/office/mac/drawingml/2011/main" xmlns:a14="http://schemas.microsoft.com/office/drawing/2010/main" xmlns:m="http://schemas.openxmlformats.org/officeDocument/2006/math" xmlns="" val="1"/>
             </a:ext>
           </a:extLst>
         </p:spPr>
@@ -19208,8 +19208,13 @@
           <a:p>
             <a:r>
               <a:rPr lang="en-US" dirty="0"/>
-              <a:t>./runme</a:t>
-            </a:r>
+              <a:t>quartus_sh –t </a:t>
+            </a:r>
+            <a:r>
+              <a:rPr lang="en-US" dirty="0" err="1"/>
+              <a:t>runme.tcl</a:t>
+            </a:r>
+            <a:endParaRPr lang="en-US" dirty="0"/>
           </a:p>
           <a:p>
             <a:endParaRPr lang="en-US" sz="2400" dirty="0"/>
@@ -21209,6 +21214,15 @@
 </file>
 
 <file path=customXml/item1.xml><?xml version="1.0" encoding="utf-8"?>
+<?mso-contentType ?>
+<FormTemplates xmlns="http://schemas.microsoft.com/sharepoint/v3/contenttype/forms">
+  <Display>DocumentLibraryForm</Display>
+  <Edit>DocumentLibraryForm</Edit>
+  <New>DocumentLibraryForm</New>
+</FormTemplates>
+</file>
+
+<file path=customXml/item2.xml><?xml version="1.0" encoding="utf-8"?>
 <ct:contentTypeSchema xmlns:ct="http://schemas.microsoft.com/office/2006/metadata/contentType" xmlns:ma="http://schemas.microsoft.com/office/2006/metadata/properties/metaAttributes" ct:_="" ma:_="" ma:contentTypeName="Document" ma:contentTypeID="0x010100D154056AC1913548A181145D96A05235" ma:contentTypeVersion="9" ma:contentTypeDescription="Create a new document." ma:contentTypeScope="" ma:versionID="6ace0ec2b5e64356200d33536677a8bd">
   <xsd:schema xmlns:xsd="http://www.w3.org/2001/XMLSchema" xmlns:xs="http://www.w3.org/2001/XMLSchema" xmlns:p="http://schemas.microsoft.com/office/2006/metadata/properties" xmlns:ns2="53a85f9c-6358-4b92-b824-b024aa1d835a" xmlns:ns3="ec8a38d1-aac5-4105-a264-6b973117bc9e" targetNamespace="http://schemas.microsoft.com/office/2006/metadata/properties" ma:root="true" ma:fieldsID="85415ff27e9347e2553f12a1d2b16bc2" ns2:_="" ns3:_="">
     <xsd:import namespace="53a85f9c-6358-4b92-b824-b024aa1d835a"/>
@@ -21405,15 +21419,6 @@
 </ct:contentTypeSchema>
 </file>
 
-<file path=customXml/item2.xml><?xml version="1.0" encoding="utf-8"?>
-<?mso-contentType ?>
-<FormTemplates xmlns="http://schemas.microsoft.com/sharepoint/v3/contenttype/forms">
-  <Display>DocumentLibraryForm</Display>
-  <Edit>DocumentLibraryForm</Edit>
-  <New>DocumentLibraryForm</New>
-</FormTemplates>
-</file>
-
 <file path=customXml/item3.xml><?xml version="1.0" encoding="utf-8"?>
 <p:properties xmlns:p="http://schemas.microsoft.com/office/2006/metadata/properties" xmlns:xsi="http://www.w3.org/2001/XMLSchema-instance" xmlns:pc="http://schemas.microsoft.com/office/infopath/2007/PartnerControls">
   <documentManagement/>
@@ -21421,6 +21426,14 @@
 </file>
 
 <file path=customXml/itemProps1.xml><?xml version="1.0" encoding="utf-8"?>
+<ds:datastoreItem xmlns:ds="http://schemas.openxmlformats.org/officeDocument/2006/customXml" ds:itemID="{201C66F3-FBD8-4B0F-98D9-445FE3649D01}">
+  <ds:schemaRefs>
+    <ds:schemaRef ds:uri="http://schemas.microsoft.com/sharepoint/v3/contenttype/forms"/>
+  </ds:schemaRefs>
+</ds:datastoreItem>
+</file>
+
+<file path=customXml/itemProps2.xml><?xml version="1.0" encoding="utf-8"?>
 <ds:datastoreItem xmlns:ds="http://schemas.openxmlformats.org/officeDocument/2006/customXml" ds:itemID="{13A06AE1-2983-44CE-B136-A501093AA36B}">
   <ds:schemaRefs>
     <ds:schemaRef ds:uri="http://schemas.microsoft.com/office/2006/metadata/contentType"/>
@@ -21439,14 +21452,6 @@
 </ds:datastoreItem>
 </file>
 
-<file path=customXml/itemProps2.xml><?xml version="1.0" encoding="utf-8"?>
-<ds:datastoreItem xmlns:ds="http://schemas.openxmlformats.org/officeDocument/2006/customXml" ds:itemID="{201C66F3-FBD8-4B0F-98D9-445FE3649D01}">
-  <ds:schemaRefs>
-    <ds:schemaRef ds:uri="http://schemas.microsoft.com/sharepoint/v3/contenttype/forms"/>
-  </ds:schemaRefs>
-</ds:datastoreItem>
-</file>
-
 <file path=customXml/itemProps3.xml><?xml version="1.0" encoding="utf-8"?>
 <ds:datastoreItem xmlns:ds="http://schemas.openxmlformats.org/officeDocument/2006/customXml" ds:itemID="{724B8A99-8161-4D52-8DFD-478F5C1B3170}">
   <ds:schemaRefs>

--- a/HBM2e Simulation Using an AXI BFM.pptx
+++ b/HBM2e Simulation Using an AXI BFM.pptx
@@ -1110,7 +1110,7 @@
           <a:p>
             <a:fld id="{E10B726A-C477-6444-83BF-F1538D69AD12}" type="datetimeFigureOut">
               <a:rPr lang="en-US" smtClean="0"/>
-              <a:t>9/8/2023</a:t>
+              <a:t>1/31/2024</a:t>
             </a:fld>
             <a:endParaRPr lang="en-US" dirty="0"/>
           </a:p>
@@ -1626,7 +1626,7 @@
           </a:ln>
           <a:extLst>
             <a:ext uri="{C572A759-6A51-4108-AA02-DFA0A04FC94B}">
-              <ma14:wrappingTextBoxFlag xmlns:ma14="http://schemas.microsoft.com/office/mac/drawingml/2011/main" xmlns:a14="http://schemas.microsoft.com/office/drawing/2010/main" xmlns:m="http://schemas.openxmlformats.org/officeDocument/2006/math" xmlns="" val="1"/>
+              <ma14:wrappingTextBoxFlag xmlns="" xmlns:m="http://schemas.openxmlformats.org/officeDocument/2006/math" xmlns:a14="http://schemas.microsoft.com/office/drawing/2010/main" xmlns:ma14="http://schemas.microsoft.com/office/mac/drawingml/2011/main" val="1"/>
             </a:ext>
           </a:extLst>
         </p:spPr>
@@ -3100,7 +3100,7 @@
           </a:ln>
           <a:extLst>
             <a:ext uri="{C572A759-6A51-4108-AA02-DFA0A04FC94B}">
-              <ma14:wrappingTextBoxFlag xmlns:ma14="http://schemas.microsoft.com/office/mac/drawingml/2011/main" xmlns:a14="http://schemas.microsoft.com/office/drawing/2010/main" xmlns:m="http://schemas.openxmlformats.org/officeDocument/2006/math" xmlns="" val="1"/>
+              <ma14:wrappingTextBoxFlag xmlns="" xmlns:m="http://schemas.openxmlformats.org/officeDocument/2006/math" xmlns:a14="http://schemas.microsoft.com/office/drawing/2010/main" xmlns:ma14="http://schemas.microsoft.com/office/mac/drawingml/2011/main" val="1"/>
             </a:ext>
           </a:extLst>
         </p:spPr>
@@ -3339,7 +3339,7 @@
           </a:ln>
           <a:extLst>
             <a:ext uri="{C572A759-6A51-4108-AA02-DFA0A04FC94B}">
-              <ma14:wrappingTextBoxFlag xmlns:ma14="http://schemas.microsoft.com/office/mac/drawingml/2011/main" xmlns:a14="http://schemas.microsoft.com/office/drawing/2010/main" xmlns:m="http://schemas.openxmlformats.org/officeDocument/2006/math" xmlns="" val="1"/>
+              <ma14:wrappingTextBoxFlag xmlns="" xmlns:m="http://schemas.openxmlformats.org/officeDocument/2006/math" xmlns:a14="http://schemas.microsoft.com/office/drawing/2010/main" xmlns:ma14="http://schemas.microsoft.com/office/mac/drawingml/2011/main" val="1"/>
             </a:ext>
           </a:extLst>
         </p:spPr>
@@ -3435,7 +3435,7 @@
           </a:ln>
           <a:extLst>
             <a:ext uri="{C572A759-6A51-4108-AA02-DFA0A04FC94B}">
-              <ma14:wrappingTextBoxFlag xmlns:ma14="http://schemas.microsoft.com/office/mac/drawingml/2011/main" xmlns:a14="http://schemas.microsoft.com/office/drawing/2010/main" xmlns:m="http://schemas.openxmlformats.org/officeDocument/2006/math" xmlns="" val="1"/>
+              <ma14:wrappingTextBoxFlag xmlns="" xmlns:m="http://schemas.openxmlformats.org/officeDocument/2006/math" xmlns:a14="http://schemas.microsoft.com/office/drawing/2010/main" xmlns:ma14="http://schemas.microsoft.com/office/mac/drawingml/2011/main" val="1"/>
             </a:ext>
           </a:extLst>
         </p:spPr>
@@ -3870,7 +3870,7 @@
           </a:ln>
           <a:extLst>
             <a:ext uri="{C572A759-6A51-4108-AA02-DFA0A04FC94B}">
-              <ma14:wrappingTextBoxFlag xmlns:ma14="http://schemas.microsoft.com/office/mac/drawingml/2011/main" xmlns:a14="http://schemas.microsoft.com/office/drawing/2010/main" xmlns:m="http://schemas.openxmlformats.org/officeDocument/2006/math" xmlns="" val="1"/>
+              <ma14:wrappingTextBoxFlag xmlns="" xmlns:m="http://schemas.openxmlformats.org/officeDocument/2006/math" xmlns:a14="http://schemas.microsoft.com/office/drawing/2010/main" xmlns:ma14="http://schemas.microsoft.com/office/mac/drawingml/2011/main" val="1"/>
             </a:ext>
           </a:extLst>
         </p:spPr>
@@ -4248,7 +4248,7 @@
           </a:ln>
           <a:extLst>
             <a:ext uri="{C572A759-6A51-4108-AA02-DFA0A04FC94B}">
-              <ma14:wrappingTextBoxFlag xmlns:ma14="http://schemas.microsoft.com/office/mac/drawingml/2011/main" xmlns:a14="http://schemas.microsoft.com/office/drawing/2010/main" xmlns:m="http://schemas.openxmlformats.org/officeDocument/2006/math" xmlns="" val="1"/>
+              <ma14:wrappingTextBoxFlag xmlns="" xmlns:m="http://schemas.openxmlformats.org/officeDocument/2006/math" xmlns:a14="http://schemas.microsoft.com/office/drawing/2010/main" xmlns:ma14="http://schemas.microsoft.com/office/mac/drawingml/2011/main" val="1"/>
             </a:ext>
           </a:extLst>
         </p:spPr>
@@ -4698,7 +4698,7 @@
           </a:ln>
           <a:extLst>
             <a:ext uri="{C572A759-6A51-4108-AA02-DFA0A04FC94B}">
-              <ma14:wrappingTextBoxFlag xmlns:ma14="http://schemas.microsoft.com/office/mac/drawingml/2011/main" xmlns:a14="http://schemas.microsoft.com/office/drawing/2010/main" xmlns:m="http://schemas.openxmlformats.org/officeDocument/2006/math" xmlns="" val="1"/>
+              <ma14:wrappingTextBoxFlag xmlns="" xmlns:m="http://schemas.openxmlformats.org/officeDocument/2006/math" xmlns:a14="http://schemas.microsoft.com/office/drawing/2010/main" xmlns:ma14="http://schemas.microsoft.com/office/mac/drawingml/2011/main" val="1"/>
             </a:ext>
           </a:extLst>
         </p:spPr>
@@ -5357,7 +5357,7 @@
           </a:ln>
           <a:extLst>
             <a:ext uri="{C572A759-6A51-4108-AA02-DFA0A04FC94B}">
-              <ma14:wrappingTextBoxFlag xmlns:ma14="http://schemas.microsoft.com/office/mac/drawingml/2011/main" xmlns:a14="http://schemas.microsoft.com/office/drawing/2010/main" xmlns:m="http://schemas.openxmlformats.org/officeDocument/2006/math" xmlns="" val="1"/>
+              <ma14:wrappingTextBoxFlag xmlns="" xmlns:m="http://schemas.openxmlformats.org/officeDocument/2006/math" xmlns:a14="http://schemas.microsoft.com/office/drawing/2010/main" xmlns:ma14="http://schemas.microsoft.com/office/mac/drawingml/2011/main" val="1"/>
             </a:ext>
           </a:extLst>
         </p:spPr>
@@ -6060,7 +6060,7 @@
           </a:ln>
           <a:extLst>
             <a:ext uri="{C572A759-6A51-4108-AA02-DFA0A04FC94B}">
-              <ma14:wrappingTextBoxFlag xmlns:ma14="http://schemas.microsoft.com/office/mac/drawingml/2011/main" xmlns:a14="http://schemas.microsoft.com/office/drawing/2010/main" xmlns:m="http://schemas.openxmlformats.org/officeDocument/2006/math" xmlns="" val="1"/>
+              <ma14:wrappingTextBoxFlag xmlns="" xmlns:m="http://schemas.openxmlformats.org/officeDocument/2006/math" xmlns:a14="http://schemas.microsoft.com/office/drawing/2010/main" xmlns:ma14="http://schemas.microsoft.com/office/mac/drawingml/2011/main" val="1"/>
             </a:ext>
           </a:extLst>
         </p:spPr>
@@ -6771,7 +6771,7 @@
           </a:ln>
           <a:extLst>
             <a:ext uri="{C572A759-6A51-4108-AA02-DFA0A04FC94B}">
-              <ma14:wrappingTextBoxFlag xmlns:ma14="http://schemas.microsoft.com/office/mac/drawingml/2011/main" xmlns:a14="http://schemas.microsoft.com/office/drawing/2010/main" xmlns:m="http://schemas.openxmlformats.org/officeDocument/2006/math" xmlns="" val="1"/>
+              <ma14:wrappingTextBoxFlag xmlns="" xmlns:m="http://schemas.openxmlformats.org/officeDocument/2006/math" xmlns:a14="http://schemas.microsoft.com/office/drawing/2010/main" xmlns:ma14="http://schemas.microsoft.com/office/mac/drawingml/2011/main" val="1"/>
             </a:ext>
           </a:extLst>
         </p:spPr>
@@ -7549,7 +7549,7 @@
           </a:ln>
           <a:extLst>
             <a:ext uri="{C572A759-6A51-4108-AA02-DFA0A04FC94B}">
-              <ma14:wrappingTextBoxFlag xmlns:ma14="http://schemas.microsoft.com/office/mac/drawingml/2011/main" xmlns:a14="http://schemas.microsoft.com/office/drawing/2010/main" xmlns:m="http://schemas.openxmlformats.org/officeDocument/2006/math" xmlns="" val="1"/>
+              <ma14:wrappingTextBoxFlag xmlns="" xmlns:m="http://schemas.openxmlformats.org/officeDocument/2006/math" xmlns:a14="http://schemas.microsoft.com/office/drawing/2010/main" xmlns:ma14="http://schemas.microsoft.com/office/mac/drawingml/2011/main" val="1"/>
             </a:ext>
           </a:extLst>
         </p:spPr>
@@ -7796,7 +7796,7 @@
           </a:ln>
           <a:extLst>
             <a:ext uri="{C572A759-6A51-4108-AA02-DFA0A04FC94B}">
-              <ma14:wrappingTextBoxFlag xmlns:ma14="http://schemas.microsoft.com/office/mac/drawingml/2011/main" xmlns:a14="http://schemas.microsoft.com/office/drawing/2010/main" xmlns:m="http://schemas.openxmlformats.org/officeDocument/2006/math" xmlns="" val="1"/>
+              <ma14:wrappingTextBoxFlag xmlns="" xmlns:m="http://schemas.openxmlformats.org/officeDocument/2006/math" xmlns:a14="http://schemas.microsoft.com/office/drawing/2010/main" xmlns:ma14="http://schemas.microsoft.com/office/mac/drawingml/2011/main" val="1"/>
             </a:ext>
           </a:extLst>
         </p:spPr>
@@ -9607,7 +9607,7 @@
           </a:ln>
           <a:extLst>
             <a:ext uri="{C572A759-6A51-4108-AA02-DFA0A04FC94B}">
-              <ma14:wrappingTextBoxFlag xmlns:ma14="http://schemas.microsoft.com/office/mac/drawingml/2011/main" xmlns:a14="http://schemas.microsoft.com/office/drawing/2010/main" xmlns:m="http://schemas.openxmlformats.org/officeDocument/2006/math" xmlns="" val="1"/>
+              <ma14:wrappingTextBoxFlag xmlns="" xmlns:m="http://schemas.openxmlformats.org/officeDocument/2006/math" xmlns:a14="http://schemas.microsoft.com/office/drawing/2010/main" xmlns:ma14="http://schemas.microsoft.com/office/mac/drawingml/2011/main" val="1"/>
             </a:ext>
           </a:extLst>
         </p:spPr>
@@ -9971,7 +9971,7 @@
           </a:ln>
           <a:extLst>
             <a:ext uri="{C572A759-6A51-4108-AA02-DFA0A04FC94B}">
-              <ma14:wrappingTextBoxFlag xmlns:ma14="http://schemas.microsoft.com/office/mac/drawingml/2011/main" xmlns:a14="http://schemas.microsoft.com/office/drawing/2010/main" xmlns:m="http://schemas.openxmlformats.org/officeDocument/2006/math" xmlns="" val="1"/>
+              <ma14:wrappingTextBoxFlag xmlns="" xmlns:m="http://schemas.openxmlformats.org/officeDocument/2006/math" xmlns:a14="http://schemas.microsoft.com/office/drawing/2010/main" xmlns:ma14="http://schemas.microsoft.com/office/mac/drawingml/2011/main" val="1"/>
             </a:ext>
           </a:extLst>
         </p:spPr>
@@ -10658,7 +10658,7 @@
           </a:ln>
           <a:extLst>
             <a:ext uri="{C572A759-6A51-4108-AA02-DFA0A04FC94B}">
-              <ma14:wrappingTextBoxFlag xmlns:ma14="http://schemas.microsoft.com/office/mac/drawingml/2011/main" xmlns:a14="http://schemas.microsoft.com/office/drawing/2010/main" xmlns:m="http://schemas.openxmlformats.org/officeDocument/2006/math" xmlns="" val="1"/>
+              <ma14:wrappingTextBoxFlag xmlns="" xmlns:m="http://schemas.openxmlformats.org/officeDocument/2006/math" xmlns:a14="http://schemas.microsoft.com/office/drawing/2010/main" xmlns:ma14="http://schemas.microsoft.com/office/mac/drawingml/2011/main" val="1"/>
             </a:ext>
           </a:extLst>
         </p:spPr>
@@ -11815,7 +11815,7 @@
           </a:ln>
           <a:extLst>
             <a:ext uri="{C572A759-6A51-4108-AA02-DFA0A04FC94B}">
-              <ma14:wrappingTextBoxFlag xmlns:ma14="http://schemas.microsoft.com/office/mac/drawingml/2011/main" xmlns:a14="http://schemas.microsoft.com/office/drawing/2010/main" xmlns:m="http://schemas.openxmlformats.org/officeDocument/2006/math" xmlns="" val="1"/>
+              <ma14:wrappingTextBoxFlag xmlns="" xmlns:m="http://schemas.openxmlformats.org/officeDocument/2006/math" xmlns:a14="http://schemas.microsoft.com/office/drawing/2010/main" xmlns:ma14="http://schemas.microsoft.com/office/mac/drawingml/2011/main" val="1"/>
             </a:ext>
           </a:extLst>
         </p:spPr>
@@ -12277,7 +12277,7 @@
           </a:ln>
           <a:extLst>
             <a:ext uri="{C572A759-6A51-4108-AA02-DFA0A04FC94B}">
-              <ma14:wrappingTextBoxFlag xmlns:ma14="http://schemas.microsoft.com/office/mac/drawingml/2011/main" xmlns:a14="http://schemas.microsoft.com/office/drawing/2010/main" xmlns:m="http://schemas.openxmlformats.org/officeDocument/2006/math" xmlns="" val="1"/>
+              <ma14:wrappingTextBoxFlag xmlns="" xmlns:m="http://schemas.openxmlformats.org/officeDocument/2006/math" xmlns:a14="http://schemas.microsoft.com/office/drawing/2010/main" xmlns:ma14="http://schemas.microsoft.com/office/mac/drawingml/2011/main" val="1"/>
             </a:ext>
           </a:extLst>
         </p:spPr>
@@ -12781,7 +12781,7 @@
           </a:ln>
           <a:extLst>
             <a:ext uri="{C572A759-6A51-4108-AA02-DFA0A04FC94B}">
-              <ma14:wrappingTextBoxFlag xmlns="" xmlns:m="http://schemas.openxmlformats.org/officeDocument/2006/math" xmlns:a14="http://schemas.microsoft.com/office/drawing/2010/main" xmlns:ma14="http://schemas.microsoft.com/office/mac/drawingml/2011/main" val="1"/>
+              <ma14:wrappingTextBoxFlag xmlns:ma14="http://schemas.microsoft.com/office/mac/drawingml/2011/main" xmlns:a14="http://schemas.microsoft.com/office/drawing/2010/main" xmlns:m="http://schemas.openxmlformats.org/officeDocument/2006/math" xmlns="" val="1"/>
             </a:ext>
           </a:extLst>
         </p:spPr>
@@ -13172,7 +13172,7 @@
           </a:ln>
           <a:extLst>
             <a:ext uri="{C572A759-6A51-4108-AA02-DFA0A04FC94B}">
-              <ma14:wrappingTextBoxFlag xmlns:ma14="http://schemas.microsoft.com/office/mac/drawingml/2011/main" xmlns:a14="http://schemas.microsoft.com/office/drawing/2010/main" xmlns:m="http://schemas.openxmlformats.org/officeDocument/2006/math" xmlns="" val="1"/>
+              <ma14:wrappingTextBoxFlag xmlns="" xmlns:m="http://schemas.openxmlformats.org/officeDocument/2006/math" xmlns:a14="http://schemas.microsoft.com/office/drawing/2010/main" xmlns:ma14="http://schemas.microsoft.com/office/mac/drawingml/2011/main" val="1"/>
             </a:ext>
           </a:extLst>
         </p:spPr>
@@ -13268,7 +13268,7 @@
           </a:ln>
           <a:extLst>
             <a:ext uri="{C572A759-6A51-4108-AA02-DFA0A04FC94B}">
-              <ma14:wrappingTextBoxFlag xmlns:ma14="http://schemas.microsoft.com/office/mac/drawingml/2011/main" xmlns:a14="http://schemas.microsoft.com/office/drawing/2010/main" xmlns:m="http://schemas.openxmlformats.org/officeDocument/2006/math" xmlns="" val="1"/>
+              <ma14:wrappingTextBoxFlag xmlns="" xmlns:m="http://schemas.openxmlformats.org/officeDocument/2006/math" xmlns:a14="http://schemas.microsoft.com/office/drawing/2010/main" xmlns:ma14="http://schemas.microsoft.com/office/mac/drawingml/2011/main" val="1"/>
             </a:ext>
           </a:extLst>
         </p:spPr>
@@ -13426,7 +13426,7 @@
           </a:ln>
           <a:extLst>
             <a:ext uri="{C572A759-6A51-4108-AA02-DFA0A04FC94B}">
-              <ma14:wrappingTextBoxFlag xmlns:ma14="http://schemas.microsoft.com/office/mac/drawingml/2011/main" xmlns:a14="http://schemas.microsoft.com/office/drawing/2010/main" xmlns:m="http://schemas.openxmlformats.org/officeDocument/2006/math" xmlns="" val="1"/>
+              <ma14:wrappingTextBoxFlag xmlns="" xmlns:m="http://schemas.openxmlformats.org/officeDocument/2006/math" xmlns:a14="http://schemas.microsoft.com/office/drawing/2010/main" xmlns:ma14="http://schemas.microsoft.com/office/mac/drawingml/2011/main" val="1"/>
             </a:ext>
           </a:extLst>
         </p:spPr>
@@ -13634,7 +13634,7 @@
           </a:ln>
           <a:extLst>
             <a:ext uri="{C572A759-6A51-4108-AA02-DFA0A04FC94B}">
-              <ma14:wrappingTextBoxFlag xmlns:ma14="http://schemas.microsoft.com/office/mac/drawingml/2011/main" xmlns:a14="http://schemas.microsoft.com/office/drawing/2010/main" xmlns:m="http://schemas.openxmlformats.org/officeDocument/2006/math" xmlns="" val="1"/>
+              <ma14:wrappingTextBoxFlag xmlns="" xmlns:m="http://schemas.openxmlformats.org/officeDocument/2006/math" xmlns:a14="http://schemas.microsoft.com/office/drawing/2010/main" xmlns:ma14="http://schemas.microsoft.com/office/mac/drawingml/2011/main" val="1"/>
             </a:ext>
           </a:extLst>
         </p:spPr>
@@ -13904,7 +13904,7 @@
           </a:ln>
           <a:extLst>
             <a:ext uri="{C572A759-6A51-4108-AA02-DFA0A04FC94B}">
-              <ma14:wrappingTextBoxFlag xmlns:ma14="http://schemas.microsoft.com/office/mac/drawingml/2011/main" xmlns:a14="http://schemas.microsoft.com/office/drawing/2010/main" xmlns:m="http://schemas.openxmlformats.org/officeDocument/2006/math" xmlns="" val="1"/>
+              <ma14:wrappingTextBoxFlag xmlns="" xmlns:m="http://schemas.openxmlformats.org/officeDocument/2006/math" xmlns:a14="http://schemas.microsoft.com/office/drawing/2010/main" xmlns:ma14="http://schemas.microsoft.com/office/mac/drawingml/2011/main" val="1"/>
             </a:ext>
           </a:extLst>
         </p:spPr>
@@ -14124,7 +14124,7 @@
           </a:ln>
           <a:extLst>
             <a:ext uri="{C572A759-6A51-4108-AA02-DFA0A04FC94B}">
-              <ma14:wrappingTextBoxFlag xmlns:ma14="http://schemas.microsoft.com/office/mac/drawingml/2011/main" xmlns:a14="http://schemas.microsoft.com/office/drawing/2010/main" xmlns:m="http://schemas.openxmlformats.org/officeDocument/2006/math" xmlns="" val="1"/>
+              <ma14:wrappingTextBoxFlag xmlns="" xmlns:m="http://schemas.openxmlformats.org/officeDocument/2006/math" xmlns:a14="http://schemas.microsoft.com/office/drawing/2010/main" xmlns:ma14="http://schemas.microsoft.com/office/mac/drawingml/2011/main" val="1"/>
             </a:ext>
           </a:extLst>
         </p:spPr>
@@ -14178,7 +14178,7 @@
           </a:ln>
           <a:extLst>
             <a:ext uri="{C572A759-6A51-4108-AA02-DFA0A04FC94B}">
-              <ma14:wrappingTextBoxFlag xmlns:ma14="http://schemas.microsoft.com/office/mac/drawingml/2011/main" xmlns:a14="http://schemas.microsoft.com/office/drawing/2010/main" xmlns:m="http://schemas.openxmlformats.org/officeDocument/2006/math" xmlns="" val="1"/>
+              <ma14:wrappingTextBoxFlag xmlns="" xmlns:m="http://schemas.openxmlformats.org/officeDocument/2006/math" xmlns:a14="http://schemas.microsoft.com/office/drawing/2010/main" xmlns:ma14="http://schemas.microsoft.com/office/mac/drawingml/2011/main" val="1"/>
             </a:ext>
           </a:extLst>
         </p:spPr>
@@ -14246,7 +14246,7 @@
           </a:ln>
           <a:extLst>
             <a:ext uri="{C572A759-6A51-4108-AA02-DFA0A04FC94B}">
-              <ma14:wrappingTextBoxFlag xmlns:ma14="http://schemas.microsoft.com/office/mac/drawingml/2011/main" xmlns:a14="http://schemas.microsoft.com/office/drawing/2010/main" xmlns:m="http://schemas.openxmlformats.org/officeDocument/2006/math" xmlns="" val="1"/>
+              <ma14:wrappingTextBoxFlag xmlns="" xmlns:m="http://schemas.openxmlformats.org/officeDocument/2006/math" xmlns:a14="http://schemas.microsoft.com/office/drawing/2010/main" xmlns:ma14="http://schemas.microsoft.com/office/mac/drawingml/2011/main" val="1"/>
             </a:ext>
           </a:extLst>
         </p:spPr>
@@ -14696,7 +14696,7 @@
           </a:ln>
           <a:extLst>
             <a:ext uri="{C572A759-6A51-4108-AA02-DFA0A04FC94B}">
-              <ma14:wrappingTextBoxFlag xmlns:ma14="http://schemas.microsoft.com/office/mac/drawingml/2011/main" xmlns:a14="http://schemas.microsoft.com/office/drawing/2010/main" xmlns:m="http://schemas.openxmlformats.org/officeDocument/2006/math" xmlns="" val="1"/>
+              <ma14:wrappingTextBoxFlag xmlns="" xmlns:m="http://schemas.openxmlformats.org/officeDocument/2006/math" xmlns:a14="http://schemas.microsoft.com/office/drawing/2010/main" xmlns:ma14="http://schemas.microsoft.com/office/mac/drawingml/2011/main" val="1"/>
             </a:ext>
           </a:extLst>
         </p:spPr>
@@ -14772,7 +14772,7 @@
           </a:ln>
           <a:extLst>
             <a:ext uri="{C572A759-6A51-4108-AA02-DFA0A04FC94B}">
-              <ma14:wrappingTextBoxFlag xmlns:ma14="http://schemas.microsoft.com/office/mac/drawingml/2011/main" xmlns:a14="http://schemas.microsoft.com/office/drawing/2010/main" xmlns:m="http://schemas.openxmlformats.org/officeDocument/2006/math" xmlns="" val="1"/>
+              <ma14:wrappingTextBoxFlag xmlns="" xmlns:m="http://schemas.openxmlformats.org/officeDocument/2006/math" xmlns:a14="http://schemas.microsoft.com/office/drawing/2010/main" xmlns:ma14="http://schemas.microsoft.com/office/mac/drawingml/2011/main" val="1"/>
             </a:ext>
           </a:extLst>
         </p:spPr>
@@ -19190,13 +19190,26 @@
           <a:p>
             <a:r>
               <a:rPr lang="en-US" dirty="0"/>
-              <a:t>arc shell acds/22.4</a:t>
-            </a:r>
+              <a:t>arc shell acds</a:t>
+            </a:r>
+            <a:r>
+              <a:rPr lang="en-US"/>
+              <a:t>/23.4</a:t>
+            </a:r>
+            <a:endParaRPr lang="en-US" dirty="0"/>
           </a:p>
           <a:p>
             <a:r>
               <a:rPr lang="en-US" dirty="0"/>
-              <a:t>arc shell questasim/2022.4,modelsim_se-lic/hdl</a:t>
+              <a:t>arc shell questasim</a:t>
+            </a:r>
+            <a:r>
+              <a:rPr lang="en-US"/>
+              <a:t>/2023.1,</a:t>
+            </a:r>
+            <a:r>
+              <a:rPr lang="en-US" dirty="0"/>
+              <a:t>modelsim_se-lic/hdl</a:t>
             </a:r>
           </a:p>
           <a:p>
@@ -21214,15 +21227,6 @@
 </file>
 
 <file path=customXml/item1.xml><?xml version="1.0" encoding="utf-8"?>
-<?mso-contentType ?>
-<FormTemplates xmlns="http://schemas.microsoft.com/sharepoint/v3/contenttype/forms">
-  <Display>DocumentLibraryForm</Display>
-  <Edit>DocumentLibraryForm</Edit>
-  <New>DocumentLibraryForm</New>
-</FormTemplates>
-</file>
-
-<file path=customXml/item2.xml><?xml version="1.0" encoding="utf-8"?>
 <ct:contentTypeSchema xmlns:ct="http://schemas.microsoft.com/office/2006/metadata/contentType" xmlns:ma="http://schemas.microsoft.com/office/2006/metadata/properties/metaAttributes" ct:_="" ma:_="" ma:contentTypeName="Document" ma:contentTypeID="0x010100D154056AC1913548A181145D96A05235" ma:contentTypeVersion="9" ma:contentTypeDescription="Create a new document." ma:contentTypeScope="" ma:versionID="6ace0ec2b5e64356200d33536677a8bd">
   <xsd:schema xmlns:xsd="http://www.w3.org/2001/XMLSchema" xmlns:xs="http://www.w3.org/2001/XMLSchema" xmlns:p="http://schemas.microsoft.com/office/2006/metadata/properties" xmlns:ns2="53a85f9c-6358-4b92-b824-b024aa1d835a" xmlns:ns3="ec8a38d1-aac5-4105-a264-6b973117bc9e" targetNamespace="http://schemas.microsoft.com/office/2006/metadata/properties" ma:root="true" ma:fieldsID="85415ff27e9347e2553f12a1d2b16bc2" ns2:_="" ns3:_="">
     <xsd:import namespace="53a85f9c-6358-4b92-b824-b024aa1d835a"/>
@@ -21419,6 +21423,15 @@
 </ct:contentTypeSchema>
 </file>
 
+<file path=customXml/item2.xml><?xml version="1.0" encoding="utf-8"?>
+<?mso-contentType ?>
+<FormTemplates xmlns="http://schemas.microsoft.com/sharepoint/v3/contenttype/forms">
+  <Display>DocumentLibraryForm</Display>
+  <Edit>DocumentLibraryForm</Edit>
+  <New>DocumentLibraryForm</New>
+</FormTemplates>
+</file>
+
 <file path=customXml/item3.xml><?xml version="1.0" encoding="utf-8"?>
 <p:properties xmlns:p="http://schemas.microsoft.com/office/2006/metadata/properties" xmlns:xsi="http://www.w3.org/2001/XMLSchema-instance" xmlns:pc="http://schemas.microsoft.com/office/infopath/2007/PartnerControls">
   <documentManagement/>
@@ -21426,14 +21439,6 @@
 </file>
 
 <file path=customXml/itemProps1.xml><?xml version="1.0" encoding="utf-8"?>
-<ds:datastoreItem xmlns:ds="http://schemas.openxmlformats.org/officeDocument/2006/customXml" ds:itemID="{201C66F3-FBD8-4B0F-98D9-445FE3649D01}">
-  <ds:schemaRefs>
-    <ds:schemaRef ds:uri="http://schemas.microsoft.com/sharepoint/v3/contenttype/forms"/>
-  </ds:schemaRefs>
-</ds:datastoreItem>
-</file>
-
-<file path=customXml/itemProps2.xml><?xml version="1.0" encoding="utf-8"?>
 <ds:datastoreItem xmlns:ds="http://schemas.openxmlformats.org/officeDocument/2006/customXml" ds:itemID="{13A06AE1-2983-44CE-B136-A501093AA36B}">
   <ds:schemaRefs>
     <ds:schemaRef ds:uri="http://schemas.microsoft.com/office/2006/metadata/contentType"/>
@@ -21452,6 +21457,14 @@
 </ds:datastoreItem>
 </file>
 
+<file path=customXml/itemProps2.xml><?xml version="1.0" encoding="utf-8"?>
+<ds:datastoreItem xmlns:ds="http://schemas.openxmlformats.org/officeDocument/2006/customXml" ds:itemID="{201C66F3-FBD8-4B0F-98D9-445FE3649D01}">
+  <ds:schemaRefs>
+    <ds:schemaRef ds:uri="http://schemas.microsoft.com/sharepoint/v3/contenttype/forms"/>
+  </ds:schemaRefs>
+</ds:datastoreItem>
+</file>
+
 <file path=customXml/itemProps3.xml><?xml version="1.0" encoding="utf-8"?>
 <ds:datastoreItem xmlns:ds="http://schemas.openxmlformats.org/officeDocument/2006/customXml" ds:itemID="{724B8A99-8161-4D52-8DFD-478F5C1B3170}">
   <ds:schemaRefs>

--- a/HBM2e Simulation Using an AXI BFM.pptx
+++ b/HBM2e Simulation Using an AXI BFM.pptx
@@ -1110,7 +1110,7 @@
           <a:p>
             <a:fld id="{E10B726A-C477-6444-83BF-F1538D69AD12}" type="datetimeFigureOut">
               <a:rPr lang="en-US" smtClean="0"/>
-              <a:t>1/31/2024</a:t>
+              <a:t>4/29/2024</a:t>
             </a:fld>
             <a:endParaRPr lang="en-US" dirty="0"/>
           </a:p>
@@ -1626,7 +1626,7 @@
           </a:ln>
           <a:extLst>
             <a:ext uri="{C572A759-6A51-4108-AA02-DFA0A04FC94B}">
-              <ma14:wrappingTextBoxFlag xmlns="" xmlns:m="http://schemas.openxmlformats.org/officeDocument/2006/math" xmlns:a14="http://schemas.microsoft.com/office/drawing/2010/main" xmlns:ma14="http://schemas.microsoft.com/office/mac/drawingml/2011/main" val="1"/>
+              <ma14:wrappingTextBoxFlag xmlns:ma14="http://schemas.microsoft.com/office/mac/drawingml/2011/main" xmlns:a14="http://schemas.microsoft.com/office/drawing/2010/main" xmlns:m="http://schemas.openxmlformats.org/officeDocument/2006/math" xmlns="" val="1"/>
             </a:ext>
           </a:extLst>
         </p:spPr>
@@ -3100,7 +3100,7 @@
           </a:ln>
           <a:extLst>
             <a:ext uri="{C572A759-6A51-4108-AA02-DFA0A04FC94B}">
-              <ma14:wrappingTextBoxFlag xmlns="" xmlns:m="http://schemas.openxmlformats.org/officeDocument/2006/math" xmlns:a14="http://schemas.microsoft.com/office/drawing/2010/main" xmlns:ma14="http://schemas.microsoft.com/office/mac/drawingml/2011/main" val="1"/>
+              <ma14:wrappingTextBoxFlag xmlns:ma14="http://schemas.microsoft.com/office/mac/drawingml/2011/main" xmlns:a14="http://schemas.microsoft.com/office/drawing/2010/main" xmlns:m="http://schemas.openxmlformats.org/officeDocument/2006/math" xmlns="" val="1"/>
             </a:ext>
           </a:extLst>
         </p:spPr>
@@ -3339,7 +3339,7 @@
           </a:ln>
           <a:extLst>
             <a:ext uri="{C572A759-6A51-4108-AA02-DFA0A04FC94B}">
-              <ma14:wrappingTextBoxFlag xmlns="" xmlns:m="http://schemas.openxmlformats.org/officeDocument/2006/math" xmlns:a14="http://schemas.microsoft.com/office/drawing/2010/main" xmlns:ma14="http://schemas.microsoft.com/office/mac/drawingml/2011/main" val="1"/>
+              <ma14:wrappingTextBoxFlag xmlns:ma14="http://schemas.microsoft.com/office/mac/drawingml/2011/main" xmlns:a14="http://schemas.microsoft.com/office/drawing/2010/main" xmlns:m="http://schemas.openxmlformats.org/officeDocument/2006/math" xmlns="" val="1"/>
             </a:ext>
           </a:extLst>
         </p:spPr>
@@ -3435,7 +3435,7 @@
           </a:ln>
           <a:extLst>
             <a:ext uri="{C572A759-6A51-4108-AA02-DFA0A04FC94B}">
-              <ma14:wrappingTextBoxFlag xmlns="" xmlns:m="http://schemas.openxmlformats.org/officeDocument/2006/math" xmlns:a14="http://schemas.microsoft.com/office/drawing/2010/main" xmlns:ma14="http://schemas.microsoft.com/office/mac/drawingml/2011/main" val="1"/>
+              <ma14:wrappingTextBoxFlag xmlns:ma14="http://schemas.microsoft.com/office/mac/drawingml/2011/main" xmlns:a14="http://schemas.microsoft.com/office/drawing/2010/main" xmlns:m="http://schemas.openxmlformats.org/officeDocument/2006/math" xmlns="" val="1"/>
             </a:ext>
           </a:extLst>
         </p:spPr>
@@ -3870,7 +3870,7 @@
           </a:ln>
           <a:extLst>
             <a:ext uri="{C572A759-6A51-4108-AA02-DFA0A04FC94B}">
-              <ma14:wrappingTextBoxFlag xmlns="" xmlns:m="http://schemas.openxmlformats.org/officeDocument/2006/math" xmlns:a14="http://schemas.microsoft.com/office/drawing/2010/main" xmlns:ma14="http://schemas.microsoft.com/office/mac/drawingml/2011/main" val="1"/>
+              <ma14:wrappingTextBoxFlag xmlns:ma14="http://schemas.microsoft.com/office/mac/drawingml/2011/main" xmlns:a14="http://schemas.microsoft.com/office/drawing/2010/main" xmlns:m="http://schemas.openxmlformats.org/officeDocument/2006/math" xmlns="" val="1"/>
             </a:ext>
           </a:extLst>
         </p:spPr>
@@ -4248,7 +4248,7 @@
           </a:ln>
           <a:extLst>
             <a:ext uri="{C572A759-6A51-4108-AA02-DFA0A04FC94B}">
-              <ma14:wrappingTextBoxFlag xmlns="" xmlns:m="http://schemas.openxmlformats.org/officeDocument/2006/math" xmlns:a14="http://schemas.microsoft.com/office/drawing/2010/main" xmlns:ma14="http://schemas.microsoft.com/office/mac/drawingml/2011/main" val="1"/>
+              <ma14:wrappingTextBoxFlag xmlns:ma14="http://schemas.microsoft.com/office/mac/drawingml/2011/main" xmlns:a14="http://schemas.microsoft.com/office/drawing/2010/main" xmlns:m="http://schemas.openxmlformats.org/officeDocument/2006/math" xmlns="" val="1"/>
             </a:ext>
           </a:extLst>
         </p:spPr>
@@ -4698,7 +4698,7 @@
           </a:ln>
           <a:extLst>
             <a:ext uri="{C572A759-6A51-4108-AA02-DFA0A04FC94B}">
-              <ma14:wrappingTextBoxFlag xmlns="" xmlns:m="http://schemas.openxmlformats.org/officeDocument/2006/math" xmlns:a14="http://schemas.microsoft.com/office/drawing/2010/main" xmlns:ma14="http://schemas.microsoft.com/office/mac/drawingml/2011/main" val="1"/>
+              <ma14:wrappingTextBoxFlag xmlns:ma14="http://schemas.microsoft.com/office/mac/drawingml/2011/main" xmlns:a14="http://schemas.microsoft.com/office/drawing/2010/main" xmlns:m="http://schemas.openxmlformats.org/officeDocument/2006/math" xmlns="" val="1"/>
             </a:ext>
           </a:extLst>
         </p:spPr>
@@ -5357,7 +5357,7 @@
           </a:ln>
           <a:extLst>
             <a:ext uri="{C572A759-6A51-4108-AA02-DFA0A04FC94B}">
-              <ma14:wrappingTextBoxFlag xmlns="" xmlns:m="http://schemas.openxmlformats.org/officeDocument/2006/math" xmlns:a14="http://schemas.microsoft.com/office/drawing/2010/main" xmlns:ma14="http://schemas.microsoft.com/office/mac/drawingml/2011/main" val="1"/>
+              <ma14:wrappingTextBoxFlag xmlns:ma14="http://schemas.microsoft.com/office/mac/drawingml/2011/main" xmlns:a14="http://schemas.microsoft.com/office/drawing/2010/main" xmlns:m="http://schemas.openxmlformats.org/officeDocument/2006/math" xmlns="" val="1"/>
             </a:ext>
           </a:extLst>
         </p:spPr>
@@ -6060,7 +6060,7 @@
           </a:ln>
           <a:extLst>
             <a:ext uri="{C572A759-6A51-4108-AA02-DFA0A04FC94B}">
-              <ma14:wrappingTextBoxFlag xmlns="" xmlns:m="http://schemas.openxmlformats.org/officeDocument/2006/math" xmlns:a14="http://schemas.microsoft.com/office/drawing/2010/main" xmlns:ma14="http://schemas.microsoft.com/office/mac/drawingml/2011/main" val="1"/>
+              <ma14:wrappingTextBoxFlag xmlns:ma14="http://schemas.microsoft.com/office/mac/drawingml/2011/main" xmlns:a14="http://schemas.microsoft.com/office/drawing/2010/main" xmlns:m="http://schemas.openxmlformats.org/officeDocument/2006/math" xmlns="" val="1"/>
             </a:ext>
           </a:extLst>
         </p:spPr>
@@ -6771,7 +6771,7 @@
           </a:ln>
           <a:extLst>
             <a:ext uri="{C572A759-6A51-4108-AA02-DFA0A04FC94B}">
-              <ma14:wrappingTextBoxFlag xmlns="" xmlns:m="http://schemas.openxmlformats.org/officeDocument/2006/math" xmlns:a14="http://schemas.microsoft.com/office/drawing/2010/main" xmlns:ma14="http://schemas.microsoft.com/office/mac/drawingml/2011/main" val="1"/>
+              <ma14:wrappingTextBoxFlag xmlns:ma14="http://schemas.microsoft.com/office/mac/drawingml/2011/main" xmlns:a14="http://schemas.microsoft.com/office/drawing/2010/main" xmlns:m="http://schemas.openxmlformats.org/officeDocument/2006/math" xmlns="" val="1"/>
             </a:ext>
           </a:extLst>
         </p:spPr>
@@ -7549,7 +7549,7 @@
           </a:ln>
           <a:extLst>
             <a:ext uri="{C572A759-6A51-4108-AA02-DFA0A04FC94B}">
-              <ma14:wrappingTextBoxFlag xmlns="" xmlns:m="http://schemas.openxmlformats.org/officeDocument/2006/math" xmlns:a14="http://schemas.microsoft.com/office/drawing/2010/main" xmlns:ma14="http://schemas.microsoft.com/office/mac/drawingml/2011/main" val="1"/>
+              <ma14:wrappingTextBoxFlag xmlns:ma14="http://schemas.microsoft.com/office/mac/drawingml/2011/main" xmlns:a14="http://schemas.microsoft.com/office/drawing/2010/main" xmlns:m="http://schemas.openxmlformats.org/officeDocument/2006/math" xmlns="" val="1"/>
             </a:ext>
           </a:extLst>
         </p:spPr>
@@ -7796,7 +7796,7 @@
           </a:ln>
           <a:extLst>
             <a:ext uri="{C572A759-6A51-4108-AA02-DFA0A04FC94B}">
-              <ma14:wrappingTextBoxFlag xmlns="" xmlns:m="http://schemas.openxmlformats.org/officeDocument/2006/math" xmlns:a14="http://schemas.microsoft.com/office/drawing/2010/main" xmlns:ma14="http://schemas.microsoft.com/office/mac/drawingml/2011/main" val="1"/>
+              <ma14:wrappingTextBoxFlag xmlns:ma14="http://schemas.microsoft.com/office/mac/drawingml/2011/main" xmlns:a14="http://schemas.microsoft.com/office/drawing/2010/main" xmlns:m="http://schemas.openxmlformats.org/officeDocument/2006/math" xmlns="" val="1"/>
             </a:ext>
           </a:extLst>
         </p:spPr>
@@ -9607,7 +9607,7 @@
           </a:ln>
           <a:extLst>
             <a:ext uri="{C572A759-6A51-4108-AA02-DFA0A04FC94B}">
-              <ma14:wrappingTextBoxFlag xmlns="" xmlns:m="http://schemas.openxmlformats.org/officeDocument/2006/math" xmlns:a14="http://schemas.microsoft.com/office/drawing/2010/main" xmlns:ma14="http://schemas.microsoft.com/office/mac/drawingml/2011/main" val="1"/>
+              <ma14:wrappingTextBoxFlag xmlns:ma14="http://schemas.microsoft.com/office/mac/drawingml/2011/main" xmlns:a14="http://schemas.microsoft.com/office/drawing/2010/main" xmlns:m="http://schemas.openxmlformats.org/officeDocument/2006/math" xmlns="" val="1"/>
             </a:ext>
           </a:extLst>
         </p:spPr>
@@ -9971,7 +9971,7 @@
           </a:ln>
           <a:extLst>
             <a:ext uri="{C572A759-6A51-4108-AA02-DFA0A04FC94B}">
-              <ma14:wrappingTextBoxFlag xmlns="" xmlns:m="http://schemas.openxmlformats.org/officeDocument/2006/math" xmlns:a14="http://schemas.microsoft.com/office/drawing/2010/main" xmlns:ma14="http://schemas.microsoft.com/office/mac/drawingml/2011/main" val="1"/>
+              <ma14:wrappingTextBoxFlag xmlns:ma14="http://schemas.microsoft.com/office/mac/drawingml/2011/main" xmlns:a14="http://schemas.microsoft.com/office/drawing/2010/main" xmlns:m="http://schemas.openxmlformats.org/officeDocument/2006/math" xmlns="" val="1"/>
             </a:ext>
           </a:extLst>
         </p:spPr>
@@ -10658,7 +10658,7 @@
           </a:ln>
           <a:extLst>
             <a:ext uri="{C572A759-6A51-4108-AA02-DFA0A04FC94B}">
-              <ma14:wrappingTextBoxFlag xmlns="" xmlns:m="http://schemas.openxmlformats.org/officeDocument/2006/math" xmlns:a14="http://schemas.microsoft.com/office/drawing/2010/main" xmlns:ma14="http://schemas.microsoft.com/office/mac/drawingml/2011/main" val="1"/>
+              <ma14:wrappingTextBoxFlag xmlns:ma14="http://schemas.microsoft.com/office/mac/drawingml/2011/main" xmlns:a14="http://schemas.microsoft.com/office/drawing/2010/main" xmlns:m="http://schemas.openxmlformats.org/officeDocument/2006/math" xmlns="" val="1"/>
             </a:ext>
           </a:extLst>
         </p:spPr>
@@ -11815,7 +11815,7 @@
           </a:ln>
           <a:extLst>
             <a:ext uri="{C572A759-6A51-4108-AA02-DFA0A04FC94B}">
-              <ma14:wrappingTextBoxFlag xmlns="" xmlns:m="http://schemas.openxmlformats.org/officeDocument/2006/math" xmlns:a14="http://schemas.microsoft.com/office/drawing/2010/main" xmlns:ma14="http://schemas.microsoft.com/office/mac/drawingml/2011/main" val="1"/>
+              <ma14:wrappingTextBoxFlag xmlns:ma14="http://schemas.microsoft.com/office/mac/drawingml/2011/main" xmlns:a14="http://schemas.microsoft.com/office/drawing/2010/main" xmlns:m="http://schemas.openxmlformats.org/officeDocument/2006/math" xmlns="" val="1"/>
             </a:ext>
           </a:extLst>
         </p:spPr>
@@ -12277,7 +12277,7 @@
           </a:ln>
           <a:extLst>
             <a:ext uri="{C572A759-6A51-4108-AA02-DFA0A04FC94B}">
-              <ma14:wrappingTextBoxFlag xmlns="" xmlns:m="http://schemas.openxmlformats.org/officeDocument/2006/math" xmlns:a14="http://schemas.microsoft.com/office/drawing/2010/main" xmlns:ma14="http://schemas.microsoft.com/office/mac/drawingml/2011/main" val="1"/>
+              <ma14:wrappingTextBoxFlag xmlns:ma14="http://schemas.microsoft.com/office/mac/drawingml/2011/main" xmlns:a14="http://schemas.microsoft.com/office/drawing/2010/main" xmlns:m="http://schemas.openxmlformats.org/officeDocument/2006/math" xmlns="" val="1"/>
             </a:ext>
           </a:extLst>
         </p:spPr>
@@ -12781,7 +12781,7 @@
           </a:ln>
           <a:extLst>
             <a:ext uri="{C572A759-6A51-4108-AA02-DFA0A04FC94B}">
-              <ma14:wrappingTextBoxFlag xmlns:ma14="http://schemas.microsoft.com/office/mac/drawingml/2011/main" xmlns:a14="http://schemas.microsoft.com/office/drawing/2010/main" xmlns:m="http://schemas.openxmlformats.org/officeDocument/2006/math" xmlns="" val="1"/>
+              <ma14:wrappingTextBoxFlag xmlns="" xmlns:m="http://schemas.openxmlformats.org/officeDocument/2006/math" xmlns:a14="http://schemas.microsoft.com/office/drawing/2010/main" xmlns:ma14="http://schemas.microsoft.com/office/mac/drawingml/2011/main" val="1"/>
             </a:ext>
           </a:extLst>
         </p:spPr>
@@ -13172,7 +13172,7 @@
           </a:ln>
           <a:extLst>
             <a:ext uri="{C572A759-6A51-4108-AA02-DFA0A04FC94B}">
-              <ma14:wrappingTextBoxFlag xmlns="" xmlns:m="http://schemas.openxmlformats.org/officeDocument/2006/math" xmlns:a14="http://schemas.microsoft.com/office/drawing/2010/main" xmlns:ma14="http://schemas.microsoft.com/office/mac/drawingml/2011/main" val="1"/>
+              <ma14:wrappingTextBoxFlag xmlns:ma14="http://schemas.microsoft.com/office/mac/drawingml/2011/main" xmlns:a14="http://schemas.microsoft.com/office/drawing/2010/main" xmlns:m="http://schemas.openxmlformats.org/officeDocument/2006/math" xmlns="" val="1"/>
             </a:ext>
           </a:extLst>
         </p:spPr>
@@ -13268,7 +13268,7 @@
           </a:ln>
           <a:extLst>
             <a:ext uri="{C572A759-6A51-4108-AA02-DFA0A04FC94B}">
-              <ma14:wrappingTextBoxFlag xmlns="" xmlns:m="http://schemas.openxmlformats.org/officeDocument/2006/math" xmlns:a14="http://schemas.microsoft.com/office/drawing/2010/main" xmlns:ma14="http://schemas.microsoft.com/office/mac/drawingml/2011/main" val="1"/>
+              <ma14:wrappingTextBoxFlag xmlns:ma14="http://schemas.microsoft.com/office/mac/drawingml/2011/main" xmlns:a14="http://schemas.microsoft.com/office/drawing/2010/main" xmlns:m="http://schemas.openxmlformats.org/officeDocument/2006/math" xmlns="" val="1"/>
             </a:ext>
           </a:extLst>
         </p:spPr>
@@ -13426,7 +13426,7 @@
           </a:ln>
           <a:extLst>
             <a:ext uri="{C572A759-6A51-4108-AA02-DFA0A04FC94B}">
-              <ma14:wrappingTextBoxFlag xmlns="" xmlns:m="http://schemas.openxmlformats.org/officeDocument/2006/math" xmlns:a14="http://schemas.microsoft.com/office/drawing/2010/main" xmlns:ma14="http://schemas.microsoft.com/office/mac/drawingml/2011/main" val="1"/>
+              <ma14:wrappingTextBoxFlag xmlns:ma14="http://schemas.microsoft.com/office/mac/drawingml/2011/main" xmlns:a14="http://schemas.microsoft.com/office/drawing/2010/main" xmlns:m="http://schemas.openxmlformats.org/officeDocument/2006/math" xmlns="" val="1"/>
             </a:ext>
           </a:extLst>
         </p:spPr>
@@ -13634,7 +13634,7 @@
           </a:ln>
           <a:extLst>
             <a:ext uri="{C572A759-6A51-4108-AA02-DFA0A04FC94B}">
-              <ma14:wrappingTextBoxFlag xmlns="" xmlns:m="http://schemas.openxmlformats.org/officeDocument/2006/math" xmlns:a14="http://schemas.microsoft.com/office/drawing/2010/main" xmlns:ma14="http://schemas.microsoft.com/office/mac/drawingml/2011/main" val="1"/>
+              <ma14:wrappingTextBoxFlag xmlns:ma14="http://schemas.microsoft.com/office/mac/drawingml/2011/main" xmlns:a14="http://schemas.microsoft.com/office/drawing/2010/main" xmlns:m="http://schemas.openxmlformats.org/officeDocument/2006/math" xmlns="" val="1"/>
             </a:ext>
           </a:extLst>
         </p:spPr>
@@ -13904,7 +13904,7 @@
           </a:ln>
           <a:extLst>
             <a:ext uri="{C572A759-6A51-4108-AA02-DFA0A04FC94B}">
-              <ma14:wrappingTextBoxFlag xmlns="" xmlns:m="http://schemas.openxmlformats.org/officeDocument/2006/math" xmlns:a14="http://schemas.microsoft.com/office/drawing/2010/main" xmlns:ma14="http://schemas.microsoft.com/office/mac/drawingml/2011/main" val="1"/>
+              <ma14:wrappingTextBoxFlag xmlns:ma14="http://schemas.microsoft.com/office/mac/drawingml/2011/main" xmlns:a14="http://schemas.microsoft.com/office/drawing/2010/main" xmlns:m="http://schemas.openxmlformats.org/officeDocument/2006/math" xmlns="" val="1"/>
             </a:ext>
           </a:extLst>
         </p:spPr>
@@ -14124,7 +14124,7 @@
           </a:ln>
           <a:extLst>
             <a:ext uri="{C572A759-6A51-4108-AA02-DFA0A04FC94B}">
-              <ma14:wrappingTextBoxFlag xmlns="" xmlns:m="http://schemas.openxmlformats.org/officeDocument/2006/math" xmlns:a14="http://schemas.microsoft.com/office/drawing/2010/main" xmlns:ma14="http://schemas.microsoft.com/office/mac/drawingml/2011/main" val="1"/>
+              <ma14:wrappingTextBoxFlag xmlns:ma14="http://schemas.microsoft.com/office/mac/drawingml/2011/main" xmlns:a14="http://schemas.microsoft.com/office/drawing/2010/main" xmlns:m="http://schemas.openxmlformats.org/officeDocument/2006/math" xmlns="" val="1"/>
             </a:ext>
           </a:extLst>
         </p:spPr>
@@ -14178,7 +14178,7 @@
           </a:ln>
           <a:extLst>
             <a:ext uri="{C572A759-6A51-4108-AA02-DFA0A04FC94B}">
-              <ma14:wrappingTextBoxFlag xmlns="" xmlns:m="http://schemas.openxmlformats.org/officeDocument/2006/math" xmlns:a14="http://schemas.microsoft.com/office/drawing/2010/main" xmlns:ma14="http://schemas.microsoft.com/office/mac/drawingml/2011/main" val="1"/>
+              <ma14:wrappingTextBoxFlag xmlns:ma14="http://schemas.microsoft.com/office/mac/drawingml/2011/main" xmlns:a14="http://schemas.microsoft.com/office/drawing/2010/main" xmlns:m="http://schemas.openxmlformats.org/officeDocument/2006/math" xmlns="" val="1"/>
             </a:ext>
           </a:extLst>
         </p:spPr>
@@ -14246,7 +14246,7 @@
           </a:ln>
           <a:extLst>
             <a:ext uri="{C572A759-6A51-4108-AA02-DFA0A04FC94B}">
-              <ma14:wrappingTextBoxFlag xmlns="" xmlns:m="http://schemas.openxmlformats.org/officeDocument/2006/math" xmlns:a14="http://schemas.microsoft.com/office/drawing/2010/main" xmlns:ma14="http://schemas.microsoft.com/office/mac/drawingml/2011/main" val="1"/>
+              <ma14:wrappingTextBoxFlag xmlns:ma14="http://schemas.microsoft.com/office/mac/drawingml/2011/main" xmlns:a14="http://schemas.microsoft.com/office/drawing/2010/main" xmlns:m="http://schemas.openxmlformats.org/officeDocument/2006/math" xmlns="" val="1"/>
             </a:ext>
           </a:extLst>
         </p:spPr>
@@ -14696,7 +14696,7 @@
           </a:ln>
           <a:extLst>
             <a:ext uri="{C572A759-6A51-4108-AA02-DFA0A04FC94B}">
-              <ma14:wrappingTextBoxFlag xmlns="" xmlns:m="http://schemas.openxmlformats.org/officeDocument/2006/math" xmlns:a14="http://schemas.microsoft.com/office/drawing/2010/main" xmlns:ma14="http://schemas.microsoft.com/office/mac/drawingml/2011/main" val="1"/>
+              <ma14:wrappingTextBoxFlag xmlns:ma14="http://schemas.microsoft.com/office/mac/drawingml/2011/main" xmlns:a14="http://schemas.microsoft.com/office/drawing/2010/main" xmlns:m="http://schemas.openxmlformats.org/officeDocument/2006/math" xmlns="" val="1"/>
             </a:ext>
           </a:extLst>
         </p:spPr>
@@ -14772,7 +14772,7 @@
           </a:ln>
           <a:extLst>
             <a:ext uri="{C572A759-6A51-4108-AA02-DFA0A04FC94B}">
-              <ma14:wrappingTextBoxFlag xmlns="" xmlns:m="http://schemas.openxmlformats.org/officeDocument/2006/math" xmlns:a14="http://schemas.microsoft.com/office/drawing/2010/main" xmlns:ma14="http://schemas.microsoft.com/office/mac/drawingml/2011/main" val="1"/>
+              <ma14:wrappingTextBoxFlag xmlns:ma14="http://schemas.microsoft.com/office/mac/drawingml/2011/main" xmlns:a14="http://schemas.microsoft.com/office/drawing/2010/main" xmlns:m="http://schemas.openxmlformats.org/officeDocument/2006/math" xmlns="" val="1"/>
             </a:ext>
           </a:extLst>
         </p:spPr>
@@ -18978,36 +18978,6 @@
           </a:p>
         </p:txBody>
       </p:sp>
-      <p:pic>
-        <p:nvPicPr>
-          <p:cNvPr id="7" name="Picture 6">
-            <a:extLst>
-              <a:ext uri="{FF2B5EF4-FFF2-40B4-BE49-F238E27FC236}">
-                <a16:creationId xmlns:a16="http://schemas.microsoft.com/office/drawing/2014/main" id="{7669F4A2-D5F7-4779-B4C7-EB21837ED591}"/>
-              </a:ext>
-            </a:extLst>
-          </p:cNvPr>
-          <p:cNvPicPr>
-            <a:picLocks noChangeAspect="1"/>
-          </p:cNvPicPr>
-          <p:nvPr/>
-        </p:nvPicPr>
-        <p:blipFill>
-          <a:blip r:embed="rId2"/>
-          <a:stretch>
-            <a:fillRect/>
-          </a:stretch>
-        </p:blipFill>
-        <p:spPr>
-          <a:xfrm>
-            <a:off x="6096000" y="1203524"/>
-            <a:ext cx="3462338" cy="4377183"/>
-          </a:xfrm>
-          <a:prstGeom prst="rect">
-            <a:avLst/>
-          </a:prstGeom>
-        </p:spPr>
-      </p:pic>
       <p:sp>
         <p:nvSpPr>
           <p:cNvPr id="2" name="TextBox 1">
@@ -19090,6 +19060,36 @@
           </a:p>
         </p:txBody>
       </p:sp>
+      <p:pic>
+        <p:nvPicPr>
+          <p:cNvPr id="8" name="Picture 7">
+            <a:extLst>
+              <a:ext uri="{FF2B5EF4-FFF2-40B4-BE49-F238E27FC236}">
+                <a16:creationId xmlns:a16="http://schemas.microsoft.com/office/drawing/2014/main" id="{C8044C53-7522-A4F7-121D-554D7C87F56F}"/>
+              </a:ext>
+            </a:extLst>
+          </p:cNvPr>
+          <p:cNvPicPr>
+            <a:picLocks noChangeAspect="1"/>
+          </p:cNvPicPr>
+          <p:nvPr/>
+        </p:nvPicPr>
+        <p:blipFill>
+          <a:blip r:embed="rId2"/>
+          <a:stretch>
+            <a:fillRect/>
+          </a:stretch>
+        </p:blipFill>
+        <p:spPr>
+          <a:xfrm>
+            <a:off x="6194491" y="1514474"/>
+            <a:ext cx="2838450" cy="1914525"/>
+          </a:xfrm>
+          <a:prstGeom prst="rect">
+            <a:avLst/>
+          </a:prstGeom>
+        </p:spPr>
+      </p:pic>
     </p:spTree>
     <p:extLst>
       <p:ext uri="{BB962C8B-B14F-4D97-AF65-F5344CB8AC3E}">
@@ -19194,7 +19194,7 @@
             </a:r>
             <a:r>
               <a:rPr lang="en-US"/>
-              <a:t>/23.4</a:t>
+              <a:t>/24.1</a:t>
             </a:r>
             <a:endParaRPr lang="en-US" dirty="0"/>
           </a:p>
@@ -21227,6 +21227,15 @@
 </file>
 
 <file path=customXml/item1.xml><?xml version="1.0" encoding="utf-8"?>
+<?mso-contentType ?>
+<FormTemplates xmlns="http://schemas.microsoft.com/sharepoint/v3/contenttype/forms">
+  <Display>DocumentLibraryForm</Display>
+  <Edit>DocumentLibraryForm</Edit>
+  <New>DocumentLibraryForm</New>
+</FormTemplates>
+</file>
+
+<file path=customXml/item2.xml><?xml version="1.0" encoding="utf-8"?>
 <ct:contentTypeSchema xmlns:ct="http://schemas.microsoft.com/office/2006/metadata/contentType" xmlns:ma="http://schemas.microsoft.com/office/2006/metadata/properties/metaAttributes" ct:_="" ma:_="" ma:contentTypeName="Document" ma:contentTypeID="0x010100D154056AC1913548A181145D96A05235" ma:contentTypeVersion="9" ma:contentTypeDescription="Create a new document." ma:contentTypeScope="" ma:versionID="6ace0ec2b5e64356200d33536677a8bd">
   <xsd:schema xmlns:xsd="http://www.w3.org/2001/XMLSchema" xmlns:xs="http://www.w3.org/2001/XMLSchema" xmlns:p="http://schemas.microsoft.com/office/2006/metadata/properties" xmlns:ns2="53a85f9c-6358-4b92-b824-b024aa1d835a" xmlns:ns3="ec8a38d1-aac5-4105-a264-6b973117bc9e" targetNamespace="http://schemas.microsoft.com/office/2006/metadata/properties" ma:root="true" ma:fieldsID="85415ff27e9347e2553f12a1d2b16bc2" ns2:_="" ns3:_="">
     <xsd:import namespace="53a85f9c-6358-4b92-b824-b024aa1d835a"/>
@@ -21423,15 +21432,6 @@
 </ct:contentTypeSchema>
 </file>
 
-<file path=customXml/item2.xml><?xml version="1.0" encoding="utf-8"?>
-<?mso-contentType ?>
-<FormTemplates xmlns="http://schemas.microsoft.com/sharepoint/v3/contenttype/forms">
-  <Display>DocumentLibraryForm</Display>
-  <Edit>DocumentLibraryForm</Edit>
-  <New>DocumentLibraryForm</New>
-</FormTemplates>
-</file>
-
 <file path=customXml/item3.xml><?xml version="1.0" encoding="utf-8"?>
 <p:properties xmlns:p="http://schemas.microsoft.com/office/2006/metadata/properties" xmlns:xsi="http://www.w3.org/2001/XMLSchema-instance" xmlns:pc="http://schemas.microsoft.com/office/infopath/2007/PartnerControls">
   <documentManagement/>
@@ -21439,6 +21439,14 @@
 </file>
 
 <file path=customXml/itemProps1.xml><?xml version="1.0" encoding="utf-8"?>
+<ds:datastoreItem xmlns:ds="http://schemas.openxmlformats.org/officeDocument/2006/customXml" ds:itemID="{201C66F3-FBD8-4B0F-98D9-445FE3649D01}">
+  <ds:schemaRefs>
+    <ds:schemaRef ds:uri="http://schemas.microsoft.com/sharepoint/v3/contenttype/forms"/>
+  </ds:schemaRefs>
+</ds:datastoreItem>
+</file>
+
+<file path=customXml/itemProps2.xml><?xml version="1.0" encoding="utf-8"?>
 <ds:datastoreItem xmlns:ds="http://schemas.openxmlformats.org/officeDocument/2006/customXml" ds:itemID="{13A06AE1-2983-44CE-B136-A501093AA36B}">
   <ds:schemaRefs>
     <ds:schemaRef ds:uri="http://schemas.microsoft.com/office/2006/metadata/contentType"/>
@@ -21457,14 +21465,6 @@
 </ds:datastoreItem>
 </file>
 
-<file path=customXml/itemProps2.xml><?xml version="1.0" encoding="utf-8"?>
-<ds:datastoreItem xmlns:ds="http://schemas.openxmlformats.org/officeDocument/2006/customXml" ds:itemID="{201C66F3-FBD8-4B0F-98D9-445FE3649D01}">
-  <ds:schemaRefs>
-    <ds:schemaRef ds:uri="http://schemas.microsoft.com/sharepoint/v3/contenttype/forms"/>
-  </ds:schemaRefs>
-</ds:datastoreItem>
-</file>
-
 <file path=customXml/itemProps3.xml><?xml version="1.0" encoding="utf-8"?>
 <ds:datastoreItem xmlns:ds="http://schemas.openxmlformats.org/officeDocument/2006/customXml" ds:itemID="{724B8A99-8161-4D52-8DFD-478F5C1B3170}">
   <ds:schemaRefs>
